--- a/documents/Презентация.pptx
+++ b/documents/Презентация.pptx
@@ -8,10 +8,10 @@
     <p:sldId id="256" r:id="rId2"/>
     <p:sldId id="264" r:id="rId3"/>
     <p:sldId id="259" r:id="rId4"/>
-    <p:sldId id="260" r:id="rId5"/>
+    <p:sldId id="261" r:id="rId5"/>
     <p:sldId id="262" r:id="rId6"/>
-    <p:sldId id="258" r:id="rId7"/>
-    <p:sldId id="261" r:id="rId8"/>
+    <p:sldId id="260" r:id="rId7"/>
+    <p:sldId id="258" r:id="rId8"/>
     <p:sldId id="263" r:id="rId9"/>
     <p:sldId id="265" r:id="rId10"/>
     <p:sldId id="266" r:id="rId11"/>
@@ -165,10 +165,9 @@
           </a:lstStyle>
           <a:p>
             <a:r>
-              <a:rPr lang="ru-RU" smtClean="0"/>
+              <a:rPr lang="ru-RU"/>
               <a:t>Образец заголовка</a:t>
             </a:r>
-            <a:endParaRPr lang="ru-RU"/>
           </a:p>
         </p:txBody>
       </p:sp>
@@ -230,10 +229,9 @@
           </a:lstStyle>
           <a:p>
             <a:r>
-              <a:rPr lang="ru-RU" smtClean="0"/>
+              <a:rPr lang="ru-RU"/>
               <a:t>Образец подзаголовка</a:t>
             </a:r>
-            <a:endParaRPr lang="ru-RU"/>
           </a:p>
         </p:txBody>
       </p:sp>
@@ -348,10 +346,9 @@
           <a:lstStyle/>
           <a:p>
             <a:r>
-              <a:rPr lang="ru-RU" smtClean="0"/>
+              <a:rPr lang="ru-RU"/>
               <a:t>Образец заголовка</a:t>
             </a:r>
-            <a:endParaRPr lang="ru-RU"/>
           </a:p>
         </p:txBody>
       </p:sp>
@@ -372,38 +369,37 @@
           <a:p>
             <a:pPr lvl="0"/>
             <a:r>
-              <a:rPr lang="ru-RU" smtClean="0"/>
+              <a:rPr lang="ru-RU"/>
               <a:t>Образец текста</a:t>
             </a:r>
           </a:p>
           <a:p>
             <a:pPr lvl="1"/>
             <a:r>
-              <a:rPr lang="ru-RU" smtClean="0"/>
+              <a:rPr lang="ru-RU"/>
               <a:t>Второй уровень</a:t>
             </a:r>
           </a:p>
           <a:p>
             <a:pPr lvl="2"/>
             <a:r>
-              <a:rPr lang="ru-RU" smtClean="0"/>
+              <a:rPr lang="ru-RU"/>
               <a:t>Третий уровень</a:t>
             </a:r>
           </a:p>
           <a:p>
             <a:pPr lvl="3"/>
             <a:r>
-              <a:rPr lang="ru-RU" smtClean="0"/>
+              <a:rPr lang="ru-RU"/>
               <a:t>Четвертый уровень</a:t>
             </a:r>
           </a:p>
           <a:p>
             <a:pPr lvl="4"/>
             <a:r>
-              <a:rPr lang="ru-RU" smtClean="0"/>
+              <a:rPr lang="ru-RU"/>
               <a:t>Пятый уровень</a:t>
             </a:r>
-            <a:endParaRPr lang="ru-RU"/>
           </a:p>
         </p:txBody>
       </p:sp>
@@ -523,10 +519,9 @@
           <a:lstStyle/>
           <a:p>
             <a:r>
-              <a:rPr lang="ru-RU" smtClean="0"/>
+              <a:rPr lang="ru-RU"/>
               <a:t>Образец заголовка</a:t>
             </a:r>
-            <a:endParaRPr lang="ru-RU"/>
           </a:p>
         </p:txBody>
       </p:sp>
@@ -552,38 +547,37 @@
           <a:p>
             <a:pPr lvl="0"/>
             <a:r>
-              <a:rPr lang="ru-RU" smtClean="0"/>
+              <a:rPr lang="ru-RU"/>
               <a:t>Образец текста</a:t>
             </a:r>
           </a:p>
           <a:p>
             <a:pPr lvl="1"/>
             <a:r>
-              <a:rPr lang="ru-RU" smtClean="0"/>
+              <a:rPr lang="ru-RU"/>
               <a:t>Второй уровень</a:t>
             </a:r>
           </a:p>
           <a:p>
             <a:pPr lvl="2"/>
             <a:r>
-              <a:rPr lang="ru-RU" smtClean="0"/>
+              <a:rPr lang="ru-RU"/>
               <a:t>Третий уровень</a:t>
             </a:r>
           </a:p>
           <a:p>
             <a:pPr lvl="3"/>
             <a:r>
-              <a:rPr lang="ru-RU" smtClean="0"/>
+              <a:rPr lang="ru-RU"/>
               <a:t>Четвертый уровень</a:t>
             </a:r>
           </a:p>
           <a:p>
             <a:pPr lvl="4"/>
             <a:r>
-              <a:rPr lang="ru-RU" smtClean="0"/>
+              <a:rPr lang="ru-RU"/>
               <a:t>Пятый уровень</a:t>
             </a:r>
-            <a:endParaRPr lang="ru-RU"/>
           </a:p>
         </p:txBody>
       </p:sp>
@@ -698,10 +692,9 @@
           <a:lstStyle/>
           <a:p>
             <a:r>
-              <a:rPr lang="ru-RU" smtClean="0"/>
+              <a:rPr lang="ru-RU"/>
               <a:t>Образец заголовка</a:t>
             </a:r>
-            <a:endParaRPr lang="ru-RU"/>
           </a:p>
         </p:txBody>
       </p:sp>
@@ -722,38 +715,37 @@
           <a:p>
             <a:pPr lvl="0"/>
             <a:r>
-              <a:rPr lang="ru-RU" smtClean="0"/>
+              <a:rPr lang="ru-RU"/>
               <a:t>Образец текста</a:t>
             </a:r>
           </a:p>
           <a:p>
             <a:pPr lvl="1"/>
             <a:r>
-              <a:rPr lang="ru-RU" smtClean="0"/>
+              <a:rPr lang="ru-RU"/>
               <a:t>Второй уровень</a:t>
             </a:r>
           </a:p>
           <a:p>
             <a:pPr lvl="2"/>
             <a:r>
-              <a:rPr lang="ru-RU" smtClean="0"/>
+              <a:rPr lang="ru-RU"/>
               <a:t>Третий уровень</a:t>
             </a:r>
           </a:p>
           <a:p>
             <a:pPr lvl="3"/>
             <a:r>
-              <a:rPr lang="ru-RU" smtClean="0"/>
+              <a:rPr lang="ru-RU"/>
               <a:t>Четвертый уровень</a:t>
             </a:r>
           </a:p>
           <a:p>
             <a:pPr lvl="4"/>
             <a:r>
-              <a:rPr lang="ru-RU" smtClean="0"/>
+              <a:rPr lang="ru-RU"/>
               <a:t>Пятый уровень</a:t>
             </a:r>
-            <a:endParaRPr lang="ru-RU"/>
           </a:p>
         </p:txBody>
       </p:sp>
@@ -877,10 +869,9 @@
           </a:lstStyle>
           <a:p>
             <a:r>
-              <a:rPr lang="ru-RU" smtClean="0"/>
+              <a:rPr lang="ru-RU"/>
               <a:t>Образец заголовка</a:t>
             </a:r>
-            <a:endParaRPr lang="ru-RU"/>
           </a:p>
         </p:txBody>
       </p:sp>
@@ -997,7 +988,7 @@
           <a:p>
             <a:pPr lvl="0"/>
             <a:r>
-              <a:rPr lang="ru-RU" smtClean="0"/>
+              <a:rPr lang="ru-RU"/>
               <a:t>Образец текста</a:t>
             </a:r>
           </a:p>
@@ -1114,10 +1105,9 @@
           <a:lstStyle/>
           <a:p>
             <a:r>
-              <a:rPr lang="ru-RU" smtClean="0"/>
+              <a:rPr lang="ru-RU"/>
               <a:t>Образец заголовка</a:t>
             </a:r>
-            <a:endParaRPr lang="ru-RU"/>
           </a:p>
         </p:txBody>
       </p:sp>
@@ -1143,38 +1133,37 @@
           <a:p>
             <a:pPr lvl="0"/>
             <a:r>
-              <a:rPr lang="ru-RU" smtClean="0"/>
+              <a:rPr lang="ru-RU"/>
               <a:t>Образец текста</a:t>
             </a:r>
           </a:p>
           <a:p>
             <a:pPr lvl="1"/>
             <a:r>
-              <a:rPr lang="ru-RU" smtClean="0"/>
+              <a:rPr lang="ru-RU"/>
               <a:t>Второй уровень</a:t>
             </a:r>
           </a:p>
           <a:p>
             <a:pPr lvl="2"/>
             <a:r>
-              <a:rPr lang="ru-RU" smtClean="0"/>
+              <a:rPr lang="ru-RU"/>
               <a:t>Третий уровень</a:t>
             </a:r>
           </a:p>
           <a:p>
             <a:pPr lvl="3"/>
             <a:r>
-              <a:rPr lang="ru-RU" smtClean="0"/>
+              <a:rPr lang="ru-RU"/>
               <a:t>Четвертый уровень</a:t>
             </a:r>
           </a:p>
           <a:p>
             <a:pPr lvl="4"/>
             <a:r>
-              <a:rPr lang="ru-RU" smtClean="0"/>
+              <a:rPr lang="ru-RU"/>
               <a:t>Пятый уровень</a:t>
             </a:r>
-            <a:endParaRPr lang="ru-RU"/>
           </a:p>
         </p:txBody>
       </p:sp>
@@ -1200,38 +1189,37 @@
           <a:p>
             <a:pPr lvl="0"/>
             <a:r>
-              <a:rPr lang="ru-RU" smtClean="0"/>
+              <a:rPr lang="ru-RU"/>
               <a:t>Образец текста</a:t>
             </a:r>
           </a:p>
           <a:p>
             <a:pPr lvl="1"/>
             <a:r>
-              <a:rPr lang="ru-RU" smtClean="0"/>
+              <a:rPr lang="ru-RU"/>
               <a:t>Второй уровень</a:t>
             </a:r>
           </a:p>
           <a:p>
             <a:pPr lvl="2"/>
             <a:r>
-              <a:rPr lang="ru-RU" smtClean="0"/>
+              <a:rPr lang="ru-RU"/>
               <a:t>Третий уровень</a:t>
             </a:r>
           </a:p>
           <a:p>
             <a:pPr lvl="3"/>
             <a:r>
-              <a:rPr lang="ru-RU" smtClean="0"/>
+              <a:rPr lang="ru-RU"/>
               <a:t>Четвертый уровень</a:t>
             </a:r>
           </a:p>
           <a:p>
             <a:pPr lvl="4"/>
             <a:r>
-              <a:rPr lang="ru-RU" smtClean="0"/>
+              <a:rPr lang="ru-RU"/>
               <a:t>Пятый уровень</a:t>
             </a:r>
-            <a:endParaRPr lang="ru-RU"/>
           </a:p>
         </p:txBody>
       </p:sp>
@@ -1351,10 +1339,9 @@
           <a:lstStyle/>
           <a:p>
             <a:r>
-              <a:rPr lang="ru-RU" smtClean="0"/>
+              <a:rPr lang="ru-RU"/>
               <a:t>Образец заголовка</a:t>
             </a:r>
-            <a:endParaRPr lang="ru-RU"/>
           </a:p>
         </p:txBody>
       </p:sp>
@@ -1417,7 +1404,7 @@
           <a:p>
             <a:pPr lvl="0"/>
             <a:r>
-              <a:rPr lang="ru-RU" smtClean="0"/>
+              <a:rPr lang="ru-RU"/>
               <a:t>Образец текста</a:t>
             </a:r>
           </a:p>
@@ -1445,38 +1432,37 @@
           <a:p>
             <a:pPr lvl="0"/>
             <a:r>
-              <a:rPr lang="ru-RU" smtClean="0"/>
+              <a:rPr lang="ru-RU"/>
               <a:t>Образец текста</a:t>
             </a:r>
           </a:p>
           <a:p>
             <a:pPr lvl="1"/>
             <a:r>
-              <a:rPr lang="ru-RU" smtClean="0"/>
+              <a:rPr lang="ru-RU"/>
               <a:t>Второй уровень</a:t>
             </a:r>
           </a:p>
           <a:p>
             <a:pPr lvl="2"/>
             <a:r>
-              <a:rPr lang="ru-RU" smtClean="0"/>
+              <a:rPr lang="ru-RU"/>
               <a:t>Третий уровень</a:t>
             </a:r>
           </a:p>
           <a:p>
             <a:pPr lvl="3"/>
             <a:r>
-              <a:rPr lang="ru-RU" smtClean="0"/>
+              <a:rPr lang="ru-RU"/>
               <a:t>Четвертый уровень</a:t>
             </a:r>
           </a:p>
           <a:p>
             <a:pPr lvl="4"/>
             <a:r>
-              <a:rPr lang="ru-RU" smtClean="0"/>
+              <a:rPr lang="ru-RU"/>
               <a:t>Пятый уровень</a:t>
             </a:r>
-            <a:endParaRPr lang="ru-RU"/>
           </a:p>
         </p:txBody>
       </p:sp>
@@ -1539,7 +1525,7 @@
           <a:p>
             <a:pPr lvl="0"/>
             <a:r>
-              <a:rPr lang="ru-RU" smtClean="0"/>
+              <a:rPr lang="ru-RU"/>
               <a:t>Образец текста</a:t>
             </a:r>
           </a:p>
@@ -1567,38 +1553,37 @@
           <a:p>
             <a:pPr lvl="0"/>
             <a:r>
-              <a:rPr lang="ru-RU" smtClean="0"/>
+              <a:rPr lang="ru-RU"/>
               <a:t>Образец текста</a:t>
             </a:r>
           </a:p>
           <a:p>
             <a:pPr lvl="1"/>
             <a:r>
-              <a:rPr lang="ru-RU" smtClean="0"/>
+              <a:rPr lang="ru-RU"/>
               <a:t>Второй уровень</a:t>
             </a:r>
           </a:p>
           <a:p>
             <a:pPr lvl="2"/>
             <a:r>
-              <a:rPr lang="ru-RU" smtClean="0"/>
+              <a:rPr lang="ru-RU"/>
               <a:t>Третий уровень</a:t>
             </a:r>
           </a:p>
           <a:p>
             <a:pPr lvl="3"/>
             <a:r>
-              <a:rPr lang="ru-RU" smtClean="0"/>
+              <a:rPr lang="ru-RU"/>
               <a:t>Четвертый уровень</a:t>
             </a:r>
           </a:p>
           <a:p>
             <a:pPr lvl="4"/>
             <a:r>
-              <a:rPr lang="ru-RU" smtClean="0"/>
+              <a:rPr lang="ru-RU"/>
               <a:t>Пятый уровень</a:t>
             </a:r>
-            <a:endParaRPr lang="ru-RU"/>
           </a:p>
         </p:txBody>
       </p:sp>
@@ -1713,10 +1698,9 @@
           <a:lstStyle/>
           <a:p>
             <a:r>
-              <a:rPr lang="ru-RU" smtClean="0"/>
+              <a:rPr lang="ru-RU"/>
               <a:t>Образец заголовка</a:t>
             </a:r>
-            <a:endParaRPr lang="ru-RU"/>
           </a:p>
         </p:txBody>
       </p:sp>
@@ -1935,10 +1919,9 @@
           </a:lstStyle>
           <a:p>
             <a:r>
-              <a:rPr lang="ru-RU" smtClean="0"/>
+              <a:rPr lang="ru-RU"/>
               <a:t>Образец заголовка</a:t>
             </a:r>
-            <a:endParaRPr lang="ru-RU"/>
           </a:p>
         </p:txBody>
       </p:sp>
@@ -1992,38 +1975,37 @@
           <a:p>
             <a:pPr lvl="0"/>
             <a:r>
-              <a:rPr lang="ru-RU" smtClean="0"/>
+              <a:rPr lang="ru-RU"/>
               <a:t>Образец текста</a:t>
             </a:r>
           </a:p>
           <a:p>
             <a:pPr lvl="1"/>
             <a:r>
-              <a:rPr lang="ru-RU" smtClean="0"/>
+              <a:rPr lang="ru-RU"/>
               <a:t>Второй уровень</a:t>
             </a:r>
           </a:p>
           <a:p>
             <a:pPr lvl="2"/>
             <a:r>
-              <a:rPr lang="ru-RU" smtClean="0"/>
+              <a:rPr lang="ru-RU"/>
               <a:t>Третий уровень</a:t>
             </a:r>
           </a:p>
           <a:p>
             <a:pPr lvl="3"/>
             <a:r>
-              <a:rPr lang="ru-RU" smtClean="0"/>
+              <a:rPr lang="ru-RU"/>
               <a:t>Четвертый уровень</a:t>
             </a:r>
           </a:p>
           <a:p>
             <a:pPr lvl="4"/>
             <a:r>
-              <a:rPr lang="ru-RU" smtClean="0"/>
+              <a:rPr lang="ru-RU"/>
               <a:t>Пятый уровень</a:t>
             </a:r>
-            <a:endParaRPr lang="ru-RU"/>
           </a:p>
         </p:txBody>
       </p:sp>
@@ -2086,7 +2068,7 @@
           <a:p>
             <a:pPr lvl="0"/>
             <a:r>
-              <a:rPr lang="ru-RU" smtClean="0"/>
+              <a:rPr lang="ru-RU"/>
               <a:t>Образец текста</a:t>
             </a:r>
           </a:p>
@@ -2212,10 +2194,9 @@
           </a:lstStyle>
           <a:p>
             <a:r>
-              <a:rPr lang="ru-RU" smtClean="0"/>
+              <a:rPr lang="ru-RU"/>
               <a:t>Образец заголовка</a:t>
             </a:r>
-            <a:endParaRPr lang="ru-RU"/>
           </a:p>
         </p:txBody>
       </p:sp>
@@ -2339,7 +2320,7 @@
           <a:p>
             <a:pPr lvl="0"/>
             <a:r>
-              <a:rPr lang="ru-RU" smtClean="0"/>
+              <a:rPr lang="ru-RU"/>
               <a:t>Образец текста</a:t>
             </a:r>
           </a:p>
@@ -2471,10 +2452,9 @@
           <a:lstStyle/>
           <a:p>
             <a:r>
-              <a:rPr lang="ru-RU" smtClean="0"/>
+              <a:rPr lang="ru-RU"/>
               <a:t>Образец заголовка</a:t>
             </a:r>
-            <a:endParaRPr lang="ru-RU"/>
           </a:p>
         </p:txBody>
       </p:sp>
@@ -2505,38 +2485,37 @@
           <a:p>
             <a:pPr lvl="0"/>
             <a:r>
-              <a:rPr lang="ru-RU" smtClean="0"/>
+              <a:rPr lang="ru-RU"/>
               <a:t>Образец текста</a:t>
             </a:r>
           </a:p>
           <a:p>
             <a:pPr lvl="1"/>
             <a:r>
-              <a:rPr lang="ru-RU" smtClean="0"/>
+              <a:rPr lang="ru-RU"/>
               <a:t>Второй уровень</a:t>
             </a:r>
           </a:p>
           <a:p>
             <a:pPr lvl="2"/>
             <a:r>
-              <a:rPr lang="ru-RU" smtClean="0"/>
+              <a:rPr lang="ru-RU"/>
               <a:t>Третий уровень</a:t>
             </a:r>
           </a:p>
           <a:p>
             <a:pPr lvl="3"/>
             <a:r>
-              <a:rPr lang="ru-RU" smtClean="0"/>
+              <a:rPr lang="ru-RU"/>
               <a:t>Четвертый уровень</a:t>
             </a:r>
           </a:p>
           <a:p>
             <a:pPr lvl="4"/>
             <a:r>
-              <a:rPr lang="ru-RU" smtClean="0"/>
+              <a:rPr lang="ru-RU"/>
               <a:t>Пятый уровень</a:t>
             </a:r>
-            <a:endParaRPr lang="ru-RU"/>
           </a:p>
         </p:txBody>
       </p:sp>
@@ -3006,7 +2985,7 @@
         </p:spPr>
         <p:txBody>
           <a:bodyPr>
-            <a:normAutofit/>
+            <a:normAutofit fontScale="90000"/>
           </a:bodyPr>
           <a:lstStyle/>
           <a:p>
@@ -3052,7 +3031,7 @@
           <a:lstStyle/>
           <a:p>
             <a:r>
-              <a:rPr lang="ru-RU" sz="1800" dirty="0" smtClean="0">
+              <a:rPr lang="ru-RU" sz="1800" dirty="0">
                 <a:solidFill>
                   <a:srgbClr val="ABC357"/>
                 </a:solidFill>
@@ -3061,38 +3040,23 @@
               <a:t>Выполнили</a:t>
             </a:r>
             <a:r>
-              <a:rPr lang="ru-RU" sz="1800" dirty="0" smtClean="0">
+              <a:rPr lang="ru-RU" sz="1800" dirty="0">
                 <a:latin typeface="Arial Black" panose="020B0A04020102020204" pitchFamily="34" charset="0"/>
               </a:rPr>
               <a:t>: </a:t>
             </a:r>
             <a:r>
-              <a:rPr lang="ru-RU" sz="1800" dirty="0" err="1" smtClean="0">
+              <a:rPr lang="ru-RU" sz="1800" dirty="0" err="1">
                 <a:latin typeface="Arial Black" panose="020B0A04020102020204" pitchFamily="34" charset="0"/>
               </a:rPr>
               <a:t>Дувакин</a:t>
             </a:r>
             <a:r>
-              <a:rPr lang="ru-RU" sz="1800" dirty="0" smtClean="0">
-                <a:latin typeface="Arial Black" panose="020B0A04020102020204" pitchFamily="34" charset="0"/>
-              </a:rPr>
-              <a:t> Андрей и </a:t>
-            </a:r>
-            <a:r>
               <a:rPr lang="ru-RU" sz="1800" dirty="0">
                 <a:latin typeface="Arial Black" panose="020B0A04020102020204" pitchFamily="34" charset="0"/>
               </a:rPr>
-              <a:t>Т</a:t>
-            </a:r>
-            <a:r>
-              <a:rPr lang="ru-RU" sz="1800" dirty="0" smtClean="0">
-                <a:latin typeface="Arial Black" panose="020B0A04020102020204" pitchFamily="34" charset="0"/>
-              </a:rPr>
-              <a:t>олменева Дарья</a:t>
-            </a:r>
-            <a:endParaRPr lang="ru-RU" sz="1800" dirty="0">
-              <a:latin typeface="Arial Black" panose="020B0A04020102020204" pitchFamily="34" charset="0"/>
-            </a:endParaRPr>
+              <a:t> Андрей и Толменева Дарья</a:t>
+            </a:r>
           </a:p>
         </p:txBody>
       </p:sp>
@@ -3106,12 +3070,241 @@
   <p:clrMapOvr>
     <a:masterClrMapping/>
   </p:clrMapOvr>
+  <p:transition spd="slow">
+    <p:push dir="u"/>
+  </p:transition>
   <p:timing>
     <p:tnLst>
       <p:par>
-        <p:cTn id="1" dur="indefinite" restart="never" nodeType="tmRoot"/>
+        <p:cTn id="1" dur="indefinite" restart="never" nodeType="tmRoot">
+          <p:childTnLst>
+            <p:seq concurrent="1" nextAc="seek">
+              <p:cTn id="2" dur="indefinite" nodeType="mainSeq">
+                <p:childTnLst>
+                  <p:par>
+                    <p:cTn id="3" fill="hold">
+                      <p:stCondLst>
+                        <p:cond delay="indefinite"/>
+                        <p:cond evt="onBegin" delay="0">
+                          <p:tn val="2"/>
+                        </p:cond>
+                      </p:stCondLst>
+                      <p:childTnLst>
+                        <p:par>
+                          <p:cTn id="4" fill="hold">
+                            <p:stCondLst>
+                              <p:cond delay="0"/>
+                            </p:stCondLst>
+                            <p:childTnLst>
+                              <p:par>
+                                <p:cTn id="5" presetID="42" presetClass="entr" presetSubtype="0" fill="hold" grpId="0" nodeType="afterEffect">
+                                  <p:stCondLst>
+                                    <p:cond delay="0"/>
+                                  </p:stCondLst>
+                                  <p:childTnLst>
+                                    <p:set>
+                                      <p:cBhvr>
+                                        <p:cTn id="6" dur="1" fill="hold">
+                                          <p:stCondLst>
+                                            <p:cond delay="0"/>
+                                          </p:stCondLst>
+                                        </p:cTn>
+                                        <p:tgtEl>
+                                          <p:spTgt spid="2"/>
+                                        </p:tgtEl>
+                                        <p:attrNameLst>
+                                          <p:attrName>style.visibility</p:attrName>
+                                        </p:attrNameLst>
+                                      </p:cBhvr>
+                                      <p:to>
+                                        <p:strVal val="visible"/>
+                                      </p:to>
+                                    </p:set>
+                                    <p:animEffect transition="in" filter="fade">
+                                      <p:cBhvr>
+                                        <p:cTn id="7" dur="1000"/>
+                                        <p:tgtEl>
+                                          <p:spTgt spid="2"/>
+                                        </p:tgtEl>
+                                      </p:cBhvr>
+                                    </p:animEffect>
+                                    <p:anim calcmode="lin" valueType="num">
+                                      <p:cBhvr>
+                                        <p:cTn id="8" dur="1000" fill="hold"/>
+                                        <p:tgtEl>
+                                          <p:spTgt spid="2"/>
+                                        </p:tgtEl>
+                                        <p:attrNameLst>
+                                          <p:attrName>ppt_x</p:attrName>
+                                        </p:attrNameLst>
+                                      </p:cBhvr>
+                                      <p:tavLst>
+                                        <p:tav tm="0">
+                                          <p:val>
+                                            <p:strVal val="#ppt_x"/>
+                                          </p:val>
+                                        </p:tav>
+                                        <p:tav tm="100000">
+                                          <p:val>
+                                            <p:strVal val="#ppt_x"/>
+                                          </p:val>
+                                        </p:tav>
+                                      </p:tavLst>
+                                    </p:anim>
+                                    <p:anim calcmode="lin" valueType="num">
+                                      <p:cBhvr>
+                                        <p:cTn id="9" dur="1000" fill="hold"/>
+                                        <p:tgtEl>
+                                          <p:spTgt spid="2"/>
+                                        </p:tgtEl>
+                                        <p:attrNameLst>
+                                          <p:attrName>ppt_y</p:attrName>
+                                        </p:attrNameLst>
+                                      </p:cBhvr>
+                                      <p:tavLst>
+                                        <p:tav tm="0">
+                                          <p:val>
+                                            <p:strVal val="#ppt_y+.1"/>
+                                          </p:val>
+                                        </p:tav>
+                                        <p:tav tm="100000">
+                                          <p:val>
+                                            <p:strVal val="#ppt_y"/>
+                                          </p:val>
+                                        </p:tav>
+                                      </p:tavLst>
+                                    </p:anim>
+                                  </p:childTnLst>
+                                </p:cTn>
+                              </p:par>
+                              <p:par>
+                                <p:cTn id="10" presetID="42" presetClass="entr" presetSubtype="0" fill="hold" grpId="0" nodeType="withEffect">
+                                  <p:stCondLst>
+                                    <p:cond delay="0"/>
+                                  </p:stCondLst>
+                                  <p:childTnLst>
+                                    <p:set>
+                                      <p:cBhvr>
+                                        <p:cTn id="11" dur="1" fill="hold">
+                                          <p:stCondLst>
+                                            <p:cond delay="0"/>
+                                          </p:stCondLst>
+                                        </p:cTn>
+                                        <p:tgtEl>
+                                          <p:spTgt spid="3">
+                                            <p:txEl>
+                                              <p:pRg st="0" end="0"/>
+                                            </p:txEl>
+                                          </p:spTgt>
+                                        </p:tgtEl>
+                                        <p:attrNameLst>
+                                          <p:attrName>style.visibility</p:attrName>
+                                        </p:attrNameLst>
+                                      </p:cBhvr>
+                                      <p:to>
+                                        <p:strVal val="visible"/>
+                                      </p:to>
+                                    </p:set>
+                                    <p:animEffect transition="in" filter="fade">
+                                      <p:cBhvr>
+                                        <p:cTn id="12" dur="1000"/>
+                                        <p:tgtEl>
+                                          <p:spTgt spid="3">
+                                            <p:txEl>
+                                              <p:pRg st="0" end="0"/>
+                                            </p:txEl>
+                                          </p:spTgt>
+                                        </p:tgtEl>
+                                      </p:cBhvr>
+                                    </p:animEffect>
+                                    <p:anim calcmode="lin" valueType="num">
+                                      <p:cBhvr>
+                                        <p:cTn id="13" dur="1000" fill="hold"/>
+                                        <p:tgtEl>
+                                          <p:spTgt spid="3">
+                                            <p:txEl>
+                                              <p:pRg st="0" end="0"/>
+                                            </p:txEl>
+                                          </p:spTgt>
+                                        </p:tgtEl>
+                                        <p:attrNameLst>
+                                          <p:attrName>ppt_x</p:attrName>
+                                        </p:attrNameLst>
+                                      </p:cBhvr>
+                                      <p:tavLst>
+                                        <p:tav tm="0">
+                                          <p:val>
+                                            <p:strVal val="#ppt_x"/>
+                                          </p:val>
+                                        </p:tav>
+                                        <p:tav tm="100000">
+                                          <p:val>
+                                            <p:strVal val="#ppt_x"/>
+                                          </p:val>
+                                        </p:tav>
+                                      </p:tavLst>
+                                    </p:anim>
+                                    <p:anim calcmode="lin" valueType="num">
+                                      <p:cBhvr>
+                                        <p:cTn id="14" dur="1000" fill="hold"/>
+                                        <p:tgtEl>
+                                          <p:spTgt spid="3">
+                                            <p:txEl>
+                                              <p:pRg st="0" end="0"/>
+                                            </p:txEl>
+                                          </p:spTgt>
+                                        </p:tgtEl>
+                                        <p:attrNameLst>
+                                          <p:attrName>ppt_y</p:attrName>
+                                        </p:attrNameLst>
+                                      </p:cBhvr>
+                                      <p:tavLst>
+                                        <p:tav tm="0">
+                                          <p:val>
+                                            <p:strVal val="#ppt_y+.1"/>
+                                          </p:val>
+                                        </p:tav>
+                                        <p:tav tm="100000">
+                                          <p:val>
+                                            <p:strVal val="#ppt_y"/>
+                                          </p:val>
+                                        </p:tav>
+                                      </p:tavLst>
+                                    </p:anim>
+                                  </p:childTnLst>
+                                </p:cTn>
+                              </p:par>
+                            </p:childTnLst>
+                          </p:cTn>
+                        </p:par>
+                      </p:childTnLst>
+                    </p:cTn>
+                  </p:par>
+                </p:childTnLst>
+              </p:cTn>
+              <p:prevCondLst>
+                <p:cond evt="onPrev" delay="0">
+                  <p:tgtEl>
+                    <p:sldTgt/>
+                  </p:tgtEl>
+                </p:cond>
+              </p:prevCondLst>
+              <p:nextCondLst>
+                <p:cond evt="onNext" delay="0">
+                  <p:tgtEl>
+                    <p:sldTgt/>
+                  </p:tgtEl>
+                </p:cond>
+              </p:nextCondLst>
+            </p:seq>
+          </p:childTnLst>
+        </p:cTn>
       </p:par>
     </p:tnLst>
+    <p:bldLst>
+      <p:bldP spid="2" grpId="0"/>
+      <p:bldP spid="3" grpId="0" build="p"/>
+    </p:bldLst>
   </p:timing>
 </p:sld>
 </file>
@@ -3164,7 +3357,7 @@
           <a:lstStyle/>
           <a:p>
             <a:r>
-              <a:rPr lang="ru-RU" dirty="0" smtClean="0">
+              <a:rPr lang="ru-RU" dirty="0">
                 <a:solidFill>
                   <a:srgbClr val="ABC357"/>
                 </a:solidFill>
@@ -3173,14 +3366,11 @@
               <a:t>Реализация </a:t>
             </a:r>
             <a:r>
-              <a:rPr lang="ru-RU" dirty="0" smtClean="0">
+              <a:rPr lang="ru-RU" dirty="0">
                 <a:latin typeface="Arial Black" panose="020B0A04020102020204" pitchFamily="34" charset="0"/>
               </a:rPr>
               <a:t>уровней</a:t>
             </a:r>
-            <a:endParaRPr lang="ru-RU" dirty="0">
-              <a:latin typeface="Arial Black" panose="020B0A04020102020204" pitchFamily="34" charset="0"/>
-            </a:endParaRPr>
           </a:p>
         </p:txBody>
       </p:sp>
@@ -3252,7 +3442,7 @@
                 <a14:useLocalDpi xmlns:a14="http://schemas.microsoft.com/office/drawing/2010/main" val="0"/>
               </a:ext>
               <a:ext uri="{837473B0-CC2E-450A-ABE3-18F120FF3D39}">
-                <a1611:picAttrSrcUrl xmlns="" xmlns:a1611="http://schemas.microsoft.com/office/drawing/2016/11/main" r:id="rId9"/>
+                <a1611:picAttrSrcUrl xmlns:a1611="http://schemas.microsoft.com/office/drawing/2016/11/main" r:id="rId4"/>
               </a:ext>
             </a:extLst>
           </a:blip>
@@ -3279,7 +3469,7 @@
           <p:nvPr/>
         </p:nvPicPr>
         <p:blipFill>
-          <a:blip r:embed="rId10" cstate="print">
+          <a:blip r:embed="rId5" cstate="print">
             <a:extLst>
               <a:ext uri="{28A0092B-C50C-407E-A947-70E740481C1C}">
                 <a14:useLocalDpi xmlns:a14="http://schemas.microsoft.com/office/drawing/2010/main" val="0"/>
@@ -3309,7 +3499,7 @@
           <p:nvPr/>
         </p:nvPicPr>
         <p:blipFill>
-          <a:blip r:embed="rId11" cstate="print">
+          <a:blip r:embed="rId6" cstate="print">
             <a:extLst>
               <a:ext uri="{28A0092B-C50C-407E-A947-70E740481C1C}">
                 <a14:useLocalDpi xmlns:a14="http://schemas.microsoft.com/office/drawing/2010/main" val="0"/>
@@ -3339,7 +3529,7 @@
           <p:nvPr/>
         </p:nvPicPr>
         <p:blipFill>
-          <a:blip r:embed="rId12">
+          <a:blip r:embed="rId7">
             <a:extLst>
               <a:ext uri="{28A0092B-C50C-407E-A947-70E740481C1C}">
                 <a14:useLocalDpi xmlns:a14="http://schemas.microsoft.com/office/drawing/2010/main" val="0"/>
@@ -3369,7 +3559,7 @@
           <p:nvPr/>
         </p:nvPicPr>
         <p:blipFill>
-          <a:blip r:embed="rId13">
+          <a:blip r:embed="rId8">
             <a:extLst>
               <a:ext uri="{28A0092B-C50C-407E-A947-70E740481C1C}">
                 <a14:useLocalDpi xmlns:a14="http://schemas.microsoft.com/office/drawing/2010/main" val="0"/>
@@ -3399,7 +3589,7 @@
           <p:nvPr/>
         </p:nvPicPr>
         <p:blipFill>
-          <a:blip r:embed="rId14">
+          <a:blip r:embed="rId9">
             <a:extLst>
               <a:ext uri="{28A0092B-C50C-407E-A947-70E740481C1C}">
                 <a14:useLocalDpi xmlns:a14="http://schemas.microsoft.com/office/drawing/2010/main" val="0"/>
@@ -3430,6 +3620,9 @@
   <p:clrMapOvr>
     <a:masterClrMapping/>
   </p:clrMapOvr>
+  <p:transition spd="slow">
+    <p:push dir="u"/>
+  </p:transition>
   <p:timing>
     <p:tnLst>
       <p:par>
@@ -3454,7 +3647,7 @@
                             </p:stCondLst>
                             <p:childTnLst>
                               <p:par>
-                                <p:cTn id="5" presetID="42" presetClass="entr" presetSubtype="0" fill="hold" nodeType="withEffect">
+                                <p:cTn id="5" presetID="10" presetClass="entr" presetSubtype="0" fill="hold" nodeType="afterEffect">
                                   <p:stCondLst>
                                     <p:cond delay="0"/>
                                   </p:stCondLst>
@@ -3479,17 +3672,105 @@
                                     </p:set>
                                     <p:animEffect transition="in" filter="fade">
                                       <p:cBhvr>
-                                        <p:cTn id="7" dur="1000"/>
+                                        <p:cTn id="7" dur="500"/>
                                         <p:tgtEl>
                                           <p:spTgt spid="7"/>
+                                        </p:tgtEl>
+                                      </p:cBhvr>
+                                    </p:animEffect>
+                                  </p:childTnLst>
+                                </p:cTn>
+                              </p:par>
+                            </p:childTnLst>
+                          </p:cTn>
+                        </p:par>
+                        <p:par>
+                          <p:cTn id="8" fill="hold">
+                            <p:stCondLst>
+                              <p:cond delay="500"/>
+                            </p:stCondLst>
+                            <p:childTnLst>
+                              <p:par>
+                                <p:cTn id="9" presetID="10" presetClass="entr" presetSubtype="0" fill="hold" nodeType="afterEffect">
+                                  <p:stCondLst>
+                                    <p:cond delay="0"/>
+                                  </p:stCondLst>
+                                  <p:childTnLst>
+                                    <p:set>
+                                      <p:cBhvr>
+                                        <p:cTn id="10" dur="1" fill="hold">
+                                          <p:stCondLst>
+                                            <p:cond delay="0"/>
+                                          </p:stCondLst>
+                                        </p:cTn>
+                                        <p:tgtEl>
+                                          <p:spTgt spid="8"/>
+                                        </p:tgtEl>
+                                        <p:attrNameLst>
+                                          <p:attrName>style.visibility</p:attrName>
+                                        </p:attrNameLst>
+                                      </p:cBhvr>
+                                      <p:to>
+                                        <p:strVal val="visible"/>
+                                      </p:to>
+                                    </p:set>
+                                    <p:animEffect transition="in" filter="fade">
+                                      <p:cBhvr>
+                                        <p:cTn id="11" dur="500"/>
+                                        <p:tgtEl>
+                                          <p:spTgt spid="8"/>
+                                        </p:tgtEl>
+                                      </p:cBhvr>
+                                    </p:animEffect>
+                                  </p:childTnLst>
+                                </p:cTn>
+                              </p:par>
+                            </p:childTnLst>
+                          </p:cTn>
+                        </p:par>
+                        <p:par>
+                          <p:cTn id="12" fill="hold">
+                            <p:stCondLst>
+                              <p:cond delay="1000"/>
+                            </p:stCondLst>
+                            <p:childTnLst>
+                              <p:par>
+                                <p:cTn id="13" presetID="47" presetClass="entr" presetSubtype="0" fill="hold" grpId="0" nodeType="afterEffect">
+                                  <p:stCondLst>
+                                    <p:cond delay="0"/>
+                                  </p:stCondLst>
+                                  <p:childTnLst>
+                                    <p:set>
+                                      <p:cBhvr>
+                                        <p:cTn id="14" dur="1" fill="hold">
+                                          <p:stCondLst>
+                                            <p:cond delay="0"/>
+                                          </p:stCondLst>
+                                        </p:cTn>
+                                        <p:tgtEl>
+                                          <p:spTgt spid="2"/>
+                                        </p:tgtEl>
+                                        <p:attrNameLst>
+                                          <p:attrName>style.visibility</p:attrName>
+                                        </p:attrNameLst>
+                                      </p:cBhvr>
+                                      <p:to>
+                                        <p:strVal val="visible"/>
+                                      </p:to>
+                                    </p:set>
+                                    <p:animEffect transition="in" filter="fade">
+                                      <p:cBhvr>
+                                        <p:cTn id="15" dur="1000"/>
+                                        <p:tgtEl>
+                                          <p:spTgt spid="2"/>
                                         </p:tgtEl>
                                       </p:cBhvr>
                                     </p:animEffect>
                                     <p:anim calcmode="lin" valueType="num">
                                       <p:cBhvr>
-                                        <p:cTn id="8" dur="1000" fill="hold"/>
-                                        <p:tgtEl>
-                                          <p:spTgt spid="7"/>
+                                        <p:cTn id="16" dur="1000" fill="hold"/>
+                                        <p:tgtEl>
+                                          <p:spTgt spid="2"/>
                                         </p:tgtEl>
                                         <p:attrNameLst>
                                           <p:attrName>ppt_x</p:attrName>
@@ -3510,9 +3791,9 @@
                                     </p:anim>
                                     <p:anim calcmode="lin" valueType="num">
                                       <p:cBhvr>
-                                        <p:cTn id="9" dur="1000" fill="hold"/>
-                                        <p:tgtEl>
-                                          <p:spTgt spid="7"/>
+                                        <p:cTn id="17" dur="1000" fill="hold"/>
+                                        <p:tgtEl>
+                                          <p:spTgt spid="2"/>
                                         </p:tgtEl>
                                         <p:attrNameLst>
                                           <p:attrName>ppt_y</p:attrName>
@@ -3521,7 +3802,7 @@
                                       <p:tavLst>
                                         <p:tav tm="0">
                                           <p:val>
-                                            <p:strVal val="#ppt_y+.1"/>
+                                            <p:strVal val="#ppt_y-.1"/>
                                           </p:val>
                                         </p:tav>
                                         <p:tav tm="100000">
@@ -3538,26 +3819,26 @@
                           </p:cTn>
                         </p:par>
                         <p:par>
-                          <p:cTn id="10" fill="hold">
+                          <p:cTn id="18" fill="hold">
                             <p:stCondLst>
-                              <p:cond delay="1000"/>
+                              <p:cond delay="2000"/>
                             </p:stCondLst>
                             <p:childTnLst>
                               <p:par>
-                                <p:cTn id="11" presetID="10" presetClass="entr" presetSubtype="0" fill="hold" nodeType="afterEffect">
+                                <p:cTn id="19" presetID="10" presetClass="entr" presetSubtype="0" fill="hold" nodeType="afterEffect">
                                   <p:stCondLst>
                                     <p:cond delay="0"/>
                                   </p:stCondLst>
                                   <p:childTnLst>
                                     <p:set>
                                       <p:cBhvr>
-                                        <p:cTn id="12" dur="1" fill="hold">
+                                        <p:cTn id="20" dur="1" fill="hold">
                                           <p:stCondLst>
                                             <p:cond delay="0"/>
                                           </p:stCondLst>
                                         </p:cTn>
                                         <p:tgtEl>
-                                          <p:spTgt spid="8"/>
+                                          <p:spTgt spid="14"/>
                                         </p:tgtEl>
                                         <p:attrNameLst>
                                           <p:attrName>style.visibility</p:attrName>
@@ -3569,9 +3850,185 @@
                                     </p:set>
                                     <p:animEffect transition="in" filter="fade">
                                       <p:cBhvr>
-                                        <p:cTn id="13" dur="500"/>
-                                        <p:tgtEl>
-                                          <p:spTgt spid="8"/>
+                                        <p:cTn id="21" dur="500"/>
+                                        <p:tgtEl>
+                                          <p:spTgt spid="14"/>
+                                        </p:tgtEl>
+                                      </p:cBhvr>
+                                    </p:animEffect>
+                                  </p:childTnLst>
+                                </p:cTn>
+                              </p:par>
+                            </p:childTnLst>
+                          </p:cTn>
+                        </p:par>
+                        <p:par>
+                          <p:cTn id="22" fill="hold">
+                            <p:stCondLst>
+                              <p:cond delay="2500"/>
+                            </p:stCondLst>
+                            <p:childTnLst>
+                              <p:par>
+                                <p:cTn id="23" presetID="10" presetClass="entr" presetSubtype="0" fill="hold" nodeType="afterEffect">
+                                  <p:stCondLst>
+                                    <p:cond delay="0"/>
+                                  </p:stCondLst>
+                                  <p:childTnLst>
+                                    <p:set>
+                                      <p:cBhvr>
+                                        <p:cTn id="24" dur="1" fill="hold">
+                                          <p:stCondLst>
+                                            <p:cond delay="0"/>
+                                          </p:stCondLst>
+                                        </p:cTn>
+                                        <p:tgtEl>
+                                          <p:spTgt spid="9"/>
+                                        </p:tgtEl>
+                                        <p:attrNameLst>
+                                          <p:attrName>style.visibility</p:attrName>
+                                        </p:attrNameLst>
+                                      </p:cBhvr>
+                                      <p:to>
+                                        <p:strVal val="visible"/>
+                                      </p:to>
+                                    </p:set>
+                                    <p:animEffect transition="in" filter="fade">
+                                      <p:cBhvr>
+                                        <p:cTn id="25" dur="500"/>
+                                        <p:tgtEl>
+                                          <p:spTgt spid="9"/>
+                                        </p:tgtEl>
+                                      </p:cBhvr>
+                                    </p:animEffect>
+                                  </p:childTnLst>
+                                </p:cTn>
+                              </p:par>
+                            </p:childTnLst>
+                          </p:cTn>
+                        </p:par>
+                        <p:par>
+                          <p:cTn id="26" fill="hold">
+                            <p:stCondLst>
+                              <p:cond delay="3000"/>
+                            </p:stCondLst>
+                            <p:childTnLst>
+                              <p:par>
+                                <p:cTn id="27" presetID="10" presetClass="entr" presetSubtype="0" fill="hold" nodeType="afterEffect">
+                                  <p:stCondLst>
+                                    <p:cond delay="0"/>
+                                  </p:stCondLst>
+                                  <p:childTnLst>
+                                    <p:set>
+                                      <p:cBhvr>
+                                        <p:cTn id="28" dur="1" fill="hold">
+                                          <p:stCondLst>
+                                            <p:cond delay="0"/>
+                                          </p:stCondLst>
+                                        </p:cTn>
+                                        <p:tgtEl>
+                                          <p:spTgt spid="13"/>
+                                        </p:tgtEl>
+                                        <p:attrNameLst>
+                                          <p:attrName>style.visibility</p:attrName>
+                                        </p:attrNameLst>
+                                      </p:cBhvr>
+                                      <p:to>
+                                        <p:strVal val="visible"/>
+                                      </p:to>
+                                    </p:set>
+                                    <p:animEffect transition="in" filter="fade">
+                                      <p:cBhvr>
+                                        <p:cTn id="29" dur="500"/>
+                                        <p:tgtEl>
+                                          <p:spTgt spid="13"/>
+                                        </p:tgtEl>
+                                      </p:cBhvr>
+                                    </p:animEffect>
+                                  </p:childTnLst>
+                                </p:cTn>
+                              </p:par>
+                            </p:childTnLst>
+                          </p:cTn>
+                        </p:par>
+                        <p:par>
+                          <p:cTn id="30" fill="hold">
+                            <p:stCondLst>
+                              <p:cond delay="3500"/>
+                            </p:stCondLst>
+                            <p:childTnLst>
+                              <p:par>
+                                <p:cTn id="31" presetID="10" presetClass="entr" presetSubtype="0" fill="hold" nodeType="afterEffect">
+                                  <p:stCondLst>
+                                    <p:cond delay="0"/>
+                                  </p:stCondLst>
+                                  <p:childTnLst>
+                                    <p:set>
+                                      <p:cBhvr>
+                                        <p:cTn id="32" dur="1" fill="hold">
+                                          <p:stCondLst>
+                                            <p:cond delay="0"/>
+                                          </p:stCondLst>
+                                        </p:cTn>
+                                        <p:tgtEl>
+                                          <p:spTgt spid="10"/>
+                                        </p:tgtEl>
+                                        <p:attrNameLst>
+                                          <p:attrName>style.visibility</p:attrName>
+                                        </p:attrNameLst>
+                                      </p:cBhvr>
+                                      <p:to>
+                                        <p:strVal val="visible"/>
+                                      </p:to>
+                                    </p:set>
+                                    <p:animEffect transition="in" filter="fade">
+                                      <p:cBhvr>
+                                        <p:cTn id="33" dur="500"/>
+                                        <p:tgtEl>
+                                          <p:spTgt spid="10"/>
+                                        </p:tgtEl>
+                                      </p:cBhvr>
+                                    </p:animEffect>
+                                  </p:childTnLst>
+                                </p:cTn>
+                              </p:par>
+                            </p:childTnLst>
+                          </p:cTn>
+                        </p:par>
+                        <p:par>
+                          <p:cTn id="34" fill="hold">
+                            <p:stCondLst>
+                              <p:cond delay="4000"/>
+                            </p:stCondLst>
+                            <p:childTnLst>
+                              <p:par>
+                                <p:cTn id="35" presetID="10" presetClass="entr" presetSubtype="0" fill="hold" nodeType="afterEffect">
+                                  <p:stCondLst>
+                                    <p:cond delay="0"/>
+                                  </p:stCondLst>
+                                  <p:childTnLst>
+                                    <p:set>
+                                      <p:cBhvr>
+                                        <p:cTn id="36" dur="1" fill="hold">
+                                          <p:stCondLst>
+                                            <p:cond delay="0"/>
+                                          </p:stCondLst>
+                                        </p:cTn>
+                                        <p:tgtEl>
+                                          <p:spTgt spid="15"/>
+                                        </p:tgtEl>
+                                        <p:attrNameLst>
+                                          <p:attrName>style.visibility</p:attrName>
+                                        </p:attrNameLst>
+                                      </p:cBhvr>
+                                      <p:to>
+                                        <p:strVal val="visible"/>
+                                      </p:to>
+                                    </p:set>
+                                    <p:animEffect transition="in" filter="fade">
+                                      <p:cBhvr>
+                                        <p:cTn id="37" dur="500"/>
+                                        <p:tgtEl>
+                                          <p:spTgt spid="15"/>
                                         </p:tgtEl>
                                       </p:cBhvr>
                                     </p:animEffect>
@@ -3605,6 +4062,9 @@
         </p:cTn>
       </p:par>
     </p:tnLst>
+    <p:bldLst>
+      <p:bldP spid="2" grpId="0"/>
+    </p:bldLst>
   </p:timing>
 </p:sld>
 </file>
@@ -3657,7 +4117,7 @@
           <a:lstStyle/>
           <a:p>
             <a:r>
-              <a:rPr lang="ru-RU" dirty="0" smtClean="0">
+              <a:rPr lang="ru-RU" dirty="0">
                 <a:solidFill>
                   <a:srgbClr val="ABC357"/>
                 </a:solidFill>
@@ -3666,14 +4126,11 @@
               <a:t>Реализация </a:t>
             </a:r>
             <a:r>
-              <a:rPr lang="ru-RU" dirty="0" smtClean="0">
+              <a:rPr lang="ru-RU" dirty="0">
                 <a:latin typeface="Arial Black" panose="020B0A04020102020204" pitchFamily="34" charset="0"/>
               </a:rPr>
               <a:t>объектов</a:t>
             </a:r>
-            <a:endParaRPr lang="ru-RU" dirty="0">
-              <a:latin typeface="Arial Black" panose="020B0A04020102020204" pitchFamily="34" charset="0"/>
-            </a:endParaRPr>
           </a:p>
         </p:txBody>
       </p:sp>
@@ -3854,6 +4311,9 @@
   <p:clrMapOvr>
     <a:masterClrMapping/>
   </p:clrMapOvr>
+  <p:transition spd="slow">
+    <p:push dir="u"/>
+  </p:transition>
   <p:timing>
     <p:tnLst>
       <p:par>
@@ -3878,7 +4338,7 @@
                             </p:stCondLst>
                             <p:childTnLst>
                               <p:par>
-                                <p:cTn id="5" presetID="42" presetClass="entr" presetSubtype="0" fill="hold" nodeType="withEffect">
+                                <p:cTn id="5" presetID="42" presetClass="entr" presetSubtype="0" fill="hold" nodeType="afterEffect">
                                   <p:stCondLst>
                                     <p:cond delay="0"/>
                                   </p:stCondLst>
@@ -3946,6 +4406,397 @@
                                         <p:tav tm="0">
                                           <p:val>
                                             <p:strVal val="#ppt_y+.1"/>
+                                          </p:val>
+                                        </p:tav>
+                                        <p:tav tm="100000">
+                                          <p:val>
+                                            <p:strVal val="#ppt_y"/>
+                                          </p:val>
+                                        </p:tav>
+                                      </p:tavLst>
+                                    </p:anim>
+                                  </p:childTnLst>
+                                </p:cTn>
+                              </p:par>
+                            </p:childTnLst>
+                          </p:cTn>
+                        </p:par>
+                        <p:par>
+                          <p:cTn id="10" fill="hold">
+                            <p:stCondLst>
+                              <p:cond delay="1000"/>
+                            </p:stCondLst>
+                            <p:childTnLst>
+                              <p:par>
+                                <p:cTn id="11" presetID="47" presetClass="entr" presetSubtype="0" fill="hold" grpId="0" nodeType="afterEffect">
+                                  <p:stCondLst>
+                                    <p:cond delay="0"/>
+                                  </p:stCondLst>
+                                  <p:childTnLst>
+                                    <p:set>
+                                      <p:cBhvr>
+                                        <p:cTn id="12" dur="1" fill="hold">
+                                          <p:stCondLst>
+                                            <p:cond delay="0"/>
+                                          </p:stCondLst>
+                                        </p:cTn>
+                                        <p:tgtEl>
+                                          <p:spTgt spid="2"/>
+                                        </p:tgtEl>
+                                        <p:attrNameLst>
+                                          <p:attrName>style.visibility</p:attrName>
+                                        </p:attrNameLst>
+                                      </p:cBhvr>
+                                      <p:to>
+                                        <p:strVal val="visible"/>
+                                      </p:to>
+                                    </p:set>
+                                    <p:animEffect transition="in" filter="fade">
+                                      <p:cBhvr>
+                                        <p:cTn id="13" dur="1000"/>
+                                        <p:tgtEl>
+                                          <p:spTgt spid="2"/>
+                                        </p:tgtEl>
+                                      </p:cBhvr>
+                                    </p:animEffect>
+                                    <p:anim calcmode="lin" valueType="num">
+                                      <p:cBhvr>
+                                        <p:cTn id="14" dur="1000" fill="hold"/>
+                                        <p:tgtEl>
+                                          <p:spTgt spid="2"/>
+                                        </p:tgtEl>
+                                        <p:attrNameLst>
+                                          <p:attrName>ppt_x</p:attrName>
+                                        </p:attrNameLst>
+                                      </p:cBhvr>
+                                      <p:tavLst>
+                                        <p:tav tm="0">
+                                          <p:val>
+                                            <p:strVal val="#ppt_x"/>
+                                          </p:val>
+                                        </p:tav>
+                                        <p:tav tm="100000">
+                                          <p:val>
+                                            <p:strVal val="#ppt_x"/>
+                                          </p:val>
+                                        </p:tav>
+                                      </p:tavLst>
+                                    </p:anim>
+                                    <p:anim calcmode="lin" valueType="num">
+                                      <p:cBhvr>
+                                        <p:cTn id="15" dur="1000" fill="hold"/>
+                                        <p:tgtEl>
+                                          <p:spTgt spid="2"/>
+                                        </p:tgtEl>
+                                        <p:attrNameLst>
+                                          <p:attrName>ppt_y</p:attrName>
+                                        </p:attrNameLst>
+                                      </p:cBhvr>
+                                      <p:tavLst>
+                                        <p:tav tm="0">
+                                          <p:val>
+                                            <p:strVal val="#ppt_y-.1"/>
+                                          </p:val>
+                                        </p:tav>
+                                        <p:tav tm="100000">
+                                          <p:val>
+                                            <p:strVal val="#ppt_y"/>
+                                          </p:val>
+                                        </p:tav>
+                                      </p:tavLst>
+                                    </p:anim>
+                                  </p:childTnLst>
+                                </p:cTn>
+                              </p:par>
+                            </p:childTnLst>
+                          </p:cTn>
+                        </p:par>
+                        <p:par>
+                          <p:cTn id="16" fill="hold">
+                            <p:stCondLst>
+                              <p:cond delay="2000"/>
+                            </p:stCondLst>
+                            <p:childTnLst>
+                              <p:par>
+                                <p:cTn id="17" presetID="2" presetClass="entr" presetSubtype="8" fill="hold" nodeType="afterEffect">
+                                  <p:stCondLst>
+                                    <p:cond delay="0"/>
+                                  </p:stCondLst>
+                                  <p:childTnLst>
+                                    <p:set>
+                                      <p:cBhvr>
+                                        <p:cTn id="18" dur="1" fill="hold">
+                                          <p:stCondLst>
+                                            <p:cond delay="0"/>
+                                          </p:stCondLst>
+                                        </p:cTn>
+                                        <p:tgtEl>
+                                          <p:spTgt spid="4"/>
+                                        </p:tgtEl>
+                                        <p:attrNameLst>
+                                          <p:attrName>style.visibility</p:attrName>
+                                        </p:attrNameLst>
+                                      </p:cBhvr>
+                                      <p:to>
+                                        <p:strVal val="visible"/>
+                                      </p:to>
+                                    </p:set>
+                                    <p:anim calcmode="lin" valueType="num">
+                                      <p:cBhvr additive="base">
+                                        <p:cTn id="19" dur="1250" fill="hold"/>
+                                        <p:tgtEl>
+                                          <p:spTgt spid="4"/>
+                                        </p:tgtEl>
+                                        <p:attrNameLst>
+                                          <p:attrName>ppt_x</p:attrName>
+                                        </p:attrNameLst>
+                                      </p:cBhvr>
+                                      <p:tavLst>
+                                        <p:tav tm="0">
+                                          <p:val>
+                                            <p:strVal val="0-#ppt_w/2"/>
+                                          </p:val>
+                                        </p:tav>
+                                        <p:tav tm="100000">
+                                          <p:val>
+                                            <p:strVal val="#ppt_x"/>
+                                          </p:val>
+                                        </p:tav>
+                                      </p:tavLst>
+                                    </p:anim>
+                                    <p:anim calcmode="lin" valueType="num">
+                                      <p:cBhvr additive="base">
+                                        <p:cTn id="20" dur="1250" fill="hold"/>
+                                        <p:tgtEl>
+                                          <p:spTgt spid="4"/>
+                                        </p:tgtEl>
+                                        <p:attrNameLst>
+                                          <p:attrName>ppt_y</p:attrName>
+                                        </p:attrNameLst>
+                                      </p:cBhvr>
+                                      <p:tavLst>
+                                        <p:tav tm="0">
+                                          <p:val>
+                                            <p:strVal val="#ppt_y"/>
+                                          </p:val>
+                                        </p:tav>
+                                        <p:tav tm="100000">
+                                          <p:val>
+                                            <p:strVal val="#ppt_y"/>
+                                          </p:val>
+                                        </p:tav>
+                                      </p:tavLst>
+                                    </p:anim>
+                                  </p:childTnLst>
+                                </p:cTn>
+                              </p:par>
+                              <p:par>
+                                <p:cTn id="21" presetID="2" presetClass="entr" presetSubtype="8" fill="hold" nodeType="withEffect">
+                                  <p:stCondLst>
+                                    <p:cond delay="0"/>
+                                  </p:stCondLst>
+                                  <p:childTnLst>
+                                    <p:set>
+                                      <p:cBhvr>
+                                        <p:cTn id="22" dur="1" fill="hold">
+                                          <p:stCondLst>
+                                            <p:cond delay="0"/>
+                                          </p:stCondLst>
+                                        </p:cTn>
+                                        <p:tgtEl>
+                                          <p:spTgt spid="9"/>
+                                        </p:tgtEl>
+                                        <p:attrNameLst>
+                                          <p:attrName>style.visibility</p:attrName>
+                                        </p:attrNameLst>
+                                      </p:cBhvr>
+                                      <p:to>
+                                        <p:strVal val="visible"/>
+                                      </p:to>
+                                    </p:set>
+                                    <p:anim calcmode="lin" valueType="num">
+                                      <p:cBhvr additive="base">
+                                        <p:cTn id="23" dur="1250" fill="hold"/>
+                                        <p:tgtEl>
+                                          <p:spTgt spid="9"/>
+                                        </p:tgtEl>
+                                        <p:attrNameLst>
+                                          <p:attrName>ppt_x</p:attrName>
+                                        </p:attrNameLst>
+                                      </p:cBhvr>
+                                      <p:tavLst>
+                                        <p:tav tm="0">
+                                          <p:val>
+                                            <p:strVal val="0-#ppt_w/2"/>
+                                          </p:val>
+                                        </p:tav>
+                                        <p:tav tm="100000">
+                                          <p:val>
+                                            <p:strVal val="#ppt_x"/>
+                                          </p:val>
+                                        </p:tav>
+                                      </p:tavLst>
+                                    </p:anim>
+                                    <p:anim calcmode="lin" valueType="num">
+                                      <p:cBhvr additive="base">
+                                        <p:cTn id="24" dur="1250" fill="hold"/>
+                                        <p:tgtEl>
+                                          <p:spTgt spid="9"/>
+                                        </p:tgtEl>
+                                        <p:attrNameLst>
+                                          <p:attrName>ppt_y</p:attrName>
+                                        </p:attrNameLst>
+                                      </p:cBhvr>
+                                      <p:tavLst>
+                                        <p:tav tm="0">
+                                          <p:val>
+                                            <p:strVal val="#ppt_y"/>
+                                          </p:val>
+                                        </p:tav>
+                                        <p:tav tm="100000">
+                                          <p:val>
+                                            <p:strVal val="#ppt_y"/>
+                                          </p:val>
+                                        </p:tav>
+                                      </p:tavLst>
+                                    </p:anim>
+                                  </p:childTnLst>
+                                </p:cTn>
+                              </p:par>
+                              <p:par>
+                                <p:cTn id="25" presetID="2" presetClass="entr" presetSubtype="2" fill="hold" nodeType="withEffect">
+                                  <p:stCondLst>
+                                    <p:cond delay="0"/>
+                                  </p:stCondLst>
+                                  <p:childTnLst>
+                                    <p:set>
+                                      <p:cBhvr>
+                                        <p:cTn id="26" dur="1" fill="hold">
+                                          <p:stCondLst>
+                                            <p:cond delay="0"/>
+                                          </p:stCondLst>
+                                        </p:cTn>
+                                        <p:tgtEl>
+                                          <p:spTgt spid="5"/>
+                                        </p:tgtEl>
+                                        <p:attrNameLst>
+                                          <p:attrName>style.visibility</p:attrName>
+                                        </p:attrNameLst>
+                                      </p:cBhvr>
+                                      <p:to>
+                                        <p:strVal val="visible"/>
+                                      </p:to>
+                                    </p:set>
+                                    <p:anim calcmode="lin" valueType="num">
+                                      <p:cBhvr additive="base">
+                                        <p:cTn id="27" dur="1250" fill="hold"/>
+                                        <p:tgtEl>
+                                          <p:spTgt spid="5"/>
+                                        </p:tgtEl>
+                                        <p:attrNameLst>
+                                          <p:attrName>ppt_x</p:attrName>
+                                        </p:attrNameLst>
+                                      </p:cBhvr>
+                                      <p:tavLst>
+                                        <p:tav tm="0">
+                                          <p:val>
+                                            <p:strVal val="1+#ppt_w/2"/>
+                                          </p:val>
+                                        </p:tav>
+                                        <p:tav tm="100000">
+                                          <p:val>
+                                            <p:strVal val="#ppt_x"/>
+                                          </p:val>
+                                        </p:tav>
+                                      </p:tavLst>
+                                    </p:anim>
+                                    <p:anim calcmode="lin" valueType="num">
+                                      <p:cBhvr additive="base">
+                                        <p:cTn id="28" dur="1250" fill="hold"/>
+                                        <p:tgtEl>
+                                          <p:spTgt spid="5"/>
+                                        </p:tgtEl>
+                                        <p:attrNameLst>
+                                          <p:attrName>ppt_y</p:attrName>
+                                        </p:attrNameLst>
+                                      </p:cBhvr>
+                                      <p:tavLst>
+                                        <p:tav tm="0">
+                                          <p:val>
+                                            <p:strVal val="#ppt_y"/>
+                                          </p:val>
+                                        </p:tav>
+                                        <p:tav tm="100000">
+                                          <p:val>
+                                            <p:strVal val="#ppt_y"/>
+                                          </p:val>
+                                        </p:tav>
+                                      </p:tavLst>
+                                    </p:anim>
+                                  </p:childTnLst>
+                                </p:cTn>
+                              </p:par>
+                              <p:par>
+                                <p:cTn id="29" presetID="2" presetClass="entr" presetSubtype="2" fill="hold" nodeType="withEffect">
+                                  <p:stCondLst>
+                                    <p:cond delay="0"/>
+                                  </p:stCondLst>
+                                  <p:childTnLst>
+                                    <p:set>
+                                      <p:cBhvr>
+                                        <p:cTn id="30" dur="1" fill="hold">
+                                          <p:stCondLst>
+                                            <p:cond delay="0"/>
+                                          </p:stCondLst>
+                                        </p:cTn>
+                                        <p:tgtEl>
+                                          <p:spTgt spid="11"/>
+                                        </p:tgtEl>
+                                        <p:attrNameLst>
+                                          <p:attrName>style.visibility</p:attrName>
+                                        </p:attrNameLst>
+                                      </p:cBhvr>
+                                      <p:to>
+                                        <p:strVal val="visible"/>
+                                      </p:to>
+                                    </p:set>
+                                    <p:anim calcmode="lin" valueType="num">
+                                      <p:cBhvr additive="base">
+                                        <p:cTn id="31" dur="1250" fill="hold"/>
+                                        <p:tgtEl>
+                                          <p:spTgt spid="11"/>
+                                        </p:tgtEl>
+                                        <p:attrNameLst>
+                                          <p:attrName>ppt_x</p:attrName>
+                                        </p:attrNameLst>
+                                      </p:cBhvr>
+                                      <p:tavLst>
+                                        <p:tav tm="0">
+                                          <p:val>
+                                            <p:strVal val="1+#ppt_w/2"/>
+                                          </p:val>
+                                        </p:tav>
+                                        <p:tav tm="100000">
+                                          <p:val>
+                                            <p:strVal val="#ppt_x"/>
+                                          </p:val>
+                                        </p:tav>
+                                      </p:tavLst>
+                                    </p:anim>
+                                    <p:anim calcmode="lin" valueType="num">
+                                      <p:cBhvr additive="base">
+                                        <p:cTn id="32" dur="1250" fill="hold"/>
+                                        <p:tgtEl>
+                                          <p:spTgt spid="11"/>
+                                        </p:tgtEl>
+                                        <p:attrNameLst>
+                                          <p:attrName>ppt_y</p:attrName>
+                                        </p:attrNameLst>
+                                      </p:cBhvr>
+                                      <p:tavLst>
+                                        <p:tav tm="0">
+                                          <p:val>
+                                            <p:strVal val="#ppt_y"/>
                                           </p:val>
                                         </p:tav>
                                         <p:tav tm="100000">
@@ -3985,6 +4836,9 @@
         </p:cTn>
       </p:par>
     </p:tnLst>
+    <p:bldLst>
+      <p:bldP spid="2" grpId="0"/>
+    </p:bldLst>
   </p:timing>
 </p:sld>
 </file>
@@ -4016,7 +4870,13 @@
       </p:grpSpPr>
       <p:pic>
         <p:nvPicPr>
-          <p:cNvPr id="8" name="Рисунок 7"/>
+          <p:cNvPr id="5" name="Рисунок 4">
+            <a:extLst>
+              <a:ext uri="{FF2B5EF4-FFF2-40B4-BE49-F238E27FC236}">
+                <a16:creationId xmlns:a16="http://schemas.microsoft.com/office/drawing/2014/main" id="{D9AD724C-1E2A-442A-8B80-48B3404EFB37}"/>
+              </a:ext>
+            </a:extLst>
+          </p:cNvPr>
           <p:cNvPicPr>
             <a:picLocks noChangeAspect="1"/>
           </p:cNvPicPr>
@@ -4036,8 +4896,8 @@
         </p:blipFill>
         <p:spPr>
           <a:xfrm>
-            <a:off x="7164810" y="2379417"/>
-            <a:ext cx="2922244" cy="2465023"/>
+            <a:off x="6012180" y="1741170"/>
+            <a:ext cx="3375660" cy="3375660"/>
           </a:xfrm>
           <a:prstGeom prst="rect">
             <a:avLst/>
@@ -4052,8 +4912,8 @@
         </p:nvSpPr>
         <p:spPr>
           <a:xfrm>
-            <a:off x="1503460" y="3319540"/>
-            <a:ext cx="7602118" cy="584775"/>
+            <a:off x="1361220" y="3146820"/>
+            <a:ext cx="7602118" cy="769441"/>
           </a:xfrm>
           <a:prstGeom prst="rect">
             <a:avLst/>
@@ -4067,7 +4927,7 @@
           <a:lstStyle/>
           <a:p>
             <a:r>
-              <a:rPr lang="ru-RU" sz="3200" dirty="0" smtClean="0">
+              <a:rPr lang="ru-RU" sz="4400" b="1" dirty="0">
                 <a:solidFill>
                   <a:srgbClr val="ABC357"/>
                 </a:solidFill>
@@ -4075,7 +4935,7 @@
               </a:rPr>
               <a:t>Конец</a:t>
             </a:r>
-            <a:endParaRPr lang="ru-RU" sz="3200" dirty="0">
+            <a:endParaRPr lang="ru-RU" sz="3200" b="1" dirty="0">
               <a:solidFill>
                 <a:srgbClr val="ABC357"/>
               </a:solidFill>
@@ -4094,13 +4954,9 @@
   <p:clrMapOvr>
     <a:masterClrMapping/>
   </p:clrMapOvr>
-  <p:timing>
-    <p:tnLst>
-      <p:par>
-        <p:cTn id="1" dur="indefinite" restart="never" nodeType="tmRoot"/>
-      </p:par>
-    </p:tnLst>
-  </p:timing>
+  <p:transition spd="slow">
+    <p:push dir="u"/>
+  </p:transition>
 </p:sld>
 </file>
 
@@ -4150,7 +5006,7 @@
           <a:lstStyle/>
           <a:p>
             <a:r>
-              <a:rPr lang="ru-RU" dirty="0" smtClean="0">
+              <a:rPr lang="ru-RU" dirty="0">
                 <a:solidFill>
                   <a:srgbClr val="ABC357"/>
                 </a:solidFill>
@@ -4206,7 +5062,7 @@
           </a:lstStyle>
           <a:p>
             <a:r>
-              <a:rPr lang="ru-RU" dirty="0" smtClean="0">
+              <a:rPr lang="ru-RU" dirty="0">
                 <a:solidFill>
                   <a:srgbClr val="ABC357"/>
                 </a:solidFill>
@@ -4215,14 +5071,11 @@
               <a:t>Когда </a:t>
             </a:r>
             <a:r>
-              <a:rPr lang="ru-RU" dirty="0" smtClean="0">
+              <a:rPr lang="ru-RU" dirty="0">
                 <a:latin typeface="Arial Black" panose="020B0A04020102020204" pitchFamily="34" charset="0"/>
               </a:rPr>
               <a:t>завершается игра</a:t>
             </a:r>
-            <a:endParaRPr lang="ru-RU" dirty="0">
-              <a:latin typeface="Arial Black" panose="020B0A04020102020204" pitchFamily="34" charset="0"/>
-            </a:endParaRPr>
           </a:p>
         </p:txBody>
       </p:sp>
@@ -4303,6 +5156,42 @@
           </a:p>
         </p:txBody>
       </p:sp>
+      <p:pic>
+        <p:nvPicPr>
+          <p:cNvPr id="7" name="Рисунок 6">
+            <a:extLst>
+              <a:ext uri="{FF2B5EF4-FFF2-40B4-BE49-F238E27FC236}">
+                <a16:creationId xmlns:a16="http://schemas.microsoft.com/office/drawing/2014/main" id="{757772A7-DD5D-471E-A296-475A2D73CC3A}"/>
+              </a:ext>
+            </a:extLst>
+          </p:cNvPr>
+          <p:cNvPicPr>
+            <a:picLocks noChangeAspect="1"/>
+          </p:cNvPicPr>
+          <p:nvPr/>
+        </p:nvPicPr>
+        <p:blipFill>
+          <a:blip r:embed="rId2">
+            <a:extLst>
+              <a:ext uri="{28A0092B-C50C-407E-A947-70E740481C1C}">
+                <a14:useLocalDpi xmlns:a14="http://schemas.microsoft.com/office/drawing/2010/main" val="0"/>
+              </a:ext>
+            </a:extLst>
+          </a:blip>
+          <a:stretch>
+            <a:fillRect/>
+          </a:stretch>
+        </p:blipFill>
+        <p:spPr>
+          <a:xfrm>
+            <a:off x="279536" y="3628999"/>
+            <a:ext cx="3851593" cy="2973402"/>
+          </a:xfrm>
+          <a:prstGeom prst="rect">
+            <a:avLst/>
+          </a:prstGeom>
+        </p:spPr>
+      </p:pic>
     </p:spTree>
     <p:extLst>
       <p:ext uri="{BB962C8B-B14F-4D97-AF65-F5344CB8AC3E}">
@@ -4313,12 +5202,496 @@
   <p:clrMapOvr>
     <a:masterClrMapping/>
   </p:clrMapOvr>
+  <p:transition spd="slow">
+    <p:push dir="u"/>
+  </p:transition>
   <p:timing>
     <p:tnLst>
       <p:par>
-        <p:cTn id="1" dur="indefinite" restart="never" nodeType="tmRoot"/>
+        <p:cTn id="1" dur="indefinite" restart="never" nodeType="tmRoot">
+          <p:childTnLst>
+            <p:seq concurrent="1" nextAc="seek">
+              <p:cTn id="2" dur="indefinite" nodeType="mainSeq">
+                <p:childTnLst>
+                  <p:par>
+                    <p:cTn id="3" fill="hold">
+                      <p:stCondLst>
+                        <p:cond delay="indefinite"/>
+                        <p:cond evt="onBegin" delay="0">
+                          <p:tn val="2"/>
+                        </p:cond>
+                      </p:stCondLst>
+                      <p:childTnLst>
+                        <p:par>
+                          <p:cTn id="4" fill="hold">
+                            <p:stCondLst>
+                              <p:cond delay="0"/>
+                            </p:stCondLst>
+                            <p:childTnLst>
+                              <p:par>
+                                <p:cTn id="5" presetID="42" presetClass="entr" presetSubtype="0" fill="hold" grpId="0" nodeType="afterEffect">
+                                  <p:stCondLst>
+                                    <p:cond delay="0"/>
+                                  </p:stCondLst>
+                                  <p:childTnLst>
+                                    <p:set>
+                                      <p:cBhvr>
+                                        <p:cTn id="6" dur="1" fill="hold">
+                                          <p:stCondLst>
+                                            <p:cond delay="0"/>
+                                          </p:stCondLst>
+                                        </p:cTn>
+                                        <p:tgtEl>
+                                          <p:spTgt spid="2"/>
+                                        </p:tgtEl>
+                                        <p:attrNameLst>
+                                          <p:attrName>style.visibility</p:attrName>
+                                        </p:attrNameLst>
+                                      </p:cBhvr>
+                                      <p:to>
+                                        <p:strVal val="visible"/>
+                                      </p:to>
+                                    </p:set>
+                                    <p:animEffect transition="in" filter="fade">
+                                      <p:cBhvr>
+                                        <p:cTn id="7" dur="1000"/>
+                                        <p:tgtEl>
+                                          <p:spTgt spid="2"/>
+                                        </p:tgtEl>
+                                      </p:cBhvr>
+                                    </p:animEffect>
+                                    <p:anim calcmode="lin" valueType="num">
+                                      <p:cBhvr>
+                                        <p:cTn id="8" dur="1000" fill="hold"/>
+                                        <p:tgtEl>
+                                          <p:spTgt spid="2"/>
+                                        </p:tgtEl>
+                                        <p:attrNameLst>
+                                          <p:attrName>ppt_x</p:attrName>
+                                        </p:attrNameLst>
+                                      </p:cBhvr>
+                                      <p:tavLst>
+                                        <p:tav tm="0">
+                                          <p:val>
+                                            <p:strVal val="#ppt_x"/>
+                                          </p:val>
+                                        </p:tav>
+                                        <p:tav tm="100000">
+                                          <p:val>
+                                            <p:strVal val="#ppt_x"/>
+                                          </p:val>
+                                        </p:tav>
+                                      </p:tavLst>
+                                    </p:anim>
+                                    <p:anim calcmode="lin" valueType="num">
+                                      <p:cBhvr>
+                                        <p:cTn id="9" dur="1000" fill="hold"/>
+                                        <p:tgtEl>
+                                          <p:spTgt spid="2"/>
+                                        </p:tgtEl>
+                                        <p:attrNameLst>
+                                          <p:attrName>ppt_y</p:attrName>
+                                        </p:attrNameLst>
+                                      </p:cBhvr>
+                                      <p:tavLst>
+                                        <p:tav tm="0">
+                                          <p:val>
+                                            <p:strVal val="#ppt_y+.1"/>
+                                          </p:val>
+                                        </p:tav>
+                                        <p:tav tm="100000">
+                                          <p:val>
+                                            <p:strVal val="#ppt_y"/>
+                                          </p:val>
+                                        </p:tav>
+                                      </p:tavLst>
+                                    </p:anim>
+                                  </p:childTnLst>
+                                </p:cTn>
+                              </p:par>
+                              <p:par>
+                                <p:cTn id="10" presetID="42" presetClass="entr" presetSubtype="0" fill="hold" grpId="0" nodeType="withEffect">
+                                  <p:stCondLst>
+                                    <p:cond delay="0"/>
+                                  </p:stCondLst>
+                                  <p:childTnLst>
+                                    <p:set>
+                                      <p:cBhvr>
+                                        <p:cTn id="11" dur="1" fill="hold">
+                                          <p:stCondLst>
+                                            <p:cond delay="0"/>
+                                          </p:stCondLst>
+                                        </p:cTn>
+                                        <p:tgtEl>
+                                          <p:spTgt spid="6">
+                                            <p:txEl>
+                                              <p:pRg st="0" end="0"/>
+                                            </p:txEl>
+                                          </p:spTgt>
+                                        </p:tgtEl>
+                                        <p:attrNameLst>
+                                          <p:attrName>style.visibility</p:attrName>
+                                        </p:attrNameLst>
+                                      </p:cBhvr>
+                                      <p:to>
+                                        <p:strVal val="visible"/>
+                                      </p:to>
+                                    </p:set>
+                                    <p:animEffect transition="in" filter="fade">
+                                      <p:cBhvr>
+                                        <p:cTn id="12" dur="1000"/>
+                                        <p:tgtEl>
+                                          <p:spTgt spid="6">
+                                            <p:txEl>
+                                              <p:pRg st="0" end="0"/>
+                                            </p:txEl>
+                                          </p:spTgt>
+                                        </p:tgtEl>
+                                      </p:cBhvr>
+                                    </p:animEffect>
+                                    <p:anim calcmode="lin" valueType="num">
+                                      <p:cBhvr>
+                                        <p:cTn id="13" dur="1000" fill="hold"/>
+                                        <p:tgtEl>
+                                          <p:spTgt spid="6">
+                                            <p:txEl>
+                                              <p:pRg st="0" end="0"/>
+                                            </p:txEl>
+                                          </p:spTgt>
+                                        </p:tgtEl>
+                                        <p:attrNameLst>
+                                          <p:attrName>ppt_x</p:attrName>
+                                        </p:attrNameLst>
+                                      </p:cBhvr>
+                                      <p:tavLst>
+                                        <p:tav tm="0">
+                                          <p:val>
+                                            <p:strVal val="#ppt_x"/>
+                                          </p:val>
+                                        </p:tav>
+                                        <p:tav tm="100000">
+                                          <p:val>
+                                            <p:strVal val="#ppt_x"/>
+                                          </p:val>
+                                        </p:tav>
+                                      </p:tavLst>
+                                    </p:anim>
+                                    <p:anim calcmode="lin" valueType="num">
+                                      <p:cBhvr>
+                                        <p:cTn id="14" dur="1000" fill="hold"/>
+                                        <p:tgtEl>
+                                          <p:spTgt spid="6">
+                                            <p:txEl>
+                                              <p:pRg st="0" end="0"/>
+                                            </p:txEl>
+                                          </p:spTgt>
+                                        </p:tgtEl>
+                                        <p:attrNameLst>
+                                          <p:attrName>ppt_y</p:attrName>
+                                        </p:attrNameLst>
+                                      </p:cBhvr>
+                                      <p:tavLst>
+                                        <p:tav tm="0">
+                                          <p:val>
+                                            <p:strVal val="#ppt_y+.1"/>
+                                          </p:val>
+                                        </p:tav>
+                                        <p:tav tm="100000">
+                                          <p:val>
+                                            <p:strVal val="#ppt_y"/>
+                                          </p:val>
+                                        </p:tav>
+                                      </p:tavLst>
+                                    </p:anim>
+                                  </p:childTnLst>
+                                </p:cTn>
+                              </p:par>
+                            </p:childTnLst>
+                          </p:cTn>
+                        </p:par>
+                        <p:par>
+                          <p:cTn id="15" fill="hold">
+                            <p:stCondLst>
+                              <p:cond delay="1000"/>
+                            </p:stCondLst>
+                            <p:childTnLst>
+                              <p:par>
+                                <p:cTn id="16" presetID="42" presetClass="entr" presetSubtype="0" fill="hold" grpId="0" nodeType="afterEffect">
+                                  <p:stCondLst>
+                                    <p:cond delay="0"/>
+                                  </p:stCondLst>
+                                  <p:childTnLst>
+                                    <p:set>
+                                      <p:cBhvr>
+                                        <p:cTn id="17" dur="1" fill="hold">
+                                          <p:stCondLst>
+                                            <p:cond delay="0"/>
+                                          </p:stCondLst>
+                                        </p:cTn>
+                                        <p:tgtEl>
+                                          <p:spTgt spid="4"/>
+                                        </p:tgtEl>
+                                        <p:attrNameLst>
+                                          <p:attrName>style.visibility</p:attrName>
+                                        </p:attrNameLst>
+                                      </p:cBhvr>
+                                      <p:to>
+                                        <p:strVal val="visible"/>
+                                      </p:to>
+                                    </p:set>
+                                    <p:animEffect transition="in" filter="fade">
+                                      <p:cBhvr>
+                                        <p:cTn id="18" dur="1000"/>
+                                        <p:tgtEl>
+                                          <p:spTgt spid="4"/>
+                                        </p:tgtEl>
+                                      </p:cBhvr>
+                                    </p:animEffect>
+                                    <p:anim calcmode="lin" valueType="num">
+                                      <p:cBhvr>
+                                        <p:cTn id="19" dur="1000" fill="hold"/>
+                                        <p:tgtEl>
+                                          <p:spTgt spid="4"/>
+                                        </p:tgtEl>
+                                        <p:attrNameLst>
+                                          <p:attrName>ppt_x</p:attrName>
+                                        </p:attrNameLst>
+                                      </p:cBhvr>
+                                      <p:tavLst>
+                                        <p:tav tm="0">
+                                          <p:val>
+                                            <p:strVal val="#ppt_x"/>
+                                          </p:val>
+                                        </p:tav>
+                                        <p:tav tm="100000">
+                                          <p:val>
+                                            <p:strVal val="#ppt_x"/>
+                                          </p:val>
+                                        </p:tav>
+                                      </p:tavLst>
+                                    </p:anim>
+                                    <p:anim calcmode="lin" valueType="num">
+                                      <p:cBhvr>
+                                        <p:cTn id="20" dur="1000" fill="hold"/>
+                                        <p:tgtEl>
+                                          <p:spTgt spid="4"/>
+                                        </p:tgtEl>
+                                        <p:attrNameLst>
+                                          <p:attrName>ppt_y</p:attrName>
+                                        </p:attrNameLst>
+                                      </p:cBhvr>
+                                      <p:tavLst>
+                                        <p:tav tm="0">
+                                          <p:val>
+                                            <p:strVal val="#ppt_y+.1"/>
+                                          </p:val>
+                                        </p:tav>
+                                        <p:tav tm="100000">
+                                          <p:val>
+                                            <p:strVal val="#ppt_y"/>
+                                          </p:val>
+                                        </p:tav>
+                                      </p:tavLst>
+                                    </p:anim>
+                                  </p:childTnLst>
+                                </p:cTn>
+                              </p:par>
+                              <p:par>
+                                <p:cTn id="21" presetID="42" presetClass="entr" presetSubtype="0" fill="hold" grpId="0" nodeType="withEffect">
+                                  <p:stCondLst>
+                                    <p:cond delay="0"/>
+                                  </p:stCondLst>
+                                  <p:childTnLst>
+                                    <p:set>
+                                      <p:cBhvr>
+                                        <p:cTn id="22" dur="1" fill="hold">
+                                          <p:stCondLst>
+                                            <p:cond delay="0"/>
+                                          </p:stCondLst>
+                                        </p:cTn>
+                                        <p:tgtEl>
+                                          <p:spTgt spid="3"/>
+                                        </p:tgtEl>
+                                        <p:attrNameLst>
+                                          <p:attrName>style.visibility</p:attrName>
+                                        </p:attrNameLst>
+                                      </p:cBhvr>
+                                      <p:to>
+                                        <p:strVal val="visible"/>
+                                      </p:to>
+                                    </p:set>
+                                    <p:animEffect transition="in" filter="fade">
+                                      <p:cBhvr>
+                                        <p:cTn id="23" dur="1000"/>
+                                        <p:tgtEl>
+                                          <p:spTgt spid="3"/>
+                                        </p:tgtEl>
+                                      </p:cBhvr>
+                                    </p:animEffect>
+                                    <p:anim calcmode="lin" valueType="num">
+                                      <p:cBhvr>
+                                        <p:cTn id="24" dur="1000" fill="hold"/>
+                                        <p:tgtEl>
+                                          <p:spTgt spid="3"/>
+                                        </p:tgtEl>
+                                        <p:attrNameLst>
+                                          <p:attrName>ppt_x</p:attrName>
+                                        </p:attrNameLst>
+                                      </p:cBhvr>
+                                      <p:tavLst>
+                                        <p:tav tm="0">
+                                          <p:val>
+                                            <p:strVal val="#ppt_x"/>
+                                          </p:val>
+                                        </p:tav>
+                                        <p:tav tm="100000">
+                                          <p:val>
+                                            <p:strVal val="#ppt_x"/>
+                                          </p:val>
+                                        </p:tav>
+                                      </p:tavLst>
+                                    </p:anim>
+                                    <p:anim calcmode="lin" valueType="num">
+                                      <p:cBhvr>
+                                        <p:cTn id="25" dur="1000" fill="hold"/>
+                                        <p:tgtEl>
+                                          <p:spTgt spid="3"/>
+                                        </p:tgtEl>
+                                        <p:attrNameLst>
+                                          <p:attrName>ppt_y</p:attrName>
+                                        </p:attrNameLst>
+                                      </p:cBhvr>
+                                      <p:tavLst>
+                                        <p:tav tm="0">
+                                          <p:val>
+                                            <p:strVal val="#ppt_y+.1"/>
+                                          </p:val>
+                                        </p:tav>
+                                        <p:tav tm="100000">
+                                          <p:val>
+                                            <p:strVal val="#ppt_y"/>
+                                          </p:val>
+                                        </p:tav>
+                                      </p:tavLst>
+                                    </p:anim>
+                                  </p:childTnLst>
+                                </p:cTn>
+                              </p:par>
+                            </p:childTnLst>
+                          </p:cTn>
+                        </p:par>
+                        <p:par>
+                          <p:cTn id="26" fill="hold">
+                            <p:stCondLst>
+                              <p:cond delay="2000"/>
+                            </p:stCondLst>
+                            <p:childTnLst>
+                              <p:par>
+                                <p:cTn id="27" presetID="2" presetClass="entr" presetSubtype="12" fill="hold" nodeType="afterEffect">
+                                  <p:stCondLst>
+                                    <p:cond delay="0"/>
+                                  </p:stCondLst>
+                                  <p:childTnLst>
+                                    <p:set>
+                                      <p:cBhvr>
+                                        <p:cTn id="28" dur="1" fill="hold">
+                                          <p:stCondLst>
+                                            <p:cond delay="0"/>
+                                          </p:stCondLst>
+                                        </p:cTn>
+                                        <p:tgtEl>
+                                          <p:spTgt spid="7"/>
+                                        </p:tgtEl>
+                                        <p:attrNameLst>
+                                          <p:attrName>style.visibility</p:attrName>
+                                        </p:attrNameLst>
+                                      </p:cBhvr>
+                                      <p:to>
+                                        <p:strVal val="visible"/>
+                                      </p:to>
+                                    </p:set>
+                                    <p:anim calcmode="lin" valueType="num">
+                                      <p:cBhvr additive="base">
+                                        <p:cTn id="29" dur="1500" fill="hold"/>
+                                        <p:tgtEl>
+                                          <p:spTgt spid="7"/>
+                                        </p:tgtEl>
+                                        <p:attrNameLst>
+                                          <p:attrName>ppt_x</p:attrName>
+                                        </p:attrNameLst>
+                                      </p:cBhvr>
+                                      <p:tavLst>
+                                        <p:tav tm="0">
+                                          <p:val>
+                                            <p:strVal val="0-#ppt_w/2"/>
+                                          </p:val>
+                                        </p:tav>
+                                        <p:tav tm="100000">
+                                          <p:val>
+                                            <p:strVal val="#ppt_x"/>
+                                          </p:val>
+                                        </p:tav>
+                                      </p:tavLst>
+                                    </p:anim>
+                                    <p:anim calcmode="lin" valueType="num">
+                                      <p:cBhvr additive="base">
+                                        <p:cTn id="30" dur="1500" fill="hold"/>
+                                        <p:tgtEl>
+                                          <p:spTgt spid="7"/>
+                                        </p:tgtEl>
+                                        <p:attrNameLst>
+                                          <p:attrName>ppt_y</p:attrName>
+                                        </p:attrNameLst>
+                                      </p:cBhvr>
+                                      <p:tavLst>
+                                        <p:tav tm="0">
+                                          <p:val>
+                                            <p:strVal val="1+#ppt_h/2"/>
+                                          </p:val>
+                                        </p:tav>
+                                        <p:tav tm="100000">
+                                          <p:val>
+                                            <p:strVal val="#ppt_y"/>
+                                          </p:val>
+                                        </p:tav>
+                                      </p:tavLst>
+                                    </p:anim>
+                                  </p:childTnLst>
+                                </p:cTn>
+                              </p:par>
+                            </p:childTnLst>
+                          </p:cTn>
+                        </p:par>
+                      </p:childTnLst>
+                    </p:cTn>
+                  </p:par>
+                </p:childTnLst>
+              </p:cTn>
+              <p:prevCondLst>
+                <p:cond evt="onPrev" delay="0">
+                  <p:tgtEl>
+                    <p:sldTgt/>
+                  </p:tgtEl>
+                </p:cond>
+              </p:prevCondLst>
+              <p:nextCondLst>
+                <p:cond evt="onNext" delay="0">
+                  <p:tgtEl>
+                    <p:sldTgt/>
+                  </p:tgtEl>
+                </p:cond>
+              </p:nextCondLst>
+            </p:seq>
+          </p:childTnLst>
+        </p:cTn>
       </p:par>
     </p:tnLst>
+    <p:bldLst>
+      <p:bldP spid="2" grpId="0"/>
+      <p:bldP spid="4" grpId="0"/>
+      <p:bldP spid="3" grpId="0"/>
+      <p:bldP spid="6" grpId="0" build="p"/>
+    </p:bldLst>
   </p:timing>
 </p:sld>
 </file>
@@ -4369,7 +5742,7 @@
           <a:lstStyle/>
           <a:p>
             <a:r>
-              <a:rPr lang="ru-RU" dirty="0" smtClean="0">
+              <a:rPr lang="ru-RU" dirty="0">
                 <a:solidFill>
                   <a:srgbClr val="ABC357"/>
                 </a:solidFill>
@@ -4378,14 +5751,11 @@
               <a:t>Главный</a:t>
             </a:r>
             <a:r>
-              <a:rPr lang="ru-RU" dirty="0" smtClean="0">
+              <a:rPr lang="ru-RU" dirty="0">
                 <a:latin typeface="Arial Black" panose="020B0A04020102020204" pitchFamily="34" charset="0"/>
               </a:rPr>
               <a:t> персонаж</a:t>
             </a:r>
-            <a:endParaRPr lang="ru-RU" dirty="0">
-              <a:latin typeface="Arial Black" panose="020B0A04020102020204" pitchFamily="34" charset="0"/>
-            </a:endParaRPr>
           </a:p>
         </p:txBody>
       </p:sp>
@@ -4515,12 +5885,389 @@
   <p:clrMapOvr>
     <a:masterClrMapping/>
   </p:clrMapOvr>
+  <p:transition spd="slow">
+    <p:push dir="u"/>
+  </p:transition>
   <p:timing>
     <p:tnLst>
       <p:par>
-        <p:cTn id="1" dur="indefinite" restart="never" nodeType="tmRoot"/>
+        <p:cTn id="1" dur="indefinite" restart="never" nodeType="tmRoot">
+          <p:childTnLst>
+            <p:seq concurrent="1" nextAc="seek">
+              <p:cTn id="2" dur="indefinite" nodeType="mainSeq">
+                <p:childTnLst>
+                  <p:par>
+                    <p:cTn id="3" fill="hold">
+                      <p:stCondLst>
+                        <p:cond delay="indefinite"/>
+                        <p:cond evt="onBegin" delay="0">
+                          <p:tn val="2"/>
+                        </p:cond>
+                      </p:stCondLst>
+                      <p:childTnLst>
+                        <p:par>
+                          <p:cTn id="4" fill="hold">
+                            <p:stCondLst>
+                              <p:cond delay="0"/>
+                            </p:stCondLst>
+                            <p:childTnLst>
+                              <p:par>
+                                <p:cTn id="5" presetID="42" presetClass="entr" presetSubtype="0" fill="hold" grpId="0" nodeType="afterEffect">
+                                  <p:stCondLst>
+                                    <p:cond delay="0"/>
+                                  </p:stCondLst>
+                                  <p:childTnLst>
+                                    <p:set>
+                                      <p:cBhvr>
+                                        <p:cTn id="6" dur="1" fill="hold">
+                                          <p:stCondLst>
+                                            <p:cond delay="0"/>
+                                          </p:stCondLst>
+                                        </p:cTn>
+                                        <p:tgtEl>
+                                          <p:spTgt spid="2"/>
+                                        </p:tgtEl>
+                                        <p:attrNameLst>
+                                          <p:attrName>style.visibility</p:attrName>
+                                        </p:attrNameLst>
+                                      </p:cBhvr>
+                                      <p:to>
+                                        <p:strVal val="visible"/>
+                                      </p:to>
+                                    </p:set>
+                                    <p:animEffect transition="in" filter="fade">
+                                      <p:cBhvr>
+                                        <p:cTn id="7" dur="1000"/>
+                                        <p:tgtEl>
+                                          <p:spTgt spid="2"/>
+                                        </p:tgtEl>
+                                      </p:cBhvr>
+                                    </p:animEffect>
+                                    <p:anim calcmode="lin" valueType="num">
+                                      <p:cBhvr>
+                                        <p:cTn id="8" dur="1000" fill="hold"/>
+                                        <p:tgtEl>
+                                          <p:spTgt spid="2"/>
+                                        </p:tgtEl>
+                                        <p:attrNameLst>
+                                          <p:attrName>ppt_x</p:attrName>
+                                        </p:attrNameLst>
+                                      </p:cBhvr>
+                                      <p:tavLst>
+                                        <p:tav tm="0">
+                                          <p:val>
+                                            <p:strVal val="#ppt_x"/>
+                                          </p:val>
+                                        </p:tav>
+                                        <p:tav tm="100000">
+                                          <p:val>
+                                            <p:strVal val="#ppt_x"/>
+                                          </p:val>
+                                        </p:tav>
+                                      </p:tavLst>
+                                    </p:anim>
+                                    <p:anim calcmode="lin" valueType="num">
+                                      <p:cBhvr>
+                                        <p:cTn id="9" dur="1000" fill="hold"/>
+                                        <p:tgtEl>
+                                          <p:spTgt spid="2"/>
+                                        </p:tgtEl>
+                                        <p:attrNameLst>
+                                          <p:attrName>ppt_y</p:attrName>
+                                        </p:attrNameLst>
+                                      </p:cBhvr>
+                                      <p:tavLst>
+                                        <p:tav tm="0">
+                                          <p:val>
+                                            <p:strVal val="#ppt_y+.1"/>
+                                          </p:val>
+                                        </p:tav>
+                                        <p:tav tm="100000">
+                                          <p:val>
+                                            <p:strVal val="#ppt_y"/>
+                                          </p:val>
+                                        </p:tav>
+                                      </p:tavLst>
+                                    </p:anim>
+                                  </p:childTnLst>
+                                </p:cTn>
+                              </p:par>
+                            </p:childTnLst>
+                          </p:cTn>
+                        </p:par>
+                        <p:par>
+                          <p:cTn id="10" fill="hold">
+                            <p:stCondLst>
+                              <p:cond delay="1000"/>
+                            </p:stCondLst>
+                            <p:childTnLst>
+                              <p:par>
+                                <p:cTn id="11" presetID="2" presetClass="entr" presetSubtype="8" fill="hold" nodeType="afterEffect">
+                                  <p:stCondLst>
+                                    <p:cond delay="0"/>
+                                  </p:stCondLst>
+                                  <p:childTnLst>
+                                    <p:set>
+                                      <p:cBhvr>
+                                        <p:cTn id="12" dur="1" fill="hold">
+                                          <p:stCondLst>
+                                            <p:cond delay="0"/>
+                                          </p:stCondLst>
+                                        </p:cTn>
+                                        <p:tgtEl>
+                                          <p:spTgt spid="3"/>
+                                        </p:tgtEl>
+                                        <p:attrNameLst>
+                                          <p:attrName>style.visibility</p:attrName>
+                                        </p:attrNameLst>
+                                      </p:cBhvr>
+                                      <p:to>
+                                        <p:strVal val="visible"/>
+                                      </p:to>
+                                    </p:set>
+                                    <p:anim calcmode="lin" valueType="num">
+                                      <p:cBhvr additive="base">
+                                        <p:cTn id="13" dur="1250" fill="hold"/>
+                                        <p:tgtEl>
+                                          <p:spTgt spid="3"/>
+                                        </p:tgtEl>
+                                        <p:attrNameLst>
+                                          <p:attrName>ppt_x</p:attrName>
+                                        </p:attrNameLst>
+                                      </p:cBhvr>
+                                      <p:tavLst>
+                                        <p:tav tm="0">
+                                          <p:val>
+                                            <p:strVal val="0-#ppt_w/2"/>
+                                          </p:val>
+                                        </p:tav>
+                                        <p:tav tm="100000">
+                                          <p:val>
+                                            <p:strVal val="#ppt_x"/>
+                                          </p:val>
+                                        </p:tav>
+                                      </p:tavLst>
+                                    </p:anim>
+                                    <p:anim calcmode="lin" valueType="num">
+                                      <p:cBhvr additive="base">
+                                        <p:cTn id="14" dur="1250" fill="hold"/>
+                                        <p:tgtEl>
+                                          <p:spTgt spid="3"/>
+                                        </p:tgtEl>
+                                        <p:attrNameLst>
+                                          <p:attrName>ppt_y</p:attrName>
+                                        </p:attrNameLst>
+                                      </p:cBhvr>
+                                      <p:tavLst>
+                                        <p:tav tm="0">
+                                          <p:val>
+                                            <p:strVal val="#ppt_y"/>
+                                          </p:val>
+                                        </p:tav>
+                                        <p:tav tm="100000">
+                                          <p:val>
+                                            <p:strVal val="#ppt_y"/>
+                                          </p:val>
+                                        </p:tav>
+                                      </p:tavLst>
+                                    </p:anim>
+                                  </p:childTnLst>
+                                </p:cTn>
+                              </p:par>
+                            </p:childTnLst>
+                          </p:cTn>
+                        </p:par>
+                        <p:par>
+                          <p:cTn id="15" fill="hold">
+                            <p:stCondLst>
+                              <p:cond delay="2250"/>
+                            </p:stCondLst>
+                            <p:childTnLst>
+                              <p:par>
+                                <p:cTn id="16" presetID="2" presetClass="entr" presetSubtype="4" fill="hold" nodeType="afterEffect">
+                                  <p:stCondLst>
+                                    <p:cond delay="0"/>
+                                  </p:stCondLst>
+                                  <p:childTnLst>
+                                    <p:set>
+                                      <p:cBhvr>
+                                        <p:cTn id="17" dur="1" fill="hold">
+                                          <p:stCondLst>
+                                            <p:cond delay="0"/>
+                                          </p:stCondLst>
+                                        </p:cTn>
+                                        <p:tgtEl>
+                                          <p:spTgt spid="5"/>
+                                        </p:tgtEl>
+                                        <p:attrNameLst>
+                                          <p:attrName>style.visibility</p:attrName>
+                                        </p:attrNameLst>
+                                      </p:cBhvr>
+                                      <p:to>
+                                        <p:strVal val="visible"/>
+                                      </p:to>
+                                    </p:set>
+                                    <p:anim calcmode="lin" valueType="num">
+                                      <p:cBhvr additive="base">
+                                        <p:cTn id="18" dur="1250" fill="hold"/>
+                                        <p:tgtEl>
+                                          <p:spTgt spid="5"/>
+                                        </p:tgtEl>
+                                        <p:attrNameLst>
+                                          <p:attrName>ppt_x</p:attrName>
+                                        </p:attrNameLst>
+                                      </p:cBhvr>
+                                      <p:tavLst>
+                                        <p:tav tm="0">
+                                          <p:val>
+                                            <p:strVal val="#ppt_x"/>
+                                          </p:val>
+                                        </p:tav>
+                                        <p:tav tm="100000">
+                                          <p:val>
+                                            <p:strVal val="#ppt_x"/>
+                                          </p:val>
+                                        </p:tav>
+                                      </p:tavLst>
+                                    </p:anim>
+                                    <p:anim calcmode="lin" valueType="num">
+                                      <p:cBhvr additive="base">
+                                        <p:cTn id="19" dur="1250" fill="hold"/>
+                                        <p:tgtEl>
+                                          <p:spTgt spid="5"/>
+                                        </p:tgtEl>
+                                        <p:attrNameLst>
+                                          <p:attrName>ppt_y</p:attrName>
+                                        </p:attrNameLst>
+                                      </p:cBhvr>
+                                      <p:tavLst>
+                                        <p:tav tm="0">
+                                          <p:val>
+                                            <p:strVal val="1+#ppt_h/2"/>
+                                          </p:val>
+                                        </p:tav>
+                                        <p:tav tm="100000">
+                                          <p:val>
+                                            <p:strVal val="#ppt_y"/>
+                                          </p:val>
+                                        </p:tav>
+                                      </p:tavLst>
+                                    </p:anim>
+                                  </p:childTnLst>
+                                </p:cTn>
+                              </p:par>
+                            </p:childTnLst>
+                          </p:cTn>
+                        </p:par>
+                        <p:par>
+                          <p:cTn id="20" fill="hold">
+                            <p:stCondLst>
+                              <p:cond delay="3500"/>
+                            </p:stCondLst>
+                            <p:childTnLst>
+                              <p:par>
+                                <p:cTn id="21" presetID="2" presetClass="entr" presetSubtype="2" fill="hold" nodeType="afterEffect">
+                                  <p:stCondLst>
+                                    <p:cond delay="0"/>
+                                  </p:stCondLst>
+                                  <p:childTnLst>
+                                    <p:set>
+                                      <p:cBhvr>
+                                        <p:cTn id="22" dur="1" fill="hold">
+                                          <p:stCondLst>
+                                            <p:cond delay="0"/>
+                                          </p:stCondLst>
+                                        </p:cTn>
+                                        <p:tgtEl>
+                                          <p:spTgt spid="6"/>
+                                        </p:tgtEl>
+                                        <p:attrNameLst>
+                                          <p:attrName>style.visibility</p:attrName>
+                                        </p:attrNameLst>
+                                      </p:cBhvr>
+                                      <p:to>
+                                        <p:strVal val="visible"/>
+                                      </p:to>
+                                    </p:set>
+                                    <p:anim calcmode="lin" valueType="num">
+                                      <p:cBhvr additive="base">
+                                        <p:cTn id="23" dur="1250" fill="hold"/>
+                                        <p:tgtEl>
+                                          <p:spTgt spid="6"/>
+                                        </p:tgtEl>
+                                        <p:attrNameLst>
+                                          <p:attrName>ppt_x</p:attrName>
+                                        </p:attrNameLst>
+                                      </p:cBhvr>
+                                      <p:tavLst>
+                                        <p:tav tm="0">
+                                          <p:val>
+                                            <p:strVal val="1+#ppt_w/2"/>
+                                          </p:val>
+                                        </p:tav>
+                                        <p:tav tm="100000">
+                                          <p:val>
+                                            <p:strVal val="#ppt_x"/>
+                                          </p:val>
+                                        </p:tav>
+                                      </p:tavLst>
+                                    </p:anim>
+                                    <p:anim calcmode="lin" valueType="num">
+                                      <p:cBhvr additive="base">
+                                        <p:cTn id="24" dur="1250" fill="hold"/>
+                                        <p:tgtEl>
+                                          <p:spTgt spid="6"/>
+                                        </p:tgtEl>
+                                        <p:attrNameLst>
+                                          <p:attrName>ppt_y</p:attrName>
+                                        </p:attrNameLst>
+                                      </p:cBhvr>
+                                      <p:tavLst>
+                                        <p:tav tm="0">
+                                          <p:val>
+                                            <p:strVal val="#ppt_y"/>
+                                          </p:val>
+                                        </p:tav>
+                                        <p:tav tm="100000">
+                                          <p:val>
+                                            <p:strVal val="#ppt_y"/>
+                                          </p:val>
+                                        </p:tav>
+                                      </p:tavLst>
+                                    </p:anim>
+                                  </p:childTnLst>
+                                </p:cTn>
+                              </p:par>
+                            </p:childTnLst>
+                          </p:cTn>
+                        </p:par>
+                      </p:childTnLst>
+                    </p:cTn>
+                  </p:par>
+                </p:childTnLst>
+              </p:cTn>
+              <p:prevCondLst>
+                <p:cond evt="onPrev" delay="0">
+                  <p:tgtEl>
+                    <p:sldTgt/>
+                  </p:tgtEl>
+                </p:cond>
+              </p:prevCondLst>
+              <p:nextCondLst>
+                <p:cond evt="onNext" delay="0">
+                  <p:tgtEl>
+                    <p:sldTgt/>
+                  </p:tgtEl>
+                </p:cond>
+              </p:nextCondLst>
+            </p:seq>
+          </p:childTnLst>
+        </p:cTn>
       </p:par>
     </p:tnLst>
+    <p:bldLst>
+      <p:bldP spid="2" grpId="0"/>
+    </p:bldLst>
   </p:timing>
 </p:sld>
 </file>
@@ -4562,8 +6309,8 @@
         </p:nvSpPr>
         <p:spPr>
           <a:xfrm>
-            <a:off x="0" y="0"/>
-            <a:ext cx="7470543" cy="947942"/>
+            <a:off x="1045029" y="1026367"/>
+            <a:ext cx="5928761" cy="704461"/>
           </a:xfrm>
         </p:spPr>
         <p:txBody>
@@ -4571,19 +6318,13 @@
           <a:lstStyle/>
           <a:p>
             <a:r>
-              <a:rPr lang="ru-RU" dirty="0" smtClean="0">
+              <a:rPr lang="ru-RU" dirty="0">
                 <a:solidFill>
                   <a:srgbClr val="ABC357"/>
                 </a:solidFill>
                 <a:latin typeface="Arial Black" panose="020B0A04020102020204" pitchFamily="34" charset="0"/>
               </a:rPr>
-              <a:t>Дополнительный</a:t>
-            </a:r>
-            <a:r>
-              <a:rPr lang="ru-RU" dirty="0" smtClean="0">
-                <a:latin typeface="Arial Black" panose="020B0A04020102020204" pitchFamily="34" charset="0"/>
-              </a:rPr>
-              <a:t> персонаж</a:t>
+              <a:t>Валюта</a:t>
             </a:r>
             <a:endParaRPr lang="ru-RU" dirty="0">
               <a:latin typeface="Arial Black" panose="020B0A04020102020204" pitchFamily="34" charset="0"/>
@@ -4593,7 +6334,7 @@
       </p:sp>
       <p:pic>
         <p:nvPicPr>
-          <p:cNvPr id="6" name="Объект 5"/>
+          <p:cNvPr id="5" name="Объект 4"/>
           <p:cNvPicPr>
             <a:picLocks noGrp="1" noChangeAspect="1"/>
           </p:cNvPicPr>
@@ -4624,21 +6365,259 @@
         </p:blipFill>
         <p:spPr>
           <a:xfrm>
-            <a:off x="11320181" y="2366194"/>
-            <a:ext cx="3773285" cy="3348806"/>
+            <a:off x="884608" y="1888408"/>
+            <a:ext cx="2484173" cy="2484173"/>
           </a:xfrm>
+        </p:spPr>
+      </p:pic>
+      <p:sp>
+        <p:nvSpPr>
+          <p:cNvPr id="4" name="Заголовок 1"/>
+          <p:cNvSpPr txBox="1">
+            <a:spLocks/>
+          </p:cNvSpPr>
+          <p:nvPr/>
+        </p:nvSpPr>
+        <p:spPr>
+          <a:xfrm>
+            <a:off x="4333772" y="2059330"/>
+            <a:ext cx="5928761" cy="777569"/>
+          </a:xfrm>
+          <a:prstGeom prst="rect">
+            <a:avLst/>
+          </a:prstGeom>
+        </p:spPr>
+        <p:txBody>
+          <a:bodyPr vert="horz" lIns="91440" tIns="45720" rIns="91440" bIns="45720" rtlCol="0" anchor="b">
+            <a:normAutofit/>
+          </a:bodyPr>
+          <a:lstStyle>
+            <a:lvl1pPr algn="l" defTabSz="914400" rtl="0" eaLnBrk="1" latinLnBrk="0" hangingPunct="1">
+              <a:lnSpc>
+                <a:spcPct val="90000"/>
+              </a:lnSpc>
+              <a:spcBef>
+                <a:spcPct val="0"/>
+              </a:spcBef>
+              <a:buNone/>
+              <a:defRPr sz="3200" kern="1200">
+                <a:solidFill>
+                  <a:schemeClr val="tx1"/>
+                </a:solidFill>
+                <a:latin typeface="+mj-lt"/>
+                <a:ea typeface="+mj-ea"/>
+                <a:cs typeface="+mj-cs"/>
+              </a:defRPr>
+            </a:lvl1pPr>
+          </a:lstStyle>
+          <a:p>
+            <a:r>
+              <a:rPr lang="ru-RU" dirty="0">
+                <a:solidFill>
+                  <a:srgbClr val="ABC357"/>
+                </a:solidFill>
+                <a:latin typeface="Arial Black" panose="020B0A04020102020204" pitchFamily="34" charset="0"/>
+              </a:rPr>
+              <a:t>Способы </a:t>
+            </a:r>
+            <a:r>
+              <a:rPr lang="ru-RU" dirty="0">
+                <a:latin typeface="Arial Black" panose="020B0A04020102020204" pitchFamily="34" charset="0"/>
+              </a:rPr>
+              <a:t>заработка</a:t>
+            </a:r>
+          </a:p>
+        </p:txBody>
+      </p:sp>
+      <p:sp>
+        <p:nvSpPr>
+          <p:cNvPr id="3" name="TextBox 2"/>
+          <p:cNvSpPr txBox="1"/>
+          <p:nvPr/>
+        </p:nvSpPr>
+        <p:spPr>
+          <a:xfrm>
+            <a:off x="4333772" y="3000569"/>
+            <a:ext cx="6186196" cy="2446824"/>
+          </a:xfrm>
+          <a:prstGeom prst="rect">
+            <a:avLst/>
+          </a:prstGeom>
+          <a:noFill/>
+        </p:spPr>
+        <p:txBody>
+          <a:bodyPr wrap="square" rtlCol="0">
+            <a:spAutoFit/>
+          </a:bodyPr>
+          <a:lstStyle/>
+          <a:p>
+            <a:pPr marL="285750" lvl="0" indent="-285750">
+              <a:lnSpc>
+                <a:spcPct val="150000"/>
+              </a:lnSpc>
+              <a:buFont typeface="Arial" panose="020B0604020202020204" pitchFamily="34" charset="0"/>
+              <a:buChar char="•"/>
+            </a:pPr>
+            <a:r>
+              <a:rPr lang="ru-RU" dirty="0">
+                <a:latin typeface="Arial Black" panose="020B0A04020102020204" pitchFamily="34" charset="0"/>
+              </a:rPr>
+              <a:t>Сбор кристаллов </a:t>
+            </a:r>
+          </a:p>
+          <a:p>
+            <a:pPr marL="285750" lvl="0" indent="-285750">
+              <a:lnSpc>
+                <a:spcPct val="150000"/>
+              </a:lnSpc>
+              <a:buFont typeface="Arial" panose="020B0604020202020204" pitchFamily="34" charset="0"/>
+              <a:buChar char="•"/>
+            </a:pPr>
+            <a:r>
+              <a:rPr lang="ru-RU" dirty="0">
+                <a:latin typeface="Arial Black" panose="020B0A04020102020204" pitchFamily="34" charset="0"/>
+              </a:rPr>
+              <a:t>Разрушение предметов</a:t>
+            </a:r>
+          </a:p>
+          <a:p>
+            <a:pPr marL="285750" lvl="0" indent="-285750">
+              <a:lnSpc>
+                <a:spcPct val="150000"/>
+              </a:lnSpc>
+              <a:buFont typeface="Arial" panose="020B0604020202020204" pitchFamily="34" charset="0"/>
+              <a:buChar char="•"/>
+            </a:pPr>
+            <a:r>
+              <a:rPr lang="ru-RU" dirty="0">
+                <a:latin typeface="Arial Black" panose="020B0A04020102020204" pitchFamily="34" charset="0"/>
+              </a:rPr>
+              <a:t>Покупка домов, которые зарабатывают монетки</a:t>
+            </a:r>
+          </a:p>
+          <a:p>
+            <a:pPr marL="285750" lvl="0" indent="-285750">
+              <a:lnSpc>
+                <a:spcPct val="150000"/>
+              </a:lnSpc>
+              <a:buFont typeface="Arial" panose="020B0604020202020204" pitchFamily="34" charset="0"/>
+              <a:buChar char="•"/>
+            </a:pPr>
+            <a:r>
+              <a:rPr lang="ru-RU" dirty="0">
+                <a:latin typeface="Arial Black" panose="020B0A04020102020204" pitchFamily="34" charset="0"/>
+              </a:rPr>
+              <a:t>Выполнение заданий от кота</a:t>
+            </a:r>
+          </a:p>
+          <a:p>
+            <a:endParaRPr lang="ru-RU" dirty="0"/>
+          </a:p>
+        </p:txBody>
+      </p:sp>
+      <p:pic>
+        <p:nvPicPr>
+          <p:cNvPr id="6" name="Рисунок 5"/>
+          <p:cNvPicPr>
+            <a:picLocks noChangeAspect="1"/>
+          </p:cNvPicPr>
+          <p:nvPr/>
+        </p:nvPicPr>
+        <p:blipFill>
+          <a:blip r:embed="rId4">
+            <a:extLst>
+              <a:ext uri="{28A0092B-C50C-407E-A947-70E740481C1C}">
+                <a14:useLocalDpi xmlns:a14="http://schemas.microsoft.com/office/drawing/2010/main" val="0"/>
+              </a:ext>
+            </a:extLst>
+          </a:blip>
+          <a:stretch>
+            <a:fillRect/>
+          </a:stretch>
+        </p:blipFill>
+        <p:spPr>
+          <a:xfrm>
+            <a:off x="9684885" y="2008642"/>
+            <a:ext cx="1412731" cy="1833544"/>
+          </a:xfrm>
+          <a:prstGeom prst="rect">
+            <a:avLst/>
+          </a:prstGeom>
+        </p:spPr>
+      </p:pic>
+      <p:pic>
+        <p:nvPicPr>
+          <p:cNvPr id="7" name="Рисунок 6"/>
+          <p:cNvPicPr>
+            <a:picLocks noChangeAspect="1"/>
+          </p:cNvPicPr>
+          <p:nvPr/>
+        </p:nvPicPr>
+        <p:blipFill>
+          <a:blip r:embed="rId5">
+            <a:extLst>
+              <a:ext uri="{28A0092B-C50C-407E-A947-70E740481C1C}">
+                <a14:useLocalDpi xmlns:a14="http://schemas.microsoft.com/office/drawing/2010/main" val="0"/>
+              </a:ext>
+            </a:extLst>
+          </a:blip>
+          <a:stretch>
+            <a:fillRect/>
+          </a:stretch>
+        </p:blipFill>
+        <p:spPr>
+          <a:xfrm>
+            <a:off x="8875690" y="4378362"/>
+            <a:ext cx="2138062" cy="2138062"/>
+          </a:xfrm>
+          <a:prstGeom prst="rect">
+            <a:avLst/>
+          </a:prstGeom>
+        </p:spPr>
+      </p:pic>
+      <p:pic>
+        <p:nvPicPr>
+          <p:cNvPr id="9" name="Рисунок 8"/>
+          <p:cNvPicPr>
+            <a:picLocks noChangeAspect="1"/>
+          </p:cNvPicPr>
+          <p:nvPr/>
+        </p:nvPicPr>
+        <p:blipFill>
+          <a:blip r:embed="rId6">
+            <a:extLst>
+              <a:ext uri="{28A0092B-C50C-407E-A947-70E740481C1C}">
+                <a14:useLocalDpi xmlns:a14="http://schemas.microsoft.com/office/drawing/2010/main" val="0"/>
+              </a:ext>
+            </a:extLst>
+          </a:blip>
+          <a:stretch>
+            <a:fillRect/>
+          </a:stretch>
+        </p:blipFill>
+        <p:spPr>
+          <a:xfrm>
+            <a:off x="6460519" y="5087690"/>
+            <a:ext cx="1379468" cy="1428734"/>
+          </a:xfrm>
+          <a:prstGeom prst="rect">
+            <a:avLst/>
+          </a:prstGeom>
         </p:spPr>
       </p:pic>
     </p:spTree>
     <p:extLst>
       <p:ext uri="{BB962C8B-B14F-4D97-AF65-F5344CB8AC3E}">
-        <p14:creationId xmlns:p14="http://schemas.microsoft.com/office/powerpoint/2010/main" val="3079062759"/>
+        <p14:creationId xmlns:p14="http://schemas.microsoft.com/office/powerpoint/2010/main" val="1276670953"/>
       </p:ext>
     </p:extLst>
   </p:cSld>
   <p:clrMapOvr>
     <a:masterClrMapping/>
   </p:clrMapOvr>
+  <p:transition spd="slow">
+    <p:push dir="u"/>
+  </p:transition>
   <p:timing>
     <p:tnLst>
       <p:par>
@@ -4663,24 +6642,555 @@
                             </p:stCondLst>
                             <p:childTnLst>
                               <p:par>
-                                <p:cTn id="5" presetID="42" presetClass="path" presetSubtype="0" accel="50000" decel="50000" fill="hold" nodeType="afterEffect">
+                                <p:cTn id="5" presetID="42" presetClass="entr" presetSubtype="0" fill="hold" grpId="0" nodeType="afterEffect">
                                   <p:stCondLst>
                                     <p:cond delay="0"/>
                                   </p:stCondLst>
                                   <p:childTnLst>
-                                    <p:animMotion origin="layout" path="M 0.70886 -0.02639 L -0.47044 -0.03079 " pathEditMode="relative" rAng="0" ptsTypes="AA">
-                                      <p:cBhvr>
-                                        <p:cTn id="6" dur="5500" fill="hold"/>
+                                    <p:set>
+                                      <p:cBhvr>
+                                        <p:cTn id="6" dur="1" fill="hold">
+                                          <p:stCondLst>
+                                            <p:cond delay="0"/>
+                                          </p:stCondLst>
+                                        </p:cTn>
+                                        <p:tgtEl>
+                                          <p:spTgt spid="2"/>
+                                        </p:tgtEl>
+                                        <p:attrNameLst>
+                                          <p:attrName>style.visibility</p:attrName>
+                                        </p:attrNameLst>
+                                      </p:cBhvr>
+                                      <p:to>
+                                        <p:strVal val="visible"/>
+                                      </p:to>
+                                    </p:set>
+                                    <p:animEffect transition="in" filter="fade">
+                                      <p:cBhvr>
+                                        <p:cTn id="7" dur="1000"/>
+                                        <p:tgtEl>
+                                          <p:spTgt spid="2"/>
+                                        </p:tgtEl>
+                                      </p:cBhvr>
+                                    </p:animEffect>
+                                    <p:anim calcmode="lin" valueType="num">
+                                      <p:cBhvr>
+                                        <p:cTn id="8" dur="1000" fill="hold"/>
+                                        <p:tgtEl>
+                                          <p:spTgt spid="2"/>
+                                        </p:tgtEl>
+                                        <p:attrNameLst>
+                                          <p:attrName>ppt_x</p:attrName>
+                                        </p:attrNameLst>
+                                      </p:cBhvr>
+                                      <p:tavLst>
+                                        <p:tav tm="0">
+                                          <p:val>
+                                            <p:strVal val="#ppt_x"/>
+                                          </p:val>
+                                        </p:tav>
+                                        <p:tav tm="100000">
+                                          <p:val>
+                                            <p:strVal val="#ppt_x"/>
+                                          </p:val>
+                                        </p:tav>
+                                      </p:tavLst>
+                                    </p:anim>
+                                    <p:anim calcmode="lin" valueType="num">
+                                      <p:cBhvr>
+                                        <p:cTn id="9" dur="1000" fill="hold"/>
+                                        <p:tgtEl>
+                                          <p:spTgt spid="2"/>
+                                        </p:tgtEl>
+                                        <p:attrNameLst>
+                                          <p:attrName>ppt_y</p:attrName>
+                                        </p:attrNameLst>
+                                      </p:cBhvr>
+                                      <p:tavLst>
+                                        <p:tav tm="0">
+                                          <p:val>
+                                            <p:strVal val="#ppt_y+.1"/>
+                                          </p:val>
+                                        </p:tav>
+                                        <p:tav tm="100000">
+                                          <p:val>
+                                            <p:strVal val="#ppt_y"/>
+                                          </p:val>
+                                        </p:tav>
+                                      </p:tavLst>
+                                    </p:anim>
+                                  </p:childTnLst>
+                                </p:cTn>
+                              </p:par>
+                            </p:childTnLst>
+                          </p:cTn>
+                        </p:par>
+                        <p:par>
+                          <p:cTn id="10" fill="hold">
+                            <p:stCondLst>
+                              <p:cond delay="1000"/>
+                            </p:stCondLst>
+                            <p:childTnLst>
+                              <p:par>
+                                <p:cTn id="11" presetID="42" presetClass="entr" presetSubtype="0" fill="hold" grpId="0" nodeType="afterEffect">
+                                  <p:stCondLst>
+                                    <p:cond delay="0"/>
+                                  </p:stCondLst>
+                                  <p:childTnLst>
+                                    <p:set>
+                                      <p:cBhvr>
+                                        <p:cTn id="12" dur="1" fill="hold">
+                                          <p:stCondLst>
+                                            <p:cond delay="0"/>
+                                          </p:stCondLst>
+                                        </p:cTn>
+                                        <p:tgtEl>
+                                          <p:spTgt spid="4"/>
+                                        </p:tgtEl>
+                                        <p:attrNameLst>
+                                          <p:attrName>style.visibility</p:attrName>
+                                        </p:attrNameLst>
+                                      </p:cBhvr>
+                                      <p:to>
+                                        <p:strVal val="visible"/>
+                                      </p:to>
+                                    </p:set>
+                                    <p:animEffect transition="in" filter="fade">
+                                      <p:cBhvr>
+                                        <p:cTn id="13" dur="1000"/>
+                                        <p:tgtEl>
+                                          <p:spTgt spid="4"/>
+                                        </p:tgtEl>
+                                      </p:cBhvr>
+                                    </p:animEffect>
+                                    <p:anim calcmode="lin" valueType="num">
+                                      <p:cBhvr>
+                                        <p:cTn id="14" dur="1000" fill="hold"/>
+                                        <p:tgtEl>
+                                          <p:spTgt spid="4"/>
+                                        </p:tgtEl>
+                                        <p:attrNameLst>
+                                          <p:attrName>ppt_x</p:attrName>
+                                        </p:attrNameLst>
+                                      </p:cBhvr>
+                                      <p:tavLst>
+                                        <p:tav tm="0">
+                                          <p:val>
+                                            <p:strVal val="#ppt_x"/>
+                                          </p:val>
+                                        </p:tav>
+                                        <p:tav tm="100000">
+                                          <p:val>
+                                            <p:strVal val="#ppt_x"/>
+                                          </p:val>
+                                        </p:tav>
+                                      </p:tavLst>
+                                    </p:anim>
+                                    <p:anim calcmode="lin" valueType="num">
+                                      <p:cBhvr>
+                                        <p:cTn id="15" dur="1000" fill="hold"/>
+                                        <p:tgtEl>
+                                          <p:spTgt spid="4"/>
+                                        </p:tgtEl>
+                                        <p:attrNameLst>
+                                          <p:attrName>ppt_y</p:attrName>
+                                        </p:attrNameLst>
+                                      </p:cBhvr>
+                                      <p:tavLst>
+                                        <p:tav tm="0">
+                                          <p:val>
+                                            <p:strVal val="#ppt_y+.1"/>
+                                          </p:val>
+                                        </p:tav>
+                                        <p:tav tm="100000">
+                                          <p:val>
+                                            <p:strVal val="#ppt_y"/>
+                                          </p:val>
+                                        </p:tav>
+                                      </p:tavLst>
+                                    </p:anim>
+                                  </p:childTnLst>
+                                </p:cTn>
+                              </p:par>
+                              <p:par>
+                                <p:cTn id="16" presetID="2" presetClass="entr" presetSubtype="8" fill="hold" nodeType="withEffect">
+                                  <p:stCondLst>
+                                    <p:cond delay="0"/>
+                                  </p:stCondLst>
+                                  <p:childTnLst>
+                                    <p:set>
+                                      <p:cBhvr>
+                                        <p:cTn id="17" dur="1" fill="hold">
+                                          <p:stCondLst>
+                                            <p:cond delay="0"/>
+                                          </p:stCondLst>
+                                        </p:cTn>
+                                        <p:tgtEl>
+                                          <p:spTgt spid="5"/>
+                                        </p:tgtEl>
+                                        <p:attrNameLst>
+                                          <p:attrName>style.visibility</p:attrName>
+                                        </p:attrNameLst>
+                                      </p:cBhvr>
+                                      <p:to>
+                                        <p:strVal val="visible"/>
+                                      </p:to>
+                                    </p:set>
+                                    <p:anim calcmode="lin" valueType="num">
+                                      <p:cBhvr additive="base">
+                                        <p:cTn id="18" dur="1250" fill="hold"/>
+                                        <p:tgtEl>
+                                          <p:spTgt spid="5"/>
+                                        </p:tgtEl>
+                                        <p:attrNameLst>
+                                          <p:attrName>ppt_x</p:attrName>
+                                        </p:attrNameLst>
+                                      </p:cBhvr>
+                                      <p:tavLst>
+                                        <p:tav tm="0">
+                                          <p:val>
+                                            <p:strVal val="0-#ppt_w/2"/>
+                                          </p:val>
+                                        </p:tav>
+                                        <p:tav tm="100000">
+                                          <p:val>
+                                            <p:strVal val="#ppt_x"/>
+                                          </p:val>
+                                        </p:tav>
+                                      </p:tavLst>
+                                    </p:anim>
+                                    <p:anim calcmode="lin" valueType="num">
+                                      <p:cBhvr additive="base">
+                                        <p:cTn id="19" dur="1250" fill="hold"/>
+                                        <p:tgtEl>
+                                          <p:spTgt spid="5"/>
+                                        </p:tgtEl>
+                                        <p:attrNameLst>
+                                          <p:attrName>ppt_y</p:attrName>
+                                        </p:attrNameLst>
+                                      </p:cBhvr>
+                                      <p:tavLst>
+                                        <p:tav tm="0">
+                                          <p:val>
+                                            <p:strVal val="#ppt_y"/>
+                                          </p:val>
+                                        </p:tav>
+                                        <p:tav tm="100000">
+                                          <p:val>
+                                            <p:strVal val="#ppt_y"/>
+                                          </p:val>
+                                        </p:tav>
+                                      </p:tavLst>
+                                    </p:anim>
+                                  </p:childTnLst>
+                                </p:cTn>
+                              </p:par>
+                              <p:par>
+                                <p:cTn id="20" presetID="2" presetClass="entr" presetSubtype="2" fill="hold" nodeType="withEffect">
+                                  <p:stCondLst>
+                                    <p:cond delay="0"/>
+                                  </p:stCondLst>
+                                  <p:childTnLst>
+                                    <p:set>
+                                      <p:cBhvr>
+                                        <p:cTn id="21" dur="1" fill="hold">
+                                          <p:stCondLst>
+                                            <p:cond delay="0"/>
+                                          </p:stCondLst>
+                                        </p:cTn>
                                         <p:tgtEl>
                                           <p:spTgt spid="6"/>
                                         </p:tgtEl>
                                         <p:attrNameLst>
+                                          <p:attrName>style.visibility</p:attrName>
+                                        </p:attrNameLst>
+                                      </p:cBhvr>
+                                      <p:to>
+                                        <p:strVal val="visible"/>
+                                      </p:to>
+                                    </p:set>
+                                    <p:anim calcmode="lin" valueType="num">
+                                      <p:cBhvr additive="base">
+                                        <p:cTn id="22" dur="1250" fill="hold"/>
+                                        <p:tgtEl>
+                                          <p:spTgt spid="6"/>
+                                        </p:tgtEl>
+                                        <p:attrNameLst>
                                           <p:attrName>ppt_x</p:attrName>
+                                        </p:attrNameLst>
+                                      </p:cBhvr>
+                                      <p:tavLst>
+                                        <p:tav tm="0">
+                                          <p:val>
+                                            <p:strVal val="1+#ppt_w/2"/>
+                                          </p:val>
+                                        </p:tav>
+                                        <p:tav tm="100000">
+                                          <p:val>
+                                            <p:strVal val="#ppt_x"/>
+                                          </p:val>
+                                        </p:tav>
+                                      </p:tavLst>
+                                    </p:anim>
+                                    <p:anim calcmode="lin" valueType="num">
+                                      <p:cBhvr additive="base">
+                                        <p:cTn id="23" dur="1250" fill="hold"/>
+                                        <p:tgtEl>
+                                          <p:spTgt spid="6"/>
+                                        </p:tgtEl>
+                                        <p:attrNameLst>
                                           <p:attrName>ppt_y</p:attrName>
                                         </p:attrNameLst>
                                       </p:cBhvr>
-                                      <p:rCtr x="-58971" y="-231"/>
-                                    </p:animMotion>
+                                      <p:tavLst>
+                                        <p:tav tm="0">
+                                          <p:val>
+                                            <p:strVal val="#ppt_y"/>
+                                          </p:val>
+                                        </p:tav>
+                                        <p:tav tm="100000">
+                                          <p:val>
+                                            <p:strVal val="#ppt_y"/>
+                                          </p:val>
+                                        </p:tav>
+                                      </p:tavLst>
+                                    </p:anim>
+                                  </p:childTnLst>
+                                </p:cTn>
+                              </p:par>
+                              <p:par>
+                                <p:cTn id="24" presetID="2" presetClass="entr" presetSubtype="2" fill="hold" nodeType="withEffect">
+                                  <p:stCondLst>
+                                    <p:cond delay="0"/>
+                                  </p:stCondLst>
+                                  <p:childTnLst>
+                                    <p:set>
+                                      <p:cBhvr>
+                                        <p:cTn id="25" dur="1" fill="hold">
+                                          <p:stCondLst>
+                                            <p:cond delay="0"/>
+                                          </p:stCondLst>
+                                        </p:cTn>
+                                        <p:tgtEl>
+                                          <p:spTgt spid="7"/>
+                                        </p:tgtEl>
+                                        <p:attrNameLst>
+                                          <p:attrName>style.visibility</p:attrName>
+                                        </p:attrNameLst>
+                                      </p:cBhvr>
+                                      <p:to>
+                                        <p:strVal val="visible"/>
+                                      </p:to>
+                                    </p:set>
+                                    <p:anim calcmode="lin" valueType="num">
+                                      <p:cBhvr additive="base">
+                                        <p:cTn id="26" dur="1250" fill="hold"/>
+                                        <p:tgtEl>
+                                          <p:spTgt spid="7"/>
+                                        </p:tgtEl>
+                                        <p:attrNameLst>
+                                          <p:attrName>ppt_x</p:attrName>
+                                        </p:attrNameLst>
+                                      </p:cBhvr>
+                                      <p:tavLst>
+                                        <p:tav tm="0">
+                                          <p:val>
+                                            <p:strVal val="1+#ppt_w/2"/>
+                                          </p:val>
+                                        </p:tav>
+                                        <p:tav tm="100000">
+                                          <p:val>
+                                            <p:strVal val="#ppt_x"/>
+                                          </p:val>
+                                        </p:tav>
+                                      </p:tavLst>
+                                    </p:anim>
+                                    <p:anim calcmode="lin" valueType="num">
+                                      <p:cBhvr additive="base">
+                                        <p:cTn id="27" dur="1250" fill="hold"/>
+                                        <p:tgtEl>
+                                          <p:spTgt spid="7"/>
+                                        </p:tgtEl>
+                                        <p:attrNameLst>
+                                          <p:attrName>ppt_y</p:attrName>
+                                        </p:attrNameLst>
+                                      </p:cBhvr>
+                                      <p:tavLst>
+                                        <p:tav tm="0">
+                                          <p:val>
+                                            <p:strVal val="#ppt_y"/>
+                                          </p:val>
+                                        </p:tav>
+                                        <p:tav tm="100000">
+                                          <p:val>
+                                            <p:strVal val="#ppt_y"/>
+                                          </p:val>
+                                        </p:tav>
+                                      </p:tavLst>
+                                    </p:anim>
+                                  </p:childTnLst>
+                                </p:cTn>
+                              </p:par>
+                              <p:par>
+                                <p:cTn id="28" presetID="2" presetClass="entr" presetSubtype="4" fill="hold" nodeType="withEffect">
+                                  <p:stCondLst>
+                                    <p:cond delay="0"/>
+                                  </p:stCondLst>
+                                  <p:childTnLst>
+                                    <p:set>
+                                      <p:cBhvr>
+                                        <p:cTn id="29" dur="1" fill="hold">
+                                          <p:stCondLst>
+                                            <p:cond delay="0"/>
+                                          </p:stCondLst>
+                                        </p:cTn>
+                                        <p:tgtEl>
+                                          <p:spTgt spid="9"/>
+                                        </p:tgtEl>
+                                        <p:attrNameLst>
+                                          <p:attrName>style.visibility</p:attrName>
+                                        </p:attrNameLst>
+                                      </p:cBhvr>
+                                      <p:to>
+                                        <p:strVal val="visible"/>
+                                      </p:to>
+                                    </p:set>
+                                    <p:anim calcmode="lin" valueType="num">
+                                      <p:cBhvr additive="base">
+                                        <p:cTn id="30" dur="1250" fill="hold"/>
+                                        <p:tgtEl>
+                                          <p:spTgt spid="9"/>
+                                        </p:tgtEl>
+                                        <p:attrNameLst>
+                                          <p:attrName>ppt_x</p:attrName>
+                                        </p:attrNameLst>
+                                      </p:cBhvr>
+                                      <p:tavLst>
+                                        <p:tav tm="0">
+                                          <p:val>
+                                            <p:strVal val="#ppt_x"/>
+                                          </p:val>
+                                        </p:tav>
+                                        <p:tav tm="100000">
+                                          <p:val>
+                                            <p:strVal val="#ppt_x"/>
+                                          </p:val>
+                                        </p:tav>
+                                      </p:tavLst>
+                                    </p:anim>
+                                    <p:anim calcmode="lin" valueType="num">
+                                      <p:cBhvr additive="base">
+                                        <p:cTn id="31" dur="1250" fill="hold"/>
+                                        <p:tgtEl>
+                                          <p:spTgt spid="9"/>
+                                        </p:tgtEl>
+                                        <p:attrNameLst>
+                                          <p:attrName>ppt_y</p:attrName>
+                                        </p:attrNameLst>
+                                      </p:cBhvr>
+                                      <p:tavLst>
+                                        <p:tav tm="0">
+                                          <p:val>
+                                            <p:strVal val="1+#ppt_h/2"/>
+                                          </p:val>
+                                        </p:tav>
+                                        <p:tav tm="100000">
+                                          <p:val>
+                                            <p:strVal val="#ppt_y"/>
+                                          </p:val>
+                                        </p:tav>
+                                      </p:tavLst>
+                                    </p:anim>
+                                  </p:childTnLst>
+                                </p:cTn>
+                              </p:par>
+                            </p:childTnLst>
+                          </p:cTn>
+                        </p:par>
+                        <p:par>
+                          <p:cTn id="32" fill="hold">
+                            <p:stCondLst>
+                              <p:cond delay="2250"/>
+                            </p:stCondLst>
+                            <p:childTnLst>
+                              <p:par>
+                                <p:cTn id="33" presetID="42" presetClass="entr" presetSubtype="0" fill="hold" grpId="0" nodeType="afterEffect">
+                                  <p:stCondLst>
+                                    <p:cond delay="0"/>
+                                  </p:stCondLst>
+                                  <p:childTnLst>
+                                    <p:set>
+                                      <p:cBhvr>
+                                        <p:cTn id="34" dur="1" fill="hold">
+                                          <p:stCondLst>
+                                            <p:cond delay="0"/>
+                                          </p:stCondLst>
+                                        </p:cTn>
+                                        <p:tgtEl>
+                                          <p:spTgt spid="3"/>
+                                        </p:tgtEl>
+                                        <p:attrNameLst>
+                                          <p:attrName>style.visibility</p:attrName>
+                                        </p:attrNameLst>
+                                      </p:cBhvr>
+                                      <p:to>
+                                        <p:strVal val="visible"/>
+                                      </p:to>
+                                    </p:set>
+                                    <p:animEffect transition="in" filter="fade">
+                                      <p:cBhvr>
+                                        <p:cTn id="35" dur="1250"/>
+                                        <p:tgtEl>
+                                          <p:spTgt spid="3"/>
+                                        </p:tgtEl>
+                                      </p:cBhvr>
+                                    </p:animEffect>
+                                    <p:anim calcmode="lin" valueType="num">
+                                      <p:cBhvr>
+                                        <p:cTn id="36" dur="1250" fill="hold"/>
+                                        <p:tgtEl>
+                                          <p:spTgt spid="3"/>
+                                        </p:tgtEl>
+                                        <p:attrNameLst>
+                                          <p:attrName>ppt_x</p:attrName>
+                                        </p:attrNameLst>
+                                      </p:cBhvr>
+                                      <p:tavLst>
+                                        <p:tav tm="0">
+                                          <p:val>
+                                            <p:strVal val="#ppt_x"/>
+                                          </p:val>
+                                        </p:tav>
+                                        <p:tav tm="100000">
+                                          <p:val>
+                                            <p:strVal val="#ppt_x"/>
+                                          </p:val>
+                                        </p:tav>
+                                      </p:tavLst>
+                                    </p:anim>
+                                    <p:anim calcmode="lin" valueType="num">
+                                      <p:cBhvr>
+                                        <p:cTn id="37" dur="1250" fill="hold"/>
+                                        <p:tgtEl>
+                                          <p:spTgt spid="3"/>
+                                        </p:tgtEl>
+                                        <p:attrNameLst>
+                                          <p:attrName>ppt_y</p:attrName>
+                                        </p:attrNameLst>
+                                      </p:cBhvr>
+                                      <p:tavLst>
+                                        <p:tav tm="0">
+                                          <p:val>
+                                            <p:strVal val="#ppt_y+.1"/>
+                                          </p:val>
+                                        </p:tav>
+                                        <p:tav tm="100000">
+                                          <p:val>
+                                            <p:strVal val="#ppt_y"/>
+                                          </p:val>
+                                        </p:tav>
+                                      </p:tavLst>
+                                    </p:anim>
                                   </p:childTnLst>
                                 </p:cTn>
                               </p:par>
@@ -4711,6 +7221,11 @@
         </p:cTn>
       </p:par>
     </p:tnLst>
+    <p:bldLst>
+      <p:bldP spid="2" grpId="0"/>
+      <p:bldP spid="4" grpId="0"/>
+      <p:bldP spid="3" grpId="0"/>
+    </p:bldLst>
   </p:timing>
 </p:sld>
 </file>
@@ -4761,7 +7276,7 @@
           <a:lstStyle/>
           <a:p>
             <a:r>
-              <a:rPr lang="ru-RU" dirty="0" smtClean="0">
+              <a:rPr lang="ru-RU" dirty="0">
                 <a:solidFill>
                   <a:srgbClr val="ABC357"/>
                 </a:solidFill>
@@ -4770,14 +7285,11 @@
               <a:t>Домики </a:t>
             </a:r>
             <a:r>
-              <a:rPr lang="ru-RU" dirty="0" smtClean="0">
+              <a:rPr lang="ru-RU" dirty="0">
                 <a:latin typeface="Arial Black" panose="020B0A04020102020204" pitchFamily="34" charset="0"/>
               </a:rPr>
               <a:t>в поселении</a:t>
             </a:r>
-            <a:endParaRPr lang="ru-RU" dirty="0">
-              <a:latin typeface="Arial Black" panose="020B0A04020102020204" pitchFamily="34" charset="0"/>
-            </a:endParaRPr>
           </a:p>
         </p:txBody>
       </p:sp>
@@ -4940,17 +7452,902 @@
   <p:clrMapOvr>
     <a:masterClrMapping/>
   </p:clrMapOvr>
+  <p:transition spd="slow">
+    <p:push dir="u"/>
+  </p:transition>
   <p:timing>
     <p:tnLst>
       <p:par>
-        <p:cTn id="1" dur="indefinite" restart="never" nodeType="tmRoot"/>
+        <p:cTn id="1" dur="indefinite" restart="never" nodeType="tmRoot">
+          <p:childTnLst>
+            <p:seq concurrent="1" nextAc="seek">
+              <p:cTn id="2" dur="indefinite" nodeType="mainSeq">
+                <p:childTnLst>
+                  <p:par>
+                    <p:cTn id="3" fill="hold">
+                      <p:stCondLst>
+                        <p:cond delay="indefinite"/>
+                        <p:cond evt="onBegin" delay="0">
+                          <p:tn val="2"/>
+                        </p:cond>
+                      </p:stCondLst>
+                      <p:childTnLst>
+                        <p:par>
+                          <p:cTn id="4" fill="hold">
+                            <p:stCondLst>
+                              <p:cond delay="0"/>
+                            </p:stCondLst>
+                            <p:childTnLst>
+                              <p:par>
+                                <p:cTn id="5" presetID="42" presetClass="entr" presetSubtype="0" fill="hold" grpId="0" nodeType="afterEffect">
+                                  <p:stCondLst>
+                                    <p:cond delay="0"/>
+                                  </p:stCondLst>
+                                  <p:childTnLst>
+                                    <p:set>
+                                      <p:cBhvr>
+                                        <p:cTn id="6" dur="1" fill="hold">
+                                          <p:stCondLst>
+                                            <p:cond delay="0"/>
+                                          </p:stCondLst>
+                                        </p:cTn>
+                                        <p:tgtEl>
+                                          <p:spTgt spid="2"/>
+                                        </p:tgtEl>
+                                        <p:attrNameLst>
+                                          <p:attrName>style.visibility</p:attrName>
+                                        </p:attrNameLst>
+                                      </p:cBhvr>
+                                      <p:to>
+                                        <p:strVal val="visible"/>
+                                      </p:to>
+                                    </p:set>
+                                    <p:animEffect transition="in" filter="fade">
+                                      <p:cBhvr>
+                                        <p:cTn id="7" dur="1000"/>
+                                        <p:tgtEl>
+                                          <p:spTgt spid="2"/>
+                                        </p:tgtEl>
+                                      </p:cBhvr>
+                                    </p:animEffect>
+                                    <p:anim calcmode="lin" valueType="num">
+                                      <p:cBhvr>
+                                        <p:cTn id="8" dur="1000" fill="hold"/>
+                                        <p:tgtEl>
+                                          <p:spTgt spid="2"/>
+                                        </p:tgtEl>
+                                        <p:attrNameLst>
+                                          <p:attrName>ppt_x</p:attrName>
+                                        </p:attrNameLst>
+                                      </p:cBhvr>
+                                      <p:tavLst>
+                                        <p:tav tm="0">
+                                          <p:val>
+                                            <p:strVal val="#ppt_x"/>
+                                          </p:val>
+                                        </p:tav>
+                                        <p:tav tm="100000">
+                                          <p:val>
+                                            <p:strVal val="#ppt_x"/>
+                                          </p:val>
+                                        </p:tav>
+                                      </p:tavLst>
+                                    </p:anim>
+                                    <p:anim calcmode="lin" valueType="num">
+                                      <p:cBhvr>
+                                        <p:cTn id="9" dur="1000" fill="hold"/>
+                                        <p:tgtEl>
+                                          <p:spTgt spid="2"/>
+                                        </p:tgtEl>
+                                        <p:attrNameLst>
+                                          <p:attrName>ppt_y</p:attrName>
+                                        </p:attrNameLst>
+                                      </p:cBhvr>
+                                      <p:tavLst>
+                                        <p:tav tm="0">
+                                          <p:val>
+                                            <p:strVal val="#ppt_y+.1"/>
+                                          </p:val>
+                                        </p:tav>
+                                        <p:tav tm="100000">
+                                          <p:val>
+                                            <p:strVal val="#ppt_y"/>
+                                          </p:val>
+                                        </p:tav>
+                                      </p:tavLst>
+                                    </p:anim>
+                                  </p:childTnLst>
+                                </p:cTn>
+                              </p:par>
+                            </p:childTnLst>
+                          </p:cTn>
+                        </p:par>
+                        <p:par>
+                          <p:cTn id="10" fill="hold">
+                            <p:stCondLst>
+                              <p:cond delay="1000"/>
+                            </p:stCondLst>
+                            <p:childTnLst>
+                              <p:par>
+                                <p:cTn id="11" presetID="42" presetClass="entr" presetSubtype="0" fill="hold" nodeType="afterEffect">
+                                  <p:stCondLst>
+                                    <p:cond delay="0"/>
+                                  </p:stCondLst>
+                                  <p:childTnLst>
+                                    <p:set>
+                                      <p:cBhvr>
+                                        <p:cTn id="12" dur="1" fill="hold">
+                                          <p:stCondLst>
+                                            <p:cond delay="0"/>
+                                          </p:stCondLst>
+                                        </p:cTn>
+                                        <p:tgtEl>
+                                          <p:spTgt spid="5"/>
+                                        </p:tgtEl>
+                                        <p:attrNameLst>
+                                          <p:attrName>style.visibility</p:attrName>
+                                        </p:attrNameLst>
+                                      </p:cBhvr>
+                                      <p:to>
+                                        <p:strVal val="visible"/>
+                                      </p:to>
+                                    </p:set>
+                                    <p:animEffect transition="in" filter="fade">
+                                      <p:cBhvr>
+                                        <p:cTn id="13" dur="1000"/>
+                                        <p:tgtEl>
+                                          <p:spTgt spid="5"/>
+                                        </p:tgtEl>
+                                      </p:cBhvr>
+                                    </p:animEffect>
+                                    <p:anim calcmode="lin" valueType="num">
+                                      <p:cBhvr>
+                                        <p:cTn id="14" dur="1000" fill="hold"/>
+                                        <p:tgtEl>
+                                          <p:spTgt spid="5"/>
+                                        </p:tgtEl>
+                                        <p:attrNameLst>
+                                          <p:attrName>ppt_x</p:attrName>
+                                        </p:attrNameLst>
+                                      </p:cBhvr>
+                                      <p:tavLst>
+                                        <p:tav tm="0">
+                                          <p:val>
+                                            <p:strVal val="#ppt_x"/>
+                                          </p:val>
+                                        </p:tav>
+                                        <p:tav tm="100000">
+                                          <p:val>
+                                            <p:strVal val="#ppt_x"/>
+                                          </p:val>
+                                        </p:tav>
+                                      </p:tavLst>
+                                    </p:anim>
+                                    <p:anim calcmode="lin" valueType="num">
+                                      <p:cBhvr>
+                                        <p:cTn id="15" dur="1000" fill="hold"/>
+                                        <p:tgtEl>
+                                          <p:spTgt spid="5"/>
+                                        </p:tgtEl>
+                                        <p:attrNameLst>
+                                          <p:attrName>ppt_y</p:attrName>
+                                        </p:attrNameLst>
+                                      </p:cBhvr>
+                                      <p:tavLst>
+                                        <p:tav tm="0">
+                                          <p:val>
+                                            <p:strVal val="#ppt_y+.1"/>
+                                          </p:val>
+                                        </p:tav>
+                                        <p:tav tm="100000">
+                                          <p:val>
+                                            <p:strVal val="#ppt_y"/>
+                                          </p:val>
+                                        </p:tav>
+                                      </p:tavLst>
+                                    </p:anim>
+                                  </p:childTnLst>
+                                </p:cTn>
+                              </p:par>
+                              <p:par>
+                                <p:cTn id="16" presetID="42" presetClass="entr" presetSubtype="0" fill="hold" nodeType="withEffect">
+                                  <p:stCondLst>
+                                    <p:cond delay="0"/>
+                                  </p:stCondLst>
+                                  <p:childTnLst>
+                                    <p:set>
+                                      <p:cBhvr>
+                                        <p:cTn id="17" dur="1" fill="hold">
+                                          <p:stCondLst>
+                                            <p:cond delay="0"/>
+                                          </p:stCondLst>
+                                        </p:cTn>
+                                        <p:tgtEl>
+                                          <p:spTgt spid="6"/>
+                                        </p:tgtEl>
+                                        <p:attrNameLst>
+                                          <p:attrName>style.visibility</p:attrName>
+                                        </p:attrNameLst>
+                                      </p:cBhvr>
+                                      <p:to>
+                                        <p:strVal val="visible"/>
+                                      </p:to>
+                                    </p:set>
+                                    <p:animEffect transition="in" filter="fade">
+                                      <p:cBhvr>
+                                        <p:cTn id="18" dur="1000"/>
+                                        <p:tgtEl>
+                                          <p:spTgt spid="6"/>
+                                        </p:tgtEl>
+                                      </p:cBhvr>
+                                    </p:animEffect>
+                                    <p:anim calcmode="lin" valueType="num">
+                                      <p:cBhvr>
+                                        <p:cTn id="19" dur="1000" fill="hold"/>
+                                        <p:tgtEl>
+                                          <p:spTgt spid="6"/>
+                                        </p:tgtEl>
+                                        <p:attrNameLst>
+                                          <p:attrName>ppt_x</p:attrName>
+                                        </p:attrNameLst>
+                                      </p:cBhvr>
+                                      <p:tavLst>
+                                        <p:tav tm="0">
+                                          <p:val>
+                                            <p:strVal val="#ppt_x"/>
+                                          </p:val>
+                                        </p:tav>
+                                        <p:tav tm="100000">
+                                          <p:val>
+                                            <p:strVal val="#ppt_x"/>
+                                          </p:val>
+                                        </p:tav>
+                                      </p:tavLst>
+                                    </p:anim>
+                                    <p:anim calcmode="lin" valueType="num">
+                                      <p:cBhvr>
+                                        <p:cTn id="20" dur="1000" fill="hold"/>
+                                        <p:tgtEl>
+                                          <p:spTgt spid="6"/>
+                                        </p:tgtEl>
+                                        <p:attrNameLst>
+                                          <p:attrName>ppt_y</p:attrName>
+                                        </p:attrNameLst>
+                                      </p:cBhvr>
+                                      <p:tavLst>
+                                        <p:tav tm="0">
+                                          <p:val>
+                                            <p:strVal val="#ppt_y+.1"/>
+                                          </p:val>
+                                        </p:tav>
+                                        <p:tav tm="100000">
+                                          <p:val>
+                                            <p:strVal val="#ppt_y"/>
+                                          </p:val>
+                                        </p:tav>
+                                      </p:tavLst>
+                                    </p:anim>
+                                  </p:childTnLst>
+                                </p:cTn>
+                              </p:par>
+                              <p:par>
+                                <p:cTn id="21" presetID="42" presetClass="entr" presetSubtype="0" fill="hold" nodeType="withEffect">
+                                  <p:stCondLst>
+                                    <p:cond delay="0"/>
+                                  </p:stCondLst>
+                                  <p:childTnLst>
+                                    <p:set>
+                                      <p:cBhvr>
+                                        <p:cTn id="22" dur="1" fill="hold">
+                                          <p:stCondLst>
+                                            <p:cond delay="0"/>
+                                          </p:stCondLst>
+                                        </p:cTn>
+                                        <p:tgtEl>
+                                          <p:spTgt spid="7"/>
+                                        </p:tgtEl>
+                                        <p:attrNameLst>
+                                          <p:attrName>style.visibility</p:attrName>
+                                        </p:attrNameLst>
+                                      </p:cBhvr>
+                                      <p:to>
+                                        <p:strVal val="visible"/>
+                                      </p:to>
+                                    </p:set>
+                                    <p:animEffect transition="in" filter="fade">
+                                      <p:cBhvr>
+                                        <p:cTn id="23" dur="1000"/>
+                                        <p:tgtEl>
+                                          <p:spTgt spid="7"/>
+                                        </p:tgtEl>
+                                      </p:cBhvr>
+                                    </p:animEffect>
+                                    <p:anim calcmode="lin" valueType="num">
+                                      <p:cBhvr>
+                                        <p:cTn id="24" dur="1000" fill="hold"/>
+                                        <p:tgtEl>
+                                          <p:spTgt spid="7"/>
+                                        </p:tgtEl>
+                                        <p:attrNameLst>
+                                          <p:attrName>ppt_x</p:attrName>
+                                        </p:attrNameLst>
+                                      </p:cBhvr>
+                                      <p:tavLst>
+                                        <p:tav tm="0">
+                                          <p:val>
+                                            <p:strVal val="#ppt_x"/>
+                                          </p:val>
+                                        </p:tav>
+                                        <p:tav tm="100000">
+                                          <p:val>
+                                            <p:strVal val="#ppt_x"/>
+                                          </p:val>
+                                        </p:tav>
+                                      </p:tavLst>
+                                    </p:anim>
+                                    <p:anim calcmode="lin" valueType="num">
+                                      <p:cBhvr>
+                                        <p:cTn id="25" dur="1000" fill="hold"/>
+                                        <p:tgtEl>
+                                          <p:spTgt spid="7"/>
+                                        </p:tgtEl>
+                                        <p:attrNameLst>
+                                          <p:attrName>ppt_y</p:attrName>
+                                        </p:attrNameLst>
+                                      </p:cBhvr>
+                                      <p:tavLst>
+                                        <p:tav tm="0">
+                                          <p:val>
+                                            <p:strVal val="#ppt_y+.1"/>
+                                          </p:val>
+                                        </p:tav>
+                                        <p:tav tm="100000">
+                                          <p:val>
+                                            <p:strVal val="#ppt_y"/>
+                                          </p:val>
+                                        </p:tav>
+                                      </p:tavLst>
+                                    </p:anim>
+                                  </p:childTnLst>
+                                </p:cTn>
+                              </p:par>
+                              <p:par>
+                                <p:cTn id="26" presetID="42" presetClass="entr" presetSubtype="0" fill="hold" nodeType="withEffect">
+                                  <p:stCondLst>
+                                    <p:cond delay="0"/>
+                                  </p:stCondLst>
+                                  <p:childTnLst>
+                                    <p:set>
+                                      <p:cBhvr>
+                                        <p:cTn id="27" dur="1" fill="hold">
+                                          <p:stCondLst>
+                                            <p:cond delay="0"/>
+                                          </p:stCondLst>
+                                        </p:cTn>
+                                        <p:tgtEl>
+                                          <p:spTgt spid="9"/>
+                                        </p:tgtEl>
+                                        <p:attrNameLst>
+                                          <p:attrName>style.visibility</p:attrName>
+                                        </p:attrNameLst>
+                                      </p:cBhvr>
+                                      <p:to>
+                                        <p:strVal val="visible"/>
+                                      </p:to>
+                                    </p:set>
+                                    <p:animEffect transition="in" filter="fade">
+                                      <p:cBhvr>
+                                        <p:cTn id="28" dur="1000"/>
+                                        <p:tgtEl>
+                                          <p:spTgt spid="9"/>
+                                        </p:tgtEl>
+                                      </p:cBhvr>
+                                    </p:animEffect>
+                                    <p:anim calcmode="lin" valueType="num">
+                                      <p:cBhvr>
+                                        <p:cTn id="29" dur="1000" fill="hold"/>
+                                        <p:tgtEl>
+                                          <p:spTgt spid="9"/>
+                                        </p:tgtEl>
+                                        <p:attrNameLst>
+                                          <p:attrName>ppt_x</p:attrName>
+                                        </p:attrNameLst>
+                                      </p:cBhvr>
+                                      <p:tavLst>
+                                        <p:tav tm="0">
+                                          <p:val>
+                                            <p:strVal val="#ppt_x"/>
+                                          </p:val>
+                                        </p:tav>
+                                        <p:tav tm="100000">
+                                          <p:val>
+                                            <p:strVal val="#ppt_x"/>
+                                          </p:val>
+                                        </p:tav>
+                                      </p:tavLst>
+                                    </p:anim>
+                                    <p:anim calcmode="lin" valueType="num">
+                                      <p:cBhvr>
+                                        <p:cTn id="30" dur="1000" fill="hold"/>
+                                        <p:tgtEl>
+                                          <p:spTgt spid="9"/>
+                                        </p:tgtEl>
+                                        <p:attrNameLst>
+                                          <p:attrName>ppt_y</p:attrName>
+                                        </p:attrNameLst>
+                                      </p:cBhvr>
+                                      <p:tavLst>
+                                        <p:tav tm="0">
+                                          <p:val>
+                                            <p:strVal val="#ppt_y+.1"/>
+                                          </p:val>
+                                        </p:tav>
+                                        <p:tav tm="100000">
+                                          <p:val>
+                                            <p:strVal val="#ppt_y"/>
+                                          </p:val>
+                                        </p:tav>
+                                      </p:tavLst>
+                                    </p:anim>
+                                  </p:childTnLst>
+                                </p:cTn>
+                              </p:par>
+                              <p:par>
+                                <p:cTn id="31" presetID="42" presetClass="entr" presetSubtype="0" fill="hold" nodeType="withEffect">
+                                  <p:stCondLst>
+                                    <p:cond delay="0"/>
+                                  </p:stCondLst>
+                                  <p:childTnLst>
+                                    <p:set>
+                                      <p:cBhvr>
+                                        <p:cTn id="32" dur="1" fill="hold">
+                                          <p:stCondLst>
+                                            <p:cond delay="0"/>
+                                          </p:stCondLst>
+                                        </p:cTn>
+                                        <p:tgtEl>
+                                          <p:spTgt spid="8"/>
+                                        </p:tgtEl>
+                                        <p:attrNameLst>
+                                          <p:attrName>style.visibility</p:attrName>
+                                        </p:attrNameLst>
+                                      </p:cBhvr>
+                                      <p:to>
+                                        <p:strVal val="visible"/>
+                                      </p:to>
+                                    </p:set>
+                                    <p:animEffect transition="in" filter="fade">
+                                      <p:cBhvr>
+                                        <p:cTn id="33" dur="1000"/>
+                                        <p:tgtEl>
+                                          <p:spTgt spid="8"/>
+                                        </p:tgtEl>
+                                      </p:cBhvr>
+                                    </p:animEffect>
+                                    <p:anim calcmode="lin" valueType="num">
+                                      <p:cBhvr>
+                                        <p:cTn id="34" dur="1000" fill="hold"/>
+                                        <p:tgtEl>
+                                          <p:spTgt spid="8"/>
+                                        </p:tgtEl>
+                                        <p:attrNameLst>
+                                          <p:attrName>ppt_x</p:attrName>
+                                        </p:attrNameLst>
+                                      </p:cBhvr>
+                                      <p:tavLst>
+                                        <p:tav tm="0">
+                                          <p:val>
+                                            <p:strVal val="#ppt_x"/>
+                                          </p:val>
+                                        </p:tav>
+                                        <p:tav tm="100000">
+                                          <p:val>
+                                            <p:strVal val="#ppt_x"/>
+                                          </p:val>
+                                        </p:tav>
+                                      </p:tavLst>
+                                    </p:anim>
+                                    <p:anim calcmode="lin" valueType="num">
+                                      <p:cBhvr>
+                                        <p:cTn id="35" dur="1000" fill="hold"/>
+                                        <p:tgtEl>
+                                          <p:spTgt spid="8"/>
+                                        </p:tgtEl>
+                                        <p:attrNameLst>
+                                          <p:attrName>ppt_y</p:attrName>
+                                        </p:attrNameLst>
+                                      </p:cBhvr>
+                                      <p:tavLst>
+                                        <p:tav tm="0">
+                                          <p:val>
+                                            <p:strVal val="#ppt_y+.1"/>
+                                          </p:val>
+                                        </p:tav>
+                                        <p:tav tm="100000">
+                                          <p:val>
+                                            <p:strVal val="#ppt_y"/>
+                                          </p:val>
+                                        </p:tav>
+                                      </p:tavLst>
+                                    </p:anim>
+                                  </p:childTnLst>
+                                </p:cTn>
+                              </p:par>
+                            </p:childTnLst>
+                          </p:cTn>
+                        </p:par>
+                      </p:childTnLst>
+                    </p:cTn>
+                  </p:par>
+                </p:childTnLst>
+              </p:cTn>
+              <p:prevCondLst>
+                <p:cond evt="onPrev" delay="0">
+                  <p:tgtEl>
+                    <p:sldTgt/>
+                  </p:tgtEl>
+                </p:cond>
+              </p:prevCondLst>
+              <p:nextCondLst>
+                <p:cond evt="onNext" delay="0">
+                  <p:tgtEl>
+                    <p:sldTgt/>
+                  </p:tgtEl>
+                </p:cond>
+              </p:nextCondLst>
+            </p:seq>
+          </p:childTnLst>
+        </p:cTn>
       </p:par>
     </p:tnLst>
+    <p:bldLst>
+      <p:bldP spid="2" grpId="0"/>
+    </p:bldLst>
   </p:timing>
 </p:sld>
 </file>
 
 <file path=ppt/slides/slide6.xml><?xml version="1.0" encoding="utf-8"?>
+<p:sld xmlns:a="http://schemas.openxmlformats.org/drawingml/2006/main" xmlns:r="http://schemas.openxmlformats.org/officeDocument/2006/relationships" xmlns:p="http://schemas.openxmlformats.org/presentationml/2006/main">
+  <p:cSld>
+    <p:bg>
+      <p:bgPr>
+        <a:solidFill>
+          <a:srgbClr val="FFF8E7"/>
+        </a:solidFill>
+        <a:effectLst/>
+      </p:bgPr>
+    </p:bg>
+    <p:spTree>
+      <p:nvGrpSpPr>
+        <p:cNvPr id="1" name=""/>
+        <p:cNvGrpSpPr/>
+        <p:nvPr/>
+      </p:nvGrpSpPr>
+      <p:grpSpPr>
+        <a:xfrm>
+          <a:off x="0" y="0"/>
+          <a:ext cx="0" cy="0"/>
+          <a:chOff x="0" y="0"/>
+          <a:chExt cx="0" cy="0"/>
+        </a:xfrm>
+      </p:grpSpPr>
+      <p:sp>
+        <p:nvSpPr>
+          <p:cNvPr id="2" name="Заголовок 1"/>
+          <p:cNvSpPr>
+            <a:spLocks noGrp="1"/>
+          </p:cNvSpPr>
+          <p:nvPr>
+            <p:ph type="title"/>
+          </p:nvPr>
+        </p:nvSpPr>
+        <p:spPr>
+          <a:xfrm>
+            <a:off x="0" y="0"/>
+            <a:ext cx="7470543" cy="947942"/>
+          </a:xfrm>
+        </p:spPr>
+        <p:txBody>
+          <a:bodyPr/>
+          <a:lstStyle/>
+          <a:p>
+            <a:r>
+              <a:rPr lang="ru-RU" dirty="0">
+                <a:solidFill>
+                  <a:srgbClr val="ABC357"/>
+                </a:solidFill>
+                <a:latin typeface="Arial Black" panose="020B0A04020102020204" pitchFamily="34" charset="0"/>
+              </a:rPr>
+              <a:t>Дополнительный</a:t>
+            </a:r>
+            <a:r>
+              <a:rPr lang="ru-RU" dirty="0">
+                <a:latin typeface="Arial Black" panose="020B0A04020102020204" pitchFamily="34" charset="0"/>
+              </a:rPr>
+              <a:t> персонаж</a:t>
+            </a:r>
+          </a:p>
+        </p:txBody>
+      </p:sp>
+      <p:pic>
+        <p:nvPicPr>
+          <p:cNvPr id="4" name="Рисунок 3">
+            <a:extLst>
+              <a:ext uri="{FF2B5EF4-FFF2-40B4-BE49-F238E27FC236}">
+                <a16:creationId xmlns:a16="http://schemas.microsoft.com/office/drawing/2014/main" id="{FAC6D7CB-B8C8-4571-853E-7C38218051E1}"/>
+              </a:ext>
+            </a:extLst>
+          </p:cNvPr>
+          <p:cNvPicPr>
+            <a:picLocks noChangeAspect="1"/>
+          </p:cNvPicPr>
+          <p:nvPr/>
+        </p:nvPicPr>
+        <p:blipFill>
+          <a:blip r:embed="rId2">
+            <a:extLst>
+              <a:ext uri="{28A0092B-C50C-407E-A947-70E740481C1C}">
+                <a14:useLocalDpi xmlns:a14="http://schemas.microsoft.com/office/drawing/2010/main" val="0"/>
+              </a:ext>
+            </a:extLst>
+          </a:blip>
+          <a:stretch>
+            <a:fillRect/>
+          </a:stretch>
+        </p:blipFill>
+        <p:spPr>
+          <a:xfrm>
+            <a:off x="3941414" y="2815999"/>
+            <a:ext cx="4026955" cy="3485515"/>
+          </a:xfrm>
+          <a:prstGeom prst="rect">
+            <a:avLst/>
+          </a:prstGeom>
+        </p:spPr>
+      </p:pic>
+      <p:sp>
+        <p:nvSpPr>
+          <p:cNvPr id="8" name="Облачко с текстом: овальное 7">
+            <a:extLst>
+              <a:ext uri="{FF2B5EF4-FFF2-40B4-BE49-F238E27FC236}">
+                <a16:creationId xmlns:a16="http://schemas.microsoft.com/office/drawing/2014/main" id="{0DB033E2-84F7-4F9E-8EA1-C3D674D5BBCD}"/>
+              </a:ext>
+            </a:extLst>
+          </p:cNvPr>
+          <p:cNvSpPr/>
+          <p:nvPr/>
+        </p:nvSpPr>
+        <p:spPr>
+          <a:xfrm>
+            <a:off x="4107569" y="1544320"/>
+            <a:ext cx="1988431" cy="1423240"/>
+          </a:xfrm>
+          <a:prstGeom prst="wedgeEllipseCallout">
+            <a:avLst/>
+          </a:prstGeom>
+        </p:spPr>
+        <p:style>
+          <a:lnRef idx="2">
+            <a:schemeClr val="accent6"/>
+          </a:lnRef>
+          <a:fillRef idx="1">
+            <a:schemeClr val="lt1"/>
+          </a:fillRef>
+          <a:effectRef idx="0">
+            <a:schemeClr val="accent6"/>
+          </a:effectRef>
+          <a:fontRef idx="minor">
+            <a:schemeClr val="dk1"/>
+          </a:fontRef>
+        </p:style>
+        <p:txBody>
+          <a:bodyPr rtlCol="0" anchor="ctr"/>
+          <a:lstStyle/>
+          <a:p>
+            <a:pPr algn="ctr"/>
+            <a:r>
+              <a:rPr lang="ru-RU" sz="3200" dirty="0">
+                <a:solidFill>
+                  <a:srgbClr val="ABC357"/>
+                </a:solidFill>
+                <a:latin typeface="Arial Black" panose="020B0A04020102020204" pitchFamily="34" charset="0"/>
+                <a:ea typeface="+mj-ea"/>
+                <a:cs typeface="+mj-cs"/>
+              </a:rPr>
+              <a:t>Гав</a:t>
+            </a:r>
+          </a:p>
+        </p:txBody>
+      </p:sp>
+    </p:spTree>
+    <p:extLst>
+      <p:ext uri="{BB962C8B-B14F-4D97-AF65-F5344CB8AC3E}">
+        <p14:creationId xmlns:p14="http://schemas.microsoft.com/office/powerpoint/2010/main" val="3079062759"/>
+      </p:ext>
+    </p:extLst>
+  </p:cSld>
+  <p:clrMapOvr>
+    <a:masterClrMapping/>
+  </p:clrMapOvr>
+  <p:transition spd="slow">
+    <p:push dir="u"/>
+  </p:transition>
+  <p:timing>
+    <p:tnLst>
+      <p:par>
+        <p:cTn id="1" dur="indefinite" restart="never" nodeType="tmRoot">
+          <p:childTnLst>
+            <p:seq concurrent="1" nextAc="seek">
+              <p:cTn id="2" dur="indefinite" nodeType="mainSeq">
+                <p:childTnLst>
+                  <p:par>
+                    <p:cTn id="3" fill="hold">
+                      <p:stCondLst>
+                        <p:cond delay="indefinite"/>
+                        <p:cond evt="onBegin" delay="0">
+                          <p:tn val="2"/>
+                        </p:cond>
+                      </p:stCondLst>
+                      <p:childTnLst>
+                        <p:par>
+                          <p:cTn id="4" fill="hold">
+                            <p:stCondLst>
+                              <p:cond delay="0"/>
+                            </p:stCondLst>
+                            <p:childTnLst>
+                              <p:par>
+                                <p:cTn id="5" presetID="2" presetClass="entr" presetSubtype="2" fill="hold" nodeType="afterEffect">
+                                  <p:stCondLst>
+                                    <p:cond delay="0"/>
+                                  </p:stCondLst>
+                                  <p:childTnLst>
+                                    <p:set>
+                                      <p:cBhvr>
+                                        <p:cTn id="6" dur="1" fill="hold">
+                                          <p:stCondLst>
+                                            <p:cond delay="0"/>
+                                          </p:stCondLst>
+                                        </p:cTn>
+                                        <p:tgtEl>
+                                          <p:spTgt spid="4"/>
+                                        </p:tgtEl>
+                                        <p:attrNameLst>
+                                          <p:attrName>style.visibility</p:attrName>
+                                        </p:attrNameLst>
+                                      </p:cBhvr>
+                                      <p:to>
+                                        <p:strVal val="visible"/>
+                                      </p:to>
+                                    </p:set>
+                                    <p:anim calcmode="lin" valueType="num">
+                                      <p:cBhvr additive="base">
+                                        <p:cTn id="7" dur="1500" fill="hold"/>
+                                        <p:tgtEl>
+                                          <p:spTgt spid="4"/>
+                                        </p:tgtEl>
+                                        <p:attrNameLst>
+                                          <p:attrName>ppt_x</p:attrName>
+                                        </p:attrNameLst>
+                                      </p:cBhvr>
+                                      <p:tavLst>
+                                        <p:tav tm="0">
+                                          <p:val>
+                                            <p:strVal val="1+#ppt_w/2"/>
+                                          </p:val>
+                                        </p:tav>
+                                        <p:tav tm="100000">
+                                          <p:val>
+                                            <p:strVal val="#ppt_x"/>
+                                          </p:val>
+                                        </p:tav>
+                                      </p:tavLst>
+                                    </p:anim>
+                                    <p:anim calcmode="lin" valueType="num">
+                                      <p:cBhvr additive="base">
+                                        <p:cTn id="8" dur="1500" fill="hold"/>
+                                        <p:tgtEl>
+                                          <p:spTgt spid="4"/>
+                                        </p:tgtEl>
+                                        <p:attrNameLst>
+                                          <p:attrName>ppt_y</p:attrName>
+                                        </p:attrNameLst>
+                                      </p:cBhvr>
+                                      <p:tavLst>
+                                        <p:tav tm="0">
+                                          <p:val>
+                                            <p:strVal val="#ppt_y"/>
+                                          </p:val>
+                                        </p:tav>
+                                        <p:tav tm="100000">
+                                          <p:val>
+                                            <p:strVal val="#ppt_y"/>
+                                          </p:val>
+                                        </p:tav>
+                                      </p:tavLst>
+                                    </p:anim>
+                                  </p:childTnLst>
+                                </p:cTn>
+                              </p:par>
+                            </p:childTnLst>
+                          </p:cTn>
+                        </p:par>
+                        <p:par>
+                          <p:cTn id="9" fill="hold">
+                            <p:stCondLst>
+                              <p:cond delay="1500"/>
+                            </p:stCondLst>
+                            <p:childTnLst>
+                              <p:par>
+                                <p:cTn id="10" presetID="10" presetClass="entr" presetSubtype="0" fill="hold" grpId="0" nodeType="afterEffect">
+                                  <p:stCondLst>
+                                    <p:cond delay="0"/>
+                                  </p:stCondLst>
+                                  <p:childTnLst>
+                                    <p:set>
+                                      <p:cBhvr>
+                                        <p:cTn id="11" dur="1" fill="hold">
+                                          <p:stCondLst>
+                                            <p:cond delay="0"/>
+                                          </p:stCondLst>
+                                        </p:cTn>
+                                        <p:tgtEl>
+                                          <p:spTgt spid="8"/>
+                                        </p:tgtEl>
+                                        <p:attrNameLst>
+                                          <p:attrName>style.visibility</p:attrName>
+                                        </p:attrNameLst>
+                                      </p:cBhvr>
+                                      <p:to>
+                                        <p:strVal val="visible"/>
+                                      </p:to>
+                                    </p:set>
+                                    <p:animEffect transition="in" filter="fade">
+                                      <p:cBhvr>
+                                        <p:cTn id="12" dur="500"/>
+                                        <p:tgtEl>
+                                          <p:spTgt spid="8"/>
+                                        </p:tgtEl>
+                                      </p:cBhvr>
+                                    </p:animEffect>
+                                  </p:childTnLst>
+                                </p:cTn>
+                              </p:par>
+                            </p:childTnLst>
+                          </p:cTn>
+                        </p:par>
+                      </p:childTnLst>
+                    </p:cTn>
+                  </p:par>
+                </p:childTnLst>
+              </p:cTn>
+              <p:prevCondLst>
+                <p:cond evt="onPrev" delay="0">
+                  <p:tgtEl>
+                    <p:sldTgt/>
+                  </p:tgtEl>
+                </p:cond>
+              </p:prevCondLst>
+              <p:nextCondLst>
+                <p:cond evt="onNext" delay="0">
+                  <p:tgtEl>
+                    <p:sldTgt/>
+                  </p:tgtEl>
+                </p:cond>
+              </p:nextCondLst>
+            </p:seq>
+          </p:childTnLst>
+        </p:cTn>
+      </p:par>
+    </p:tnLst>
+    <p:bldLst>
+      <p:bldP spid="8" grpId="0" animBg="1"/>
+    </p:bldLst>
+  </p:timing>
+</p:sld>
+</file>
+
+<file path=ppt/slides/slide7.xml><?xml version="1.0" encoding="utf-8"?>
 <p:sld xmlns:a="http://schemas.openxmlformats.org/drawingml/2006/main" xmlns:r="http://schemas.openxmlformats.org/officeDocument/2006/relationships" xmlns:p="http://schemas.openxmlformats.org/presentationml/2006/main">
   <p:cSld>
     <p:bg>
@@ -4996,7 +8393,7 @@
           <a:lstStyle/>
           <a:p>
             <a:r>
-              <a:rPr lang="ru-RU" dirty="0" smtClean="0">
+              <a:rPr lang="ru-RU" dirty="0">
                 <a:solidFill>
                   <a:srgbClr val="ABC357"/>
                 </a:solidFill>
@@ -5005,14 +8402,11 @@
               <a:t>Блоки</a:t>
             </a:r>
             <a:r>
-              <a:rPr lang="ru-RU" dirty="0" smtClean="0">
+              <a:rPr lang="ru-RU" dirty="0">
                 <a:latin typeface="Arial Black" panose="020B0A04020102020204" pitchFamily="34" charset="0"/>
               </a:rPr>
               <a:t>, которые образуют остров</a:t>
             </a:r>
-            <a:endParaRPr lang="ru-RU" dirty="0">
-              <a:latin typeface="Arial Black" panose="020B0A04020102020204" pitchFamily="34" charset="0"/>
-            </a:endParaRPr>
           </a:p>
         </p:txBody>
       </p:sp>
@@ -5055,368 +8449,187 @@
   <p:clrMapOvr>
     <a:masterClrMapping/>
   </p:clrMapOvr>
+  <p:transition spd="slow">
+    <p:push dir="u"/>
+  </p:transition>
   <p:timing>
     <p:tnLst>
       <p:par>
-        <p:cTn id="1" dur="indefinite" restart="never" nodeType="tmRoot"/>
+        <p:cTn id="1" dur="indefinite" restart="never" nodeType="tmRoot">
+          <p:childTnLst>
+            <p:seq concurrent="1" nextAc="seek">
+              <p:cTn id="2" dur="indefinite" nodeType="mainSeq">
+                <p:childTnLst>
+                  <p:par>
+                    <p:cTn id="3" fill="hold">
+                      <p:stCondLst>
+                        <p:cond delay="indefinite"/>
+                        <p:cond evt="onBegin" delay="0">
+                          <p:tn val="2"/>
+                        </p:cond>
+                      </p:stCondLst>
+                      <p:childTnLst>
+                        <p:par>
+                          <p:cTn id="4" fill="hold">
+                            <p:stCondLst>
+                              <p:cond delay="0"/>
+                            </p:stCondLst>
+                            <p:childTnLst>
+                              <p:par>
+                                <p:cTn id="5" presetID="42" presetClass="entr" presetSubtype="0" fill="hold" grpId="0" nodeType="afterEffect">
+                                  <p:stCondLst>
+                                    <p:cond delay="0"/>
+                                  </p:stCondLst>
+                                  <p:childTnLst>
+                                    <p:set>
+                                      <p:cBhvr>
+                                        <p:cTn id="6" dur="1" fill="hold">
+                                          <p:stCondLst>
+                                            <p:cond delay="0"/>
+                                          </p:stCondLst>
+                                        </p:cTn>
+                                        <p:tgtEl>
+                                          <p:spTgt spid="2"/>
+                                        </p:tgtEl>
+                                        <p:attrNameLst>
+                                          <p:attrName>style.visibility</p:attrName>
+                                        </p:attrNameLst>
+                                      </p:cBhvr>
+                                      <p:to>
+                                        <p:strVal val="visible"/>
+                                      </p:to>
+                                    </p:set>
+                                    <p:animEffect transition="in" filter="fade">
+                                      <p:cBhvr>
+                                        <p:cTn id="7" dur="1000"/>
+                                        <p:tgtEl>
+                                          <p:spTgt spid="2"/>
+                                        </p:tgtEl>
+                                      </p:cBhvr>
+                                    </p:animEffect>
+                                    <p:anim calcmode="lin" valueType="num">
+                                      <p:cBhvr>
+                                        <p:cTn id="8" dur="1000" fill="hold"/>
+                                        <p:tgtEl>
+                                          <p:spTgt spid="2"/>
+                                        </p:tgtEl>
+                                        <p:attrNameLst>
+                                          <p:attrName>ppt_x</p:attrName>
+                                        </p:attrNameLst>
+                                      </p:cBhvr>
+                                      <p:tavLst>
+                                        <p:tav tm="0">
+                                          <p:val>
+                                            <p:strVal val="#ppt_x"/>
+                                          </p:val>
+                                        </p:tav>
+                                        <p:tav tm="100000">
+                                          <p:val>
+                                            <p:strVal val="#ppt_x"/>
+                                          </p:val>
+                                        </p:tav>
+                                      </p:tavLst>
+                                    </p:anim>
+                                    <p:anim calcmode="lin" valueType="num">
+                                      <p:cBhvr>
+                                        <p:cTn id="9" dur="1000" fill="hold"/>
+                                        <p:tgtEl>
+                                          <p:spTgt spid="2"/>
+                                        </p:tgtEl>
+                                        <p:attrNameLst>
+                                          <p:attrName>ppt_y</p:attrName>
+                                        </p:attrNameLst>
+                                      </p:cBhvr>
+                                      <p:tavLst>
+                                        <p:tav tm="0">
+                                          <p:val>
+                                            <p:strVal val="#ppt_y+.1"/>
+                                          </p:val>
+                                        </p:tav>
+                                        <p:tav tm="100000">
+                                          <p:val>
+                                            <p:strVal val="#ppt_y"/>
+                                          </p:val>
+                                        </p:tav>
+                                      </p:tavLst>
+                                    </p:anim>
+                                  </p:childTnLst>
+                                </p:cTn>
+                              </p:par>
+                            </p:childTnLst>
+                          </p:cTn>
+                        </p:par>
+                        <p:par>
+                          <p:cTn id="10" fill="hold">
+                            <p:stCondLst>
+                              <p:cond delay="1000"/>
+                            </p:stCondLst>
+                            <p:childTnLst>
+                              <p:par>
+                                <p:cTn id="11" presetID="10" presetClass="entr" presetSubtype="0" fill="hold" nodeType="afterEffect">
+                                  <p:stCondLst>
+                                    <p:cond delay="0"/>
+                                  </p:stCondLst>
+                                  <p:childTnLst>
+                                    <p:set>
+                                      <p:cBhvr>
+                                        <p:cTn id="12" dur="1" fill="hold">
+                                          <p:stCondLst>
+                                            <p:cond delay="0"/>
+                                          </p:stCondLst>
+                                        </p:cTn>
+                                        <p:tgtEl>
+                                          <p:spTgt spid="10"/>
+                                        </p:tgtEl>
+                                        <p:attrNameLst>
+                                          <p:attrName>style.visibility</p:attrName>
+                                        </p:attrNameLst>
+                                      </p:cBhvr>
+                                      <p:to>
+                                        <p:strVal val="visible"/>
+                                      </p:to>
+                                    </p:set>
+                                    <p:animEffect transition="in" filter="fade">
+                                      <p:cBhvr>
+                                        <p:cTn id="13" dur="500"/>
+                                        <p:tgtEl>
+                                          <p:spTgt spid="10"/>
+                                        </p:tgtEl>
+                                      </p:cBhvr>
+                                    </p:animEffect>
+                                  </p:childTnLst>
+                                </p:cTn>
+                              </p:par>
+                            </p:childTnLst>
+                          </p:cTn>
+                        </p:par>
+                      </p:childTnLst>
+                    </p:cTn>
+                  </p:par>
+                </p:childTnLst>
+              </p:cTn>
+              <p:prevCondLst>
+                <p:cond evt="onPrev" delay="0">
+                  <p:tgtEl>
+                    <p:sldTgt/>
+                  </p:tgtEl>
+                </p:cond>
+              </p:prevCondLst>
+              <p:nextCondLst>
+                <p:cond evt="onNext" delay="0">
+                  <p:tgtEl>
+                    <p:sldTgt/>
+                  </p:tgtEl>
+                </p:cond>
+              </p:nextCondLst>
+            </p:seq>
+          </p:childTnLst>
+        </p:cTn>
       </p:par>
     </p:tnLst>
-  </p:timing>
-</p:sld>
-</file>
-
-<file path=ppt/slides/slide7.xml><?xml version="1.0" encoding="utf-8"?>
-<p:sld xmlns:a="http://schemas.openxmlformats.org/drawingml/2006/main" xmlns:r="http://schemas.openxmlformats.org/officeDocument/2006/relationships" xmlns:p="http://schemas.openxmlformats.org/presentationml/2006/main">
-  <p:cSld>
-    <p:bg>
-      <p:bgPr>
-        <a:solidFill>
-          <a:srgbClr val="FFF8E7"/>
-        </a:solidFill>
-        <a:effectLst/>
-      </p:bgPr>
-    </p:bg>
-    <p:spTree>
-      <p:nvGrpSpPr>
-        <p:cNvPr id="1" name=""/>
-        <p:cNvGrpSpPr/>
-        <p:nvPr/>
-      </p:nvGrpSpPr>
-      <p:grpSpPr>
-        <a:xfrm>
-          <a:off x="0" y="0"/>
-          <a:ext cx="0" cy="0"/>
-          <a:chOff x="0" y="0"/>
-          <a:chExt cx="0" cy="0"/>
-        </a:xfrm>
-      </p:grpSpPr>
-      <p:sp>
-        <p:nvSpPr>
-          <p:cNvPr id="2" name="Заголовок 1"/>
-          <p:cNvSpPr>
-            <a:spLocks noGrp="1"/>
-          </p:cNvSpPr>
-          <p:nvPr>
-            <p:ph type="title"/>
-          </p:nvPr>
-        </p:nvSpPr>
-        <p:spPr>
-          <a:xfrm>
-            <a:off x="1045029" y="1026367"/>
-            <a:ext cx="5928761" cy="704461"/>
-          </a:xfrm>
-        </p:spPr>
-        <p:txBody>
-          <a:bodyPr/>
-          <a:lstStyle/>
-          <a:p>
-            <a:r>
-              <a:rPr lang="ru-RU" dirty="0" smtClean="0">
-                <a:solidFill>
-                  <a:srgbClr val="ABC357"/>
-                </a:solidFill>
-                <a:latin typeface="Arial Black" panose="020B0A04020102020204" pitchFamily="34" charset="0"/>
-              </a:rPr>
-              <a:t>Валюта</a:t>
-            </a:r>
-            <a:endParaRPr lang="ru-RU" dirty="0">
-              <a:latin typeface="Arial Black" panose="020B0A04020102020204" pitchFamily="34" charset="0"/>
-            </a:endParaRPr>
-          </a:p>
-        </p:txBody>
-      </p:sp>
-      <p:pic>
-        <p:nvPicPr>
-          <p:cNvPr id="5" name="Объект 4"/>
-          <p:cNvPicPr>
-            <a:picLocks noGrp="1" noChangeAspect="1"/>
-          </p:cNvPicPr>
-          <p:nvPr>
-            <p:ph idx="1"/>
-          </p:nvPr>
-        </p:nvPicPr>
-        <p:blipFill>
-          <a:blip r:embed="rId2">
-            <a:extLst>
-              <a:ext uri="{BEBA8EAE-BF5A-486C-A8C5-ECC9F3942E4B}">
-                <a14:imgProps xmlns:a14="http://schemas.microsoft.com/office/drawing/2010/main">
-                  <a14:imgLayer r:embed="rId3">
-                    <a14:imgEffect>
-                      <a14:backgroundRemoval t="0" b="100000" l="0" r="100000"/>
-                    </a14:imgEffect>
-                  </a14:imgLayer>
-                </a14:imgProps>
-              </a:ext>
-              <a:ext uri="{28A0092B-C50C-407E-A947-70E740481C1C}">
-                <a14:useLocalDpi xmlns:a14="http://schemas.microsoft.com/office/drawing/2010/main" val="0"/>
-              </a:ext>
-            </a:extLst>
-          </a:blip>
-          <a:stretch>
-            <a:fillRect/>
-          </a:stretch>
-        </p:blipFill>
-        <p:spPr>
-          <a:xfrm>
-            <a:off x="884608" y="1888408"/>
-            <a:ext cx="2484173" cy="2484173"/>
-          </a:xfrm>
-        </p:spPr>
-      </p:pic>
-      <p:sp>
-        <p:nvSpPr>
-          <p:cNvPr id="4" name="Заголовок 1"/>
-          <p:cNvSpPr txBox="1">
-            <a:spLocks/>
-          </p:cNvSpPr>
-          <p:nvPr/>
-        </p:nvSpPr>
-        <p:spPr>
-          <a:xfrm>
-            <a:off x="4333772" y="2059330"/>
-            <a:ext cx="5928761" cy="777569"/>
-          </a:xfrm>
-          <a:prstGeom prst="rect">
-            <a:avLst/>
-          </a:prstGeom>
-        </p:spPr>
-        <p:txBody>
-          <a:bodyPr vert="horz" lIns="91440" tIns="45720" rIns="91440" bIns="45720" rtlCol="0" anchor="b">
-            <a:normAutofit/>
-          </a:bodyPr>
-          <a:lstStyle>
-            <a:lvl1pPr algn="l" defTabSz="914400" rtl="0" eaLnBrk="1" latinLnBrk="0" hangingPunct="1">
-              <a:lnSpc>
-                <a:spcPct val="90000"/>
-              </a:lnSpc>
-              <a:spcBef>
-                <a:spcPct val="0"/>
-              </a:spcBef>
-              <a:buNone/>
-              <a:defRPr sz="3200" kern="1200">
-                <a:solidFill>
-                  <a:schemeClr val="tx1"/>
-                </a:solidFill>
-                <a:latin typeface="+mj-lt"/>
-                <a:ea typeface="+mj-ea"/>
-                <a:cs typeface="+mj-cs"/>
-              </a:defRPr>
-            </a:lvl1pPr>
-          </a:lstStyle>
-          <a:p>
-            <a:r>
-              <a:rPr lang="ru-RU" dirty="0" smtClean="0">
-                <a:solidFill>
-                  <a:srgbClr val="ABC357"/>
-                </a:solidFill>
-                <a:latin typeface="Arial Black" panose="020B0A04020102020204" pitchFamily="34" charset="0"/>
-              </a:rPr>
-              <a:t>Способы </a:t>
-            </a:r>
-            <a:r>
-              <a:rPr lang="ru-RU" dirty="0" smtClean="0">
-                <a:latin typeface="Arial Black" panose="020B0A04020102020204" pitchFamily="34" charset="0"/>
-              </a:rPr>
-              <a:t>заработка</a:t>
-            </a:r>
-            <a:endParaRPr lang="ru-RU" dirty="0">
-              <a:latin typeface="Arial Black" panose="020B0A04020102020204" pitchFamily="34" charset="0"/>
-            </a:endParaRPr>
-          </a:p>
-        </p:txBody>
-      </p:sp>
-      <p:sp>
-        <p:nvSpPr>
-          <p:cNvPr id="3" name="TextBox 2"/>
-          <p:cNvSpPr txBox="1"/>
-          <p:nvPr/>
-        </p:nvSpPr>
-        <p:spPr>
-          <a:xfrm>
-            <a:off x="4333772" y="3000569"/>
-            <a:ext cx="6186196" cy="2446824"/>
-          </a:xfrm>
-          <a:prstGeom prst="rect">
-            <a:avLst/>
-          </a:prstGeom>
-          <a:noFill/>
-        </p:spPr>
-        <p:txBody>
-          <a:bodyPr wrap="square" rtlCol="0">
-            <a:spAutoFit/>
-          </a:bodyPr>
-          <a:lstStyle/>
-          <a:p>
-            <a:pPr marL="285750" lvl="0" indent="-285750">
-              <a:lnSpc>
-                <a:spcPct val="150000"/>
-              </a:lnSpc>
-              <a:buFont typeface="Arial" panose="020B0604020202020204" pitchFamily="34" charset="0"/>
-              <a:buChar char="•"/>
-            </a:pPr>
-            <a:r>
-              <a:rPr lang="ru-RU" dirty="0">
-                <a:latin typeface="Arial Black" panose="020B0A04020102020204" pitchFamily="34" charset="0"/>
-              </a:rPr>
-              <a:t>Сбор кристаллов </a:t>
-            </a:r>
-          </a:p>
-          <a:p>
-            <a:pPr marL="285750" lvl="0" indent="-285750">
-              <a:lnSpc>
-                <a:spcPct val="150000"/>
-              </a:lnSpc>
-              <a:buFont typeface="Arial" panose="020B0604020202020204" pitchFamily="34" charset="0"/>
-              <a:buChar char="•"/>
-            </a:pPr>
-            <a:r>
-              <a:rPr lang="ru-RU" dirty="0">
-                <a:latin typeface="Arial Black" panose="020B0A04020102020204" pitchFamily="34" charset="0"/>
-              </a:rPr>
-              <a:t>Разрушение предметов</a:t>
-            </a:r>
-          </a:p>
-          <a:p>
-            <a:pPr marL="285750" lvl="0" indent="-285750">
-              <a:lnSpc>
-                <a:spcPct val="150000"/>
-              </a:lnSpc>
-              <a:buFont typeface="Arial" panose="020B0604020202020204" pitchFamily="34" charset="0"/>
-              <a:buChar char="•"/>
-            </a:pPr>
-            <a:r>
-              <a:rPr lang="ru-RU" dirty="0">
-                <a:latin typeface="Arial Black" panose="020B0A04020102020204" pitchFamily="34" charset="0"/>
-              </a:rPr>
-              <a:t>Покупка домов, которые зарабатывают монетки</a:t>
-            </a:r>
-          </a:p>
-          <a:p>
-            <a:pPr marL="285750" lvl="0" indent="-285750">
-              <a:lnSpc>
-                <a:spcPct val="150000"/>
-              </a:lnSpc>
-              <a:buFont typeface="Arial" panose="020B0604020202020204" pitchFamily="34" charset="0"/>
-              <a:buChar char="•"/>
-            </a:pPr>
-            <a:r>
-              <a:rPr lang="ru-RU" dirty="0">
-                <a:latin typeface="Arial Black" panose="020B0A04020102020204" pitchFamily="34" charset="0"/>
-              </a:rPr>
-              <a:t>Выполнение заданий от кота</a:t>
-            </a:r>
-          </a:p>
-          <a:p>
-            <a:endParaRPr lang="ru-RU" dirty="0"/>
-          </a:p>
-        </p:txBody>
-      </p:sp>
-      <p:pic>
-        <p:nvPicPr>
-          <p:cNvPr id="6" name="Рисунок 5"/>
-          <p:cNvPicPr>
-            <a:picLocks noChangeAspect="1"/>
-          </p:cNvPicPr>
-          <p:nvPr/>
-        </p:nvPicPr>
-        <p:blipFill>
-          <a:blip r:embed="rId4">
-            <a:extLst>
-              <a:ext uri="{28A0092B-C50C-407E-A947-70E740481C1C}">
-                <a14:useLocalDpi xmlns:a14="http://schemas.microsoft.com/office/drawing/2010/main" val="0"/>
-              </a:ext>
-            </a:extLst>
-          </a:blip>
-          <a:stretch>
-            <a:fillRect/>
-          </a:stretch>
-        </p:blipFill>
-        <p:spPr>
-          <a:xfrm>
-            <a:off x="9684885" y="2008642"/>
-            <a:ext cx="1412731" cy="1833544"/>
-          </a:xfrm>
-          <a:prstGeom prst="rect">
-            <a:avLst/>
-          </a:prstGeom>
-        </p:spPr>
-      </p:pic>
-      <p:pic>
-        <p:nvPicPr>
-          <p:cNvPr id="7" name="Рисунок 6"/>
-          <p:cNvPicPr>
-            <a:picLocks noChangeAspect="1"/>
-          </p:cNvPicPr>
-          <p:nvPr/>
-        </p:nvPicPr>
-        <p:blipFill>
-          <a:blip r:embed="rId5">
-            <a:extLst>
-              <a:ext uri="{28A0092B-C50C-407E-A947-70E740481C1C}">
-                <a14:useLocalDpi xmlns:a14="http://schemas.microsoft.com/office/drawing/2010/main" val="0"/>
-              </a:ext>
-            </a:extLst>
-          </a:blip>
-          <a:stretch>
-            <a:fillRect/>
-          </a:stretch>
-        </p:blipFill>
-        <p:spPr>
-          <a:xfrm>
-            <a:off x="8875690" y="4378362"/>
-            <a:ext cx="2138062" cy="2138062"/>
-          </a:xfrm>
-          <a:prstGeom prst="rect">
-            <a:avLst/>
-          </a:prstGeom>
-        </p:spPr>
-      </p:pic>
-      <p:pic>
-        <p:nvPicPr>
-          <p:cNvPr id="9" name="Рисунок 8"/>
-          <p:cNvPicPr>
-            <a:picLocks noChangeAspect="1"/>
-          </p:cNvPicPr>
-          <p:nvPr/>
-        </p:nvPicPr>
-        <p:blipFill>
-          <a:blip r:embed="rId6">
-            <a:extLst>
-              <a:ext uri="{28A0092B-C50C-407E-A947-70E740481C1C}">
-                <a14:useLocalDpi xmlns:a14="http://schemas.microsoft.com/office/drawing/2010/main" val="0"/>
-              </a:ext>
-            </a:extLst>
-          </a:blip>
-          <a:stretch>
-            <a:fillRect/>
-          </a:stretch>
-        </p:blipFill>
-        <p:spPr>
-          <a:xfrm>
-            <a:off x="6460519" y="5087690"/>
-            <a:ext cx="1379468" cy="1428734"/>
-          </a:xfrm>
-          <a:prstGeom prst="rect">
-            <a:avLst/>
-          </a:prstGeom>
-        </p:spPr>
-      </p:pic>
-    </p:spTree>
-    <p:extLst>
-      <p:ext uri="{BB962C8B-B14F-4D97-AF65-F5344CB8AC3E}">
-        <p14:creationId xmlns:p14="http://schemas.microsoft.com/office/powerpoint/2010/main" val="1276670953"/>
-      </p:ext>
-    </p:extLst>
-  </p:cSld>
-  <p:clrMapOvr>
-    <a:masterClrMapping/>
-  </p:clrMapOvr>
-  <p:timing>
-    <p:tnLst>
-      <p:par>
-        <p:cTn id="1" dur="indefinite" restart="never" nodeType="tmRoot"/>
-      </p:par>
-    </p:tnLst>
+    <p:bldLst>
+      <p:bldP spid="2" grpId="0"/>
+    </p:bldLst>
   </p:timing>
 </p:sld>
 </file>
@@ -5467,7 +8680,7 @@
           <a:lstStyle/>
           <a:p>
             <a:r>
-              <a:rPr lang="ru-RU" dirty="0" smtClean="0">
+              <a:rPr lang="ru-RU" dirty="0">
                 <a:solidFill>
                   <a:srgbClr val="ABC357"/>
                 </a:solidFill>
@@ -5476,26 +8689,23 @@
               <a:t>Кто </a:t>
             </a:r>
             <a:r>
-              <a:rPr lang="ru-RU" dirty="0" smtClean="0">
+              <a:rPr lang="ru-RU" dirty="0">
                 <a:latin typeface="Arial Black" panose="020B0A04020102020204" pitchFamily="34" charset="0"/>
               </a:rPr>
               <a:t>такой </a:t>
             </a:r>
             <a:r>
-              <a:rPr lang="ru-RU" dirty="0" err="1" smtClean="0">
+              <a:rPr lang="ru-RU" dirty="0" err="1">
                 <a:latin typeface="Arial Black" panose="020B0A04020102020204" pitchFamily="34" charset="0"/>
               </a:rPr>
               <a:t>бульбик</a:t>
             </a:r>
             <a:r>
-              <a:rPr lang="ru-RU" dirty="0" smtClean="0">
+              <a:rPr lang="ru-RU" dirty="0">
                 <a:latin typeface="Arial Black" panose="020B0A04020102020204" pitchFamily="34" charset="0"/>
               </a:rPr>
               <a:t>?</a:t>
             </a:r>
-            <a:endParaRPr lang="ru-RU" dirty="0">
-              <a:latin typeface="Arial Black" panose="020B0A04020102020204" pitchFamily="34" charset="0"/>
-            </a:endParaRPr>
           </a:p>
         </p:txBody>
       </p:sp>
@@ -5541,7 +8751,7 @@
           </a:lstStyle>
           <a:p>
             <a:r>
-              <a:rPr lang="ru-RU" dirty="0" smtClean="0">
+              <a:rPr lang="ru-RU" dirty="0">
                 <a:solidFill>
                   <a:srgbClr val="ABC357"/>
                 </a:solidFill>
@@ -5550,7 +8760,7 @@
               <a:t>Работа </a:t>
             </a:r>
             <a:r>
-              <a:rPr lang="ru-RU" dirty="0" err="1" smtClean="0">
+              <a:rPr lang="ru-RU" dirty="0" err="1">
                 <a:latin typeface="Arial Black" panose="020B0A04020102020204" pitchFamily="34" charset="0"/>
               </a:rPr>
               <a:t>бульбика</a:t>
@@ -5561,44 +8771,6 @@
           </a:p>
         </p:txBody>
       </p:sp>
-      <p:pic>
-        <p:nvPicPr>
-          <p:cNvPr id="8" name="Объект 7"/>
-          <p:cNvPicPr>
-            <a:picLocks noGrp="1" noChangeAspect="1"/>
-          </p:cNvPicPr>
-          <p:nvPr>
-            <p:ph idx="1"/>
-          </p:nvPr>
-        </p:nvPicPr>
-        <p:blipFill>
-          <a:blip r:embed="rId2">
-            <a:extLst>
-              <a:ext uri="{BEBA8EAE-BF5A-486C-A8C5-ECC9F3942E4B}">
-                <a14:imgProps xmlns:a14="http://schemas.microsoft.com/office/drawing/2010/main">
-                  <a14:imgLayer r:embed="rId3">
-                    <a14:imgEffect>
-                      <a14:brightnessContrast contrast="20000"/>
-                    </a14:imgEffect>
-                  </a14:imgLayer>
-                </a14:imgProps>
-              </a:ext>
-              <a:ext uri="{28A0092B-C50C-407E-A947-70E740481C1C}">
-                <a14:useLocalDpi xmlns:a14="http://schemas.microsoft.com/office/drawing/2010/main" val="0"/>
-              </a:ext>
-            </a:extLst>
-          </a:blip>
-          <a:stretch>
-            <a:fillRect/>
-          </a:stretch>
-        </p:blipFill>
-        <p:spPr>
-          <a:xfrm>
-            <a:off x="1045029" y="1826857"/>
-            <a:ext cx="2124075" cy="3848100"/>
-          </a:xfrm>
-        </p:spPr>
-      </p:pic>
       <p:sp>
         <p:nvSpPr>
           <p:cNvPr id="10" name="TextBox 9"/>
@@ -5622,14 +8794,11 @@
           <a:lstStyle/>
           <a:p>
             <a:r>
-              <a:rPr lang="ru-RU" dirty="0" smtClean="0">
+              <a:rPr lang="ru-RU" dirty="0">
                 <a:latin typeface="Arial Black" panose="020B0A04020102020204" pitchFamily="34" charset="0"/>
               </a:rPr>
               <a:t>Объясняет непонятливым динозаврам, что делать</a:t>
             </a:r>
-            <a:endParaRPr lang="ru-RU" dirty="0">
-              <a:latin typeface="Arial Black" panose="020B0A04020102020204" pitchFamily="34" charset="0"/>
-            </a:endParaRPr>
           </a:p>
         </p:txBody>
       </p:sp>
@@ -5648,7 +8817,7 @@
           <p:nvPr/>
         </p:nvPicPr>
         <p:blipFill>
-          <a:blip r:embed="rId4">
+          <a:blip r:embed="rId2">
             <a:extLst>
               <a:ext uri="{28A0092B-C50C-407E-A947-70E740481C1C}">
                 <a14:useLocalDpi xmlns:a14="http://schemas.microsoft.com/office/drawing/2010/main" val="0"/>
@@ -5669,6 +8838,42 @@
           </a:prstGeom>
         </p:spPr>
       </p:pic>
+      <p:pic>
+        <p:nvPicPr>
+          <p:cNvPr id="5" name="Рисунок 4">
+            <a:extLst>
+              <a:ext uri="{FF2B5EF4-FFF2-40B4-BE49-F238E27FC236}">
+                <a16:creationId xmlns:a16="http://schemas.microsoft.com/office/drawing/2014/main" id="{CED72EB0-164C-4FB8-AC68-73E17C85A7BC}"/>
+              </a:ext>
+            </a:extLst>
+          </p:cNvPr>
+          <p:cNvPicPr>
+            <a:picLocks noChangeAspect="1"/>
+          </p:cNvPicPr>
+          <p:nvPr/>
+        </p:nvPicPr>
+        <p:blipFill>
+          <a:blip r:embed="rId3">
+            <a:extLst>
+              <a:ext uri="{28A0092B-C50C-407E-A947-70E740481C1C}">
+                <a14:useLocalDpi xmlns:a14="http://schemas.microsoft.com/office/drawing/2010/main" val="0"/>
+              </a:ext>
+            </a:extLst>
+          </a:blip>
+          <a:stretch>
+            <a:fillRect/>
+          </a:stretch>
+        </p:blipFill>
+        <p:spPr>
+          <a:xfrm>
+            <a:off x="1367443" y="1730828"/>
+            <a:ext cx="2124075" cy="3848100"/>
+          </a:xfrm>
+          <a:prstGeom prst="rect">
+            <a:avLst/>
+          </a:prstGeom>
+        </p:spPr>
+      </p:pic>
     </p:spTree>
     <p:extLst>
       <p:ext uri="{BB962C8B-B14F-4D97-AF65-F5344CB8AC3E}">
@@ -5679,6 +8884,9 @@
   <p:clrMapOvr>
     <a:masterClrMapping/>
   </p:clrMapOvr>
+  <p:transition spd="slow">
+    <p:push dir="u"/>
+  </p:transition>
   <p:timing>
     <p:tnLst>
       <p:par>
@@ -5703,7 +8911,7 @@
                             </p:stCondLst>
                             <p:childTnLst>
                               <p:par>
-                                <p:cTn id="5" presetID="2" presetClass="entr" presetSubtype="2" fill="hold" nodeType="afterEffect">
+                                <p:cTn id="5" presetID="47" presetClass="entr" presetSubtype="0" fill="hold" grpId="0" nodeType="afterEffect">
                                   <p:stCondLst>
                                     <p:cond delay="0"/>
                                   </p:stCondLst>
@@ -5711,6 +8919,177 @@
                                     <p:set>
                                       <p:cBhvr>
                                         <p:cTn id="6" dur="1" fill="hold">
+                                          <p:stCondLst>
+                                            <p:cond delay="0"/>
+                                          </p:stCondLst>
+                                        </p:cTn>
+                                        <p:tgtEl>
+                                          <p:spTgt spid="2"/>
+                                        </p:tgtEl>
+                                        <p:attrNameLst>
+                                          <p:attrName>style.visibility</p:attrName>
+                                        </p:attrNameLst>
+                                      </p:cBhvr>
+                                      <p:to>
+                                        <p:strVal val="visible"/>
+                                      </p:to>
+                                    </p:set>
+                                    <p:animEffect transition="in" filter="fade">
+                                      <p:cBhvr>
+                                        <p:cTn id="7" dur="1000"/>
+                                        <p:tgtEl>
+                                          <p:spTgt spid="2"/>
+                                        </p:tgtEl>
+                                      </p:cBhvr>
+                                    </p:animEffect>
+                                    <p:anim calcmode="lin" valueType="num">
+                                      <p:cBhvr>
+                                        <p:cTn id="8" dur="1000" fill="hold"/>
+                                        <p:tgtEl>
+                                          <p:spTgt spid="2"/>
+                                        </p:tgtEl>
+                                        <p:attrNameLst>
+                                          <p:attrName>ppt_x</p:attrName>
+                                        </p:attrNameLst>
+                                      </p:cBhvr>
+                                      <p:tavLst>
+                                        <p:tav tm="0">
+                                          <p:val>
+                                            <p:strVal val="#ppt_x"/>
+                                          </p:val>
+                                        </p:tav>
+                                        <p:tav tm="100000">
+                                          <p:val>
+                                            <p:strVal val="#ppt_x"/>
+                                          </p:val>
+                                        </p:tav>
+                                      </p:tavLst>
+                                    </p:anim>
+                                    <p:anim calcmode="lin" valueType="num">
+                                      <p:cBhvr>
+                                        <p:cTn id="9" dur="1000" fill="hold"/>
+                                        <p:tgtEl>
+                                          <p:spTgt spid="2"/>
+                                        </p:tgtEl>
+                                        <p:attrNameLst>
+                                          <p:attrName>ppt_y</p:attrName>
+                                        </p:attrNameLst>
+                                      </p:cBhvr>
+                                      <p:tavLst>
+                                        <p:tav tm="0">
+                                          <p:val>
+                                            <p:strVal val="#ppt_y-.1"/>
+                                          </p:val>
+                                        </p:tav>
+                                        <p:tav tm="100000">
+                                          <p:val>
+                                            <p:strVal val="#ppt_y"/>
+                                          </p:val>
+                                        </p:tav>
+                                      </p:tavLst>
+                                    </p:anim>
+                                  </p:childTnLst>
+                                </p:cTn>
+                              </p:par>
+                              <p:par>
+                                <p:cTn id="10" presetID="47" presetClass="entr" presetSubtype="0" fill="hold" grpId="0" nodeType="withEffect">
+                                  <p:stCondLst>
+                                    <p:cond delay="0"/>
+                                  </p:stCondLst>
+                                  <p:childTnLst>
+                                    <p:set>
+                                      <p:cBhvr>
+                                        <p:cTn id="11" dur="1" fill="hold">
+                                          <p:stCondLst>
+                                            <p:cond delay="0"/>
+                                          </p:stCondLst>
+                                        </p:cTn>
+                                        <p:tgtEl>
+                                          <p:spTgt spid="4"/>
+                                        </p:tgtEl>
+                                        <p:attrNameLst>
+                                          <p:attrName>style.visibility</p:attrName>
+                                        </p:attrNameLst>
+                                      </p:cBhvr>
+                                      <p:to>
+                                        <p:strVal val="visible"/>
+                                      </p:to>
+                                    </p:set>
+                                    <p:animEffect transition="in" filter="fade">
+                                      <p:cBhvr>
+                                        <p:cTn id="12" dur="1000"/>
+                                        <p:tgtEl>
+                                          <p:spTgt spid="4"/>
+                                        </p:tgtEl>
+                                      </p:cBhvr>
+                                    </p:animEffect>
+                                    <p:anim calcmode="lin" valueType="num">
+                                      <p:cBhvr>
+                                        <p:cTn id="13" dur="1000" fill="hold"/>
+                                        <p:tgtEl>
+                                          <p:spTgt spid="4"/>
+                                        </p:tgtEl>
+                                        <p:attrNameLst>
+                                          <p:attrName>ppt_x</p:attrName>
+                                        </p:attrNameLst>
+                                      </p:cBhvr>
+                                      <p:tavLst>
+                                        <p:tav tm="0">
+                                          <p:val>
+                                            <p:strVal val="#ppt_x"/>
+                                          </p:val>
+                                        </p:tav>
+                                        <p:tav tm="100000">
+                                          <p:val>
+                                            <p:strVal val="#ppt_x"/>
+                                          </p:val>
+                                        </p:tav>
+                                      </p:tavLst>
+                                    </p:anim>
+                                    <p:anim calcmode="lin" valueType="num">
+                                      <p:cBhvr>
+                                        <p:cTn id="14" dur="1000" fill="hold"/>
+                                        <p:tgtEl>
+                                          <p:spTgt spid="4"/>
+                                        </p:tgtEl>
+                                        <p:attrNameLst>
+                                          <p:attrName>ppt_y</p:attrName>
+                                        </p:attrNameLst>
+                                      </p:cBhvr>
+                                      <p:tavLst>
+                                        <p:tav tm="0">
+                                          <p:val>
+                                            <p:strVal val="#ppt_y-.1"/>
+                                          </p:val>
+                                        </p:tav>
+                                        <p:tav tm="100000">
+                                          <p:val>
+                                            <p:strVal val="#ppt_y"/>
+                                          </p:val>
+                                        </p:tav>
+                                      </p:tavLst>
+                                    </p:anim>
+                                  </p:childTnLst>
+                                </p:cTn>
+                              </p:par>
+                            </p:childTnLst>
+                          </p:cTn>
+                        </p:par>
+                        <p:par>
+                          <p:cTn id="15" fill="hold">
+                            <p:stCondLst>
+                              <p:cond delay="1000"/>
+                            </p:stCondLst>
+                            <p:childTnLst>
+                              <p:par>
+                                <p:cTn id="16" presetID="2" presetClass="entr" presetSubtype="4" fill="hold" nodeType="afterEffect">
+                                  <p:stCondLst>
+                                    <p:cond delay="0"/>
+                                  </p:stCondLst>
+                                  <p:childTnLst>
+                                    <p:set>
+                                      <p:cBhvr>
+                                        <p:cTn id="17" dur="1" fill="hold">
                                           <p:stCondLst>
                                             <p:cond delay="0"/>
                                           </p:stCondLst>
@@ -5728,7 +9107,7 @@
                                     </p:set>
                                     <p:anim calcmode="lin" valueType="num">
                                       <p:cBhvr additive="base">
-                                        <p:cTn id="7" dur="500" fill="hold"/>
+                                        <p:cTn id="18" dur="1250" fill="hold"/>
                                         <p:tgtEl>
                                           <p:spTgt spid="7"/>
                                         </p:tgtEl>
@@ -5739,7 +9118,7 @@
                                       <p:tavLst>
                                         <p:tav tm="0">
                                           <p:val>
-                                            <p:strVal val="1+#ppt_w/2"/>
+                                            <p:strVal val="#ppt_x"/>
                                           </p:val>
                                         </p:tav>
                                         <p:tav tm="100000">
@@ -5751,7 +9130,7 @@
                                     </p:anim>
                                     <p:anim calcmode="lin" valueType="num">
                                       <p:cBhvr additive="base">
-                                        <p:cTn id="8" dur="500" fill="hold"/>
+                                        <p:cTn id="19" dur="1250" fill="hold"/>
                                         <p:tgtEl>
                                           <p:spTgt spid="7"/>
                                         </p:tgtEl>
@@ -5762,7 +9141,170 @@
                                       <p:tavLst>
                                         <p:tav tm="0">
                                           <p:val>
+                                            <p:strVal val="1+#ppt_h/2"/>
+                                          </p:val>
+                                        </p:tav>
+                                        <p:tav tm="100000">
+                                          <p:val>
                                             <p:strVal val="#ppt_y"/>
+                                          </p:val>
+                                        </p:tav>
+                                      </p:tavLst>
+                                    </p:anim>
+                                  </p:childTnLst>
+                                </p:cTn>
+                              </p:par>
+                              <p:par>
+                                <p:cTn id="20" presetID="2" presetClass="entr" presetSubtype="4" fill="hold" nodeType="withEffect">
+                                  <p:stCondLst>
+                                    <p:cond delay="0"/>
+                                  </p:stCondLst>
+                                  <p:childTnLst>
+                                    <p:set>
+                                      <p:cBhvr>
+                                        <p:cTn id="21" dur="1" fill="hold">
+                                          <p:stCondLst>
+                                            <p:cond delay="0"/>
+                                          </p:stCondLst>
+                                        </p:cTn>
+                                        <p:tgtEl>
+                                          <p:spTgt spid="5"/>
+                                        </p:tgtEl>
+                                        <p:attrNameLst>
+                                          <p:attrName>style.visibility</p:attrName>
+                                        </p:attrNameLst>
+                                      </p:cBhvr>
+                                      <p:to>
+                                        <p:strVal val="visible"/>
+                                      </p:to>
+                                    </p:set>
+                                    <p:anim calcmode="lin" valueType="num">
+                                      <p:cBhvr additive="base">
+                                        <p:cTn id="22" dur="1250" fill="hold"/>
+                                        <p:tgtEl>
+                                          <p:spTgt spid="5"/>
+                                        </p:tgtEl>
+                                        <p:attrNameLst>
+                                          <p:attrName>ppt_x</p:attrName>
+                                        </p:attrNameLst>
+                                      </p:cBhvr>
+                                      <p:tavLst>
+                                        <p:tav tm="0">
+                                          <p:val>
+                                            <p:strVal val="#ppt_x"/>
+                                          </p:val>
+                                        </p:tav>
+                                        <p:tav tm="100000">
+                                          <p:val>
+                                            <p:strVal val="#ppt_x"/>
+                                          </p:val>
+                                        </p:tav>
+                                      </p:tavLst>
+                                    </p:anim>
+                                    <p:anim calcmode="lin" valueType="num">
+                                      <p:cBhvr additive="base">
+                                        <p:cTn id="23" dur="1250" fill="hold"/>
+                                        <p:tgtEl>
+                                          <p:spTgt spid="5"/>
+                                        </p:tgtEl>
+                                        <p:attrNameLst>
+                                          <p:attrName>ppt_y</p:attrName>
+                                        </p:attrNameLst>
+                                      </p:cBhvr>
+                                      <p:tavLst>
+                                        <p:tav tm="0">
+                                          <p:val>
+                                            <p:strVal val="1+#ppt_h/2"/>
+                                          </p:val>
+                                        </p:tav>
+                                        <p:tav tm="100000">
+                                          <p:val>
+                                            <p:strVal val="#ppt_y"/>
+                                          </p:val>
+                                        </p:tav>
+                                      </p:tavLst>
+                                    </p:anim>
+                                  </p:childTnLst>
+                                </p:cTn>
+                              </p:par>
+                            </p:childTnLst>
+                          </p:cTn>
+                        </p:par>
+                        <p:par>
+                          <p:cTn id="24" fill="hold">
+                            <p:stCondLst>
+                              <p:cond delay="2250"/>
+                            </p:stCondLst>
+                            <p:childTnLst>
+                              <p:par>
+                                <p:cTn id="25" presetID="42" presetClass="entr" presetSubtype="0" fill="hold" grpId="0" nodeType="afterEffect">
+                                  <p:stCondLst>
+                                    <p:cond delay="0"/>
+                                  </p:stCondLst>
+                                  <p:childTnLst>
+                                    <p:set>
+                                      <p:cBhvr>
+                                        <p:cTn id="26" dur="1" fill="hold">
+                                          <p:stCondLst>
+                                            <p:cond delay="0"/>
+                                          </p:stCondLst>
+                                        </p:cTn>
+                                        <p:tgtEl>
+                                          <p:spTgt spid="10"/>
+                                        </p:tgtEl>
+                                        <p:attrNameLst>
+                                          <p:attrName>style.visibility</p:attrName>
+                                        </p:attrNameLst>
+                                      </p:cBhvr>
+                                      <p:to>
+                                        <p:strVal val="visible"/>
+                                      </p:to>
+                                    </p:set>
+                                    <p:animEffect transition="in" filter="fade">
+                                      <p:cBhvr>
+                                        <p:cTn id="27" dur="1000"/>
+                                        <p:tgtEl>
+                                          <p:spTgt spid="10"/>
+                                        </p:tgtEl>
+                                      </p:cBhvr>
+                                    </p:animEffect>
+                                    <p:anim calcmode="lin" valueType="num">
+                                      <p:cBhvr>
+                                        <p:cTn id="28" dur="1000" fill="hold"/>
+                                        <p:tgtEl>
+                                          <p:spTgt spid="10"/>
+                                        </p:tgtEl>
+                                        <p:attrNameLst>
+                                          <p:attrName>ppt_x</p:attrName>
+                                        </p:attrNameLst>
+                                      </p:cBhvr>
+                                      <p:tavLst>
+                                        <p:tav tm="0">
+                                          <p:val>
+                                            <p:strVal val="#ppt_x"/>
+                                          </p:val>
+                                        </p:tav>
+                                        <p:tav tm="100000">
+                                          <p:val>
+                                            <p:strVal val="#ppt_x"/>
+                                          </p:val>
+                                        </p:tav>
+                                      </p:tavLst>
+                                    </p:anim>
+                                    <p:anim calcmode="lin" valueType="num">
+                                      <p:cBhvr>
+                                        <p:cTn id="29" dur="1000" fill="hold"/>
+                                        <p:tgtEl>
+                                          <p:spTgt spid="10"/>
+                                        </p:tgtEl>
+                                        <p:attrNameLst>
+                                          <p:attrName>ppt_y</p:attrName>
+                                        </p:attrNameLst>
+                                      </p:cBhvr>
+                                      <p:tavLst>
+                                        <p:tav tm="0">
+                                          <p:val>
+                                            <p:strVal val="#ppt_y+.1"/>
                                           </p:val>
                                         </p:tav>
                                         <p:tav tm="100000">
@@ -5802,6 +9344,11 @@
         </p:cTn>
       </p:par>
     </p:tnLst>
+    <p:bldLst>
+      <p:bldP spid="2" grpId="0"/>
+      <p:bldP spid="4" grpId="0"/>
+      <p:bldP spid="10" grpId="0"/>
+    </p:bldLst>
   </p:timing>
 </p:sld>
 </file>
@@ -5854,7 +9401,7 @@
           <a:lstStyle/>
           <a:p>
             <a:r>
-              <a:rPr lang="ru-RU" dirty="0" smtClean="0">
+              <a:rPr lang="ru-RU" dirty="0">
                 <a:solidFill>
                   <a:srgbClr val="ABC357"/>
                 </a:solidFill>
@@ -5863,14 +9410,11 @@
               <a:t>Использованные </a:t>
             </a:r>
             <a:r>
-              <a:rPr lang="ru-RU" dirty="0" smtClean="0">
+              <a:rPr lang="ru-RU" dirty="0">
                 <a:latin typeface="Arial Black" panose="020B0A04020102020204" pitchFamily="34" charset="0"/>
               </a:rPr>
               <a:t>библиотеки</a:t>
             </a:r>
-            <a:endParaRPr lang="ru-RU" dirty="0">
-              <a:latin typeface="Arial Black" panose="020B0A04020102020204" pitchFamily="34" charset="0"/>
-            </a:endParaRPr>
           </a:p>
         </p:txBody>
       </p:sp>
@@ -5916,7 +9460,7 @@
           </a:lstStyle>
           <a:p>
             <a:r>
-              <a:rPr lang="ru-RU" dirty="0" smtClean="0">
+              <a:rPr lang="ru-RU" dirty="0">
                 <a:solidFill>
                   <a:srgbClr val="ABC357"/>
                 </a:solidFill>
@@ -5925,55 +9469,14 @@
               <a:t>Приложение</a:t>
             </a:r>
             <a:r>
-              <a:rPr lang="ru-RU" dirty="0" smtClean="0">
+              <a:rPr lang="ru-RU" dirty="0">
                 <a:latin typeface="Arial Black" panose="020B0A04020102020204" pitchFamily="34" charset="0"/>
               </a:rPr>
               <a:t> для создания карты</a:t>
             </a:r>
-            <a:endParaRPr lang="ru-RU" dirty="0">
-              <a:latin typeface="Arial Black" panose="020B0A04020102020204" pitchFamily="34" charset="0"/>
-            </a:endParaRPr>
           </a:p>
         </p:txBody>
       </p:sp>
-      <p:pic>
-        <p:nvPicPr>
-          <p:cNvPr id="12" name="Рисунок 11"/>
-          <p:cNvPicPr/>
-          <p:nvPr/>
-        </p:nvPicPr>
-        <p:blipFill>
-          <a:blip r:embed="rId2">
-            <a:extLst>
-              <a:ext uri="{28A0092B-C50C-407E-A947-70E740481C1C}">
-                <a14:useLocalDpi xmlns:a14="http://schemas.microsoft.com/office/drawing/2010/main" val="0"/>
-              </a:ext>
-            </a:extLst>
-          </a:blip>
-          <a:stretch>
-            <a:fillRect/>
-          </a:stretch>
-        </p:blipFill>
-        <p:spPr>
-          <a:xfrm>
-            <a:off x="6965058" y="3384884"/>
-            <a:ext cx="2598018" cy="2393924"/>
-          </a:xfrm>
-          <a:prstGeom prst="rect">
-            <a:avLst/>
-          </a:prstGeom>
-          <a:ln>
-            <a:noFill/>
-          </a:ln>
-          <a:effectLst>
-            <a:outerShdw blurRad="292100" dist="139700" dir="2700000" algn="tl" rotWithShape="0">
-              <a:srgbClr val="333333">
-                <a:alpha val="65000"/>
-              </a:srgbClr>
-            </a:outerShdw>
-          </a:effectLst>
-        </p:spPr>
-      </p:pic>
       <p:pic>
         <p:nvPicPr>
           <p:cNvPr id="9" name="Объект 8">
@@ -5991,7 +9494,7 @@
           </p:nvPr>
         </p:nvPicPr>
         <p:blipFill>
-          <a:blip r:embed="rId3">
+          <a:blip r:embed="rId2">
             <a:extLst>
               <a:ext uri="{28A0092B-C50C-407E-A947-70E740481C1C}">
                 <a14:useLocalDpi xmlns:a14="http://schemas.microsoft.com/office/drawing/2010/main" val="0"/>
@@ -6022,6 +9525,53 @@
           </a:effectLst>
         </p:spPr>
       </p:pic>
+      <p:pic>
+        <p:nvPicPr>
+          <p:cNvPr id="1026" name="Picture 2">
+            <a:extLst>
+              <a:ext uri="{FF2B5EF4-FFF2-40B4-BE49-F238E27FC236}">
+                <a16:creationId xmlns:a16="http://schemas.microsoft.com/office/drawing/2014/main" id="{CC9481C4-22CF-4D91-8712-87312D2839F3}"/>
+              </a:ext>
+            </a:extLst>
+          </p:cNvPr>
+          <p:cNvPicPr>
+            <a:picLocks noChangeAspect="1" noChangeArrowheads="1"/>
+          </p:cNvPicPr>
+          <p:nvPr/>
+        </p:nvPicPr>
+        <p:blipFill>
+          <a:blip r:embed="rId3">
+            <a:extLst>
+              <a:ext uri="{28A0092B-C50C-407E-A947-70E740481C1C}">
+                <a14:useLocalDpi xmlns:a14="http://schemas.microsoft.com/office/drawing/2010/main" val="0"/>
+              </a:ext>
+            </a:extLst>
+          </a:blip>
+          <a:srcRect/>
+          <a:stretch>
+            <a:fillRect/>
+          </a:stretch>
+        </p:blipFill>
+        <p:spPr bwMode="auto">
+          <a:xfrm>
+            <a:off x="6971230" y="3915712"/>
+            <a:ext cx="3990975" cy="2171700"/>
+          </a:xfrm>
+          <a:prstGeom prst="rect">
+            <a:avLst/>
+          </a:prstGeom>
+          <a:noFill/>
+          <a:extLst>
+            <a:ext uri="{909E8E84-426E-40DD-AFC4-6F175D3DCCD1}">
+              <a14:hiddenFill xmlns:a14="http://schemas.microsoft.com/office/drawing/2010/main">
+                <a:solidFill>
+                  <a:srgbClr val="FFFFFF"/>
+                </a:solidFill>
+              </a14:hiddenFill>
+            </a:ext>
+          </a:extLst>
+        </p:spPr>
+      </p:pic>
     </p:spTree>
     <p:extLst>
       <p:ext uri="{BB962C8B-B14F-4D97-AF65-F5344CB8AC3E}">
@@ -6032,6 +9582,9 @@
   <p:clrMapOvr>
     <a:masterClrMapping/>
   </p:clrMapOvr>
+  <p:transition spd="slow">
+    <p:push dir="u"/>
+  </p:transition>
   <p:timing>
     <p:tnLst>
       <p:par>
@@ -6056,7 +9609,7 @@
                             </p:stCondLst>
                             <p:childTnLst>
                               <p:par>
-                                <p:cTn id="5" presetID="42" presetClass="entr" presetSubtype="0" fill="hold" nodeType="withEffect">
+                                <p:cTn id="5" presetID="10" presetClass="entr" presetSubtype="0" fill="hold" nodeType="afterEffect">
                                   <p:stCondLst>
                                     <p:cond delay="0"/>
                                   </p:stCondLst>
@@ -6081,17 +9634,61 @@
                                     </p:set>
                                     <p:animEffect transition="in" filter="fade">
                                       <p:cBhvr>
-                                        <p:cTn id="7" dur="1000"/>
+                                        <p:cTn id="7" dur="500"/>
                                         <p:tgtEl>
                                           <p:spTgt spid="9"/>
+                                        </p:tgtEl>
+                                      </p:cBhvr>
+                                    </p:animEffect>
+                                  </p:childTnLst>
+                                </p:cTn>
+                              </p:par>
+                            </p:childTnLst>
+                          </p:cTn>
+                        </p:par>
+                        <p:par>
+                          <p:cTn id="8" fill="hold">
+                            <p:stCondLst>
+                              <p:cond delay="500"/>
+                            </p:stCondLst>
+                            <p:childTnLst>
+                              <p:par>
+                                <p:cTn id="9" presetID="47" presetClass="entr" presetSubtype="0" fill="hold" grpId="0" nodeType="afterEffect">
+                                  <p:stCondLst>
+                                    <p:cond delay="0"/>
+                                  </p:stCondLst>
+                                  <p:childTnLst>
+                                    <p:set>
+                                      <p:cBhvr>
+                                        <p:cTn id="10" dur="1" fill="hold">
+                                          <p:stCondLst>
+                                            <p:cond delay="0"/>
+                                          </p:stCondLst>
+                                        </p:cTn>
+                                        <p:tgtEl>
+                                          <p:spTgt spid="2"/>
+                                        </p:tgtEl>
+                                        <p:attrNameLst>
+                                          <p:attrName>style.visibility</p:attrName>
+                                        </p:attrNameLst>
+                                      </p:cBhvr>
+                                      <p:to>
+                                        <p:strVal val="visible"/>
+                                      </p:to>
+                                    </p:set>
+                                    <p:animEffect transition="in" filter="fade">
+                                      <p:cBhvr>
+                                        <p:cTn id="11" dur="1000"/>
+                                        <p:tgtEl>
+                                          <p:spTgt spid="2"/>
                                         </p:tgtEl>
                                       </p:cBhvr>
                                     </p:animEffect>
                                     <p:anim calcmode="lin" valueType="num">
                                       <p:cBhvr>
-                                        <p:cTn id="8" dur="1000" fill="hold"/>
-                                        <p:tgtEl>
-                                          <p:spTgt spid="9"/>
+                                        <p:cTn id="12" dur="1000" fill="hold"/>
+                                        <p:tgtEl>
+                                          <p:spTgt spid="2"/>
                                         </p:tgtEl>
                                         <p:attrNameLst>
                                           <p:attrName>ppt_x</p:attrName>
@@ -6112,9 +9709,9 @@
                                     </p:anim>
                                     <p:anim calcmode="lin" valueType="num">
                                       <p:cBhvr>
-                                        <p:cTn id="9" dur="1000" fill="hold"/>
-                                        <p:tgtEl>
-                                          <p:spTgt spid="9"/>
+                                        <p:cTn id="13" dur="1000" fill="hold"/>
+                                        <p:tgtEl>
+                                          <p:spTgt spid="2"/>
                                         </p:tgtEl>
                                         <p:attrNameLst>
                                           <p:attrName>ppt_y</p:attrName>
@@ -6123,7 +9720,7 @@
                                       <p:tavLst>
                                         <p:tav tm="0">
                                           <p:val>
-                                            <p:strVal val="#ppt_y+.1"/>
+                                            <p:strVal val="#ppt_y-.1"/>
                                           </p:val>
                                         </p:tav>
                                         <p:tav tm="100000">
@@ -6133,6 +9730,122 @@
                                         </p:tav>
                                       </p:tavLst>
                                     </p:anim>
+                                  </p:childTnLst>
+                                </p:cTn>
+                              </p:par>
+                              <p:par>
+                                <p:cTn id="14" presetID="47" presetClass="entr" presetSubtype="0" fill="hold" grpId="0" nodeType="withEffect">
+                                  <p:stCondLst>
+                                    <p:cond delay="0"/>
+                                  </p:stCondLst>
+                                  <p:childTnLst>
+                                    <p:set>
+                                      <p:cBhvr>
+                                        <p:cTn id="15" dur="1" fill="hold">
+                                          <p:stCondLst>
+                                            <p:cond delay="0"/>
+                                          </p:stCondLst>
+                                        </p:cTn>
+                                        <p:tgtEl>
+                                          <p:spTgt spid="4"/>
+                                        </p:tgtEl>
+                                        <p:attrNameLst>
+                                          <p:attrName>style.visibility</p:attrName>
+                                        </p:attrNameLst>
+                                      </p:cBhvr>
+                                      <p:to>
+                                        <p:strVal val="visible"/>
+                                      </p:to>
+                                    </p:set>
+                                    <p:animEffect transition="in" filter="fade">
+                                      <p:cBhvr>
+                                        <p:cTn id="16" dur="1000"/>
+                                        <p:tgtEl>
+                                          <p:spTgt spid="4"/>
+                                        </p:tgtEl>
+                                      </p:cBhvr>
+                                    </p:animEffect>
+                                    <p:anim calcmode="lin" valueType="num">
+                                      <p:cBhvr>
+                                        <p:cTn id="17" dur="1000" fill="hold"/>
+                                        <p:tgtEl>
+                                          <p:spTgt spid="4"/>
+                                        </p:tgtEl>
+                                        <p:attrNameLst>
+                                          <p:attrName>ppt_x</p:attrName>
+                                        </p:attrNameLst>
+                                      </p:cBhvr>
+                                      <p:tavLst>
+                                        <p:tav tm="0">
+                                          <p:val>
+                                            <p:strVal val="#ppt_x"/>
+                                          </p:val>
+                                        </p:tav>
+                                        <p:tav tm="100000">
+                                          <p:val>
+                                            <p:strVal val="#ppt_x"/>
+                                          </p:val>
+                                        </p:tav>
+                                      </p:tavLst>
+                                    </p:anim>
+                                    <p:anim calcmode="lin" valueType="num">
+                                      <p:cBhvr>
+                                        <p:cTn id="18" dur="1000" fill="hold"/>
+                                        <p:tgtEl>
+                                          <p:spTgt spid="4"/>
+                                        </p:tgtEl>
+                                        <p:attrNameLst>
+                                          <p:attrName>ppt_y</p:attrName>
+                                        </p:attrNameLst>
+                                      </p:cBhvr>
+                                      <p:tavLst>
+                                        <p:tav tm="0">
+                                          <p:val>
+                                            <p:strVal val="#ppt_y-.1"/>
+                                          </p:val>
+                                        </p:tav>
+                                        <p:tav tm="100000">
+                                          <p:val>
+                                            <p:strVal val="#ppt_y"/>
+                                          </p:val>
+                                        </p:tav>
+                                      </p:tavLst>
+                                    </p:anim>
+                                  </p:childTnLst>
+                                </p:cTn>
+                              </p:par>
+                              <p:par>
+                                <p:cTn id="19" presetID="10" presetClass="entr" presetSubtype="0" fill="hold" nodeType="withEffect">
+                                  <p:stCondLst>
+                                    <p:cond delay="0"/>
+                                  </p:stCondLst>
+                                  <p:childTnLst>
+                                    <p:set>
+                                      <p:cBhvr>
+                                        <p:cTn id="20" dur="1" fill="hold">
+                                          <p:stCondLst>
+                                            <p:cond delay="0"/>
+                                          </p:stCondLst>
+                                        </p:cTn>
+                                        <p:tgtEl>
+                                          <p:spTgt spid="1026"/>
+                                        </p:tgtEl>
+                                        <p:attrNameLst>
+                                          <p:attrName>style.visibility</p:attrName>
+                                        </p:attrNameLst>
+                                      </p:cBhvr>
+                                      <p:to>
+                                        <p:strVal val="visible"/>
+                                      </p:to>
+                                    </p:set>
+                                    <p:animEffect transition="in" filter="fade">
+                                      <p:cBhvr>
+                                        <p:cTn id="21" dur="500"/>
+                                        <p:tgtEl>
+                                          <p:spTgt spid="1026"/>
+                                        </p:tgtEl>
+                                      </p:cBhvr>
+                                    </p:animEffect>
                                   </p:childTnLst>
                                 </p:cTn>
                               </p:par>
@@ -6163,6 +9876,10 @@
         </p:cTn>
       </p:par>
     </p:tnLst>
+    <p:bldLst>
+      <p:bldP spid="2" grpId="0"/>
+      <p:bldP spid="4" grpId="0"/>
+    </p:bldLst>
   </p:timing>
 </p:sld>
 </file>
